--- a/ldp_ludo.pptx
+++ b/ldp_ludo.pptx
@@ -7,6 +7,8 @@
   <p:sldIdLst>
     <p:sldId id="256" r:id="rId2"/>
     <p:sldId id="257" r:id="rId3"/>
+    <p:sldId id="258" r:id="rId4"/>
+    <p:sldId id="259" r:id="rId5"/>
   </p:sldIdLst>
   <p:sldSz cx="12192000" cy="6858000"/>
   <p:notesSz cx="6858000" cy="9144000"/>
@@ -105,6 +107,11 @@
       </a:defRPr>
     </a:lvl9pPr>
   </p:defaultTextStyle>
+  <p:extLst>
+    <p:ext uri="{EFAFB233-063F-42B5-8137-9DF3F51BA10A}">
+      <p15:sldGuideLst xmlns:p15="http://schemas.microsoft.com/office/powerpoint/2012/main"/>
+    </p:ext>
+  </p:extLst>
 </p:presentation>
 </file>
 
@@ -3485,6 +3492,252 @@
 </p:sld>
 </file>
 
+<file path=ppt/slides/slide3.xml><?xml version="1.0" encoding="utf-8"?>
+<p:sld xmlns:a="http://schemas.openxmlformats.org/drawingml/2006/main" xmlns:r="http://schemas.openxmlformats.org/officeDocument/2006/relationships" xmlns:p="http://schemas.openxmlformats.org/presentationml/2006/main">
+  <p:cSld>
+    <p:spTree>
+      <p:nvGrpSpPr>
+        <p:cNvPr id="1" name=""/>
+        <p:cNvGrpSpPr/>
+        <p:nvPr/>
+      </p:nvGrpSpPr>
+      <p:grpSpPr>
+        <a:xfrm>
+          <a:off x="0" y="0"/>
+          <a:ext cx="0" cy="0"/>
+          <a:chOff x="0" y="0"/>
+          <a:chExt cx="0" cy="0"/>
+        </a:xfrm>
+      </p:grpSpPr>
+      <p:sp>
+        <p:nvSpPr>
+          <p:cNvPr id="2" name="Título 1">
+            <a:extLst>
+              <a:ext uri="{FF2B5EF4-FFF2-40B4-BE49-F238E27FC236}">
+                <a16:creationId xmlns:a16="http://schemas.microsoft.com/office/drawing/2014/main" id="{C5F2D385-ABF2-10AA-6087-FB72E8207FCB}"/>
+              </a:ext>
+            </a:extLst>
+          </p:cNvPr>
+          <p:cNvSpPr>
+            <a:spLocks noGrp="1"/>
+          </p:cNvSpPr>
+          <p:nvPr>
+            <p:ph type="title"/>
+          </p:nvPr>
+        </p:nvSpPr>
+        <p:spPr/>
+        <p:txBody>
+          <a:bodyPr/>
+          <a:lstStyle/>
+          <a:p>
+            <a:r>
+              <a:rPr lang="pt-PT" dirty="0"/>
+              <a:t>O que é o Ludo?</a:t>
+            </a:r>
+          </a:p>
+        </p:txBody>
+      </p:sp>
+      <p:sp>
+        <p:nvSpPr>
+          <p:cNvPr id="4" name="Marcador de Posição do Texto 3">
+            <a:extLst>
+              <a:ext uri="{FF2B5EF4-FFF2-40B4-BE49-F238E27FC236}">
+                <a16:creationId xmlns:a16="http://schemas.microsoft.com/office/drawing/2014/main" id="{9424DB16-A061-1419-638A-DD10408BADCF}"/>
+              </a:ext>
+            </a:extLst>
+          </p:cNvPr>
+          <p:cNvSpPr>
+            <a:spLocks noGrp="1"/>
+          </p:cNvSpPr>
+          <p:nvPr>
+            <p:ph type="body" sz="half" idx="2"/>
+          </p:nvPr>
+        </p:nvSpPr>
+        <p:spPr/>
+        <p:txBody>
+          <a:bodyPr/>
+          <a:lstStyle/>
+          <a:p>
+            <a:r>
+              <a:rPr lang="pt-PT" dirty="0"/>
+              <a:t>Breve apresentação</a:t>
+            </a:r>
+          </a:p>
+        </p:txBody>
+      </p:sp>
+    </p:spTree>
+    <p:extLst>
+      <p:ext uri="{BB962C8B-B14F-4D97-AF65-F5344CB8AC3E}">
+        <p14:creationId xmlns:p14="http://schemas.microsoft.com/office/powerpoint/2010/main" val="2131341357"/>
+      </p:ext>
+    </p:extLst>
+  </p:cSld>
+  <p:clrMapOvr>
+    <a:masterClrMapping/>
+  </p:clrMapOvr>
+</p:sld>
+</file>
+
+<file path=ppt/slides/slide4.xml><?xml version="1.0" encoding="utf-8"?>
+<p:sld xmlns:a="http://schemas.openxmlformats.org/drawingml/2006/main" xmlns:r="http://schemas.openxmlformats.org/officeDocument/2006/relationships" xmlns:p="http://schemas.openxmlformats.org/presentationml/2006/main">
+  <p:cSld>
+    <p:spTree>
+      <p:nvGrpSpPr>
+        <p:cNvPr id="1" name=""/>
+        <p:cNvGrpSpPr/>
+        <p:nvPr/>
+      </p:nvGrpSpPr>
+      <p:grpSpPr>
+        <a:xfrm>
+          <a:off x="0" y="0"/>
+          <a:ext cx="0" cy="0"/>
+          <a:chOff x="0" y="0"/>
+          <a:chExt cx="0" cy="0"/>
+        </a:xfrm>
+      </p:grpSpPr>
+      <p:sp>
+        <p:nvSpPr>
+          <p:cNvPr id="2" name="Título 1">
+            <a:extLst>
+              <a:ext uri="{FF2B5EF4-FFF2-40B4-BE49-F238E27FC236}">
+                <a16:creationId xmlns:a16="http://schemas.microsoft.com/office/drawing/2014/main" id="{C1AD5599-9365-FB7C-F277-298E88C2497F}"/>
+              </a:ext>
+            </a:extLst>
+          </p:cNvPr>
+          <p:cNvSpPr>
+            <a:spLocks noGrp="1"/>
+          </p:cNvSpPr>
+          <p:nvPr>
+            <p:ph type="title"/>
+          </p:nvPr>
+        </p:nvSpPr>
+        <p:spPr/>
+        <p:txBody>
+          <a:bodyPr/>
+          <a:lstStyle/>
+          <a:p>
+            <a:r>
+              <a:rPr lang="pt-PT" dirty="0"/>
+              <a:t>Elementos do Jogo</a:t>
+            </a:r>
+          </a:p>
+        </p:txBody>
+      </p:sp>
+      <p:sp>
+        <p:nvSpPr>
+          <p:cNvPr id="4" name="Marcador de Posição do Texto 3">
+            <a:extLst>
+              <a:ext uri="{FF2B5EF4-FFF2-40B4-BE49-F238E27FC236}">
+                <a16:creationId xmlns:a16="http://schemas.microsoft.com/office/drawing/2014/main" id="{CFC62C38-3D24-1DC8-640D-8E48F58E42C0}"/>
+              </a:ext>
+            </a:extLst>
+          </p:cNvPr>
+          <p:cNvSpPr>
+            <a:spLocks noGrp="1"/>
+          </p:cNvSpPr>
+          <p:nvPr>
+            <p:ph type="body" sz="half" idx="2"/>
+          </p:nvPr>
+        </p:nvSpPr>
+        <p:spPr/>
+        <p:txBody>
+          <a:bodyPr/>
+          <a:lstStyle/>
+          <a:p>
+            <a:pPr marL="285750" indent="-285750">
+              <a:buFont typeface="Arial" panose="020B0604020202020204" pitchFamily="34" charset="0"/>
+              <a:buChar char="•"/>
+            </a:pPr>
+            <a:r>
+              <a:rPr lang="pt-PT" dirty="0"/>
+              <a:t>Dado</a:t>
+            </a:r>
+          </a:p>
+          <a:p>
+            <a:pPr marL="285750" indent="-285750">
+              <a:buFont typeface="Arial" panose="020B0604020202020204" pitchFamily="34" charset="0"/>
+              <a:buChar char="•"/>
+            </a:pPr>
+            <a:r>
+              <a:rPr lang="pt-PT" dirty="0"/>
+              <a:t>Casas</a:t>
+            </a:r>
+          </a:p>
+          <a:p>
+            <a:pPr marL="285750" indent="-285750">
+              <a:buFont typeface="Arial" panose="020B0604020202020204" pitchFamily="34" charset="0"/>
+              <a:buChar char="•"/>
+            </a:pPr>
+            <a:r>
+              <a:rPr lang="pt-PT" dirty="0"/>
+              <a:t>Caminho</a:t>
+            </a:r>
+          </a:p>
+          <a:p>
+            <a:pPr marL="285750" indent="-285750">
+              <a:buFont typeface="Arial" panose="020B0604020202020204" pitchFamily="34" charset="0"/>
+              <a:buChar char="•"/>
+            </a:pPr>
+            <a:r>
+              <a:rPr lang="pt-PT" dirty="0"/>
+              <a:t>Peças</a:t>
+            </a:r>
+          </a:p>
+          <a:p>
+            <a:pPr marL="285750" indent="-285750">
+              <a:buFont typeface="Arial" panose="020B0604020202020204" pitchFamily="34" charset="0"/>
+              <a:buChar char="•"/>
+            </a:pPr>
+            <a:r>
+              <a:rPr lang="pt-PT" dirty="0"/>
+              <a:t>Área Inicial</a:t>
+            </a:r>
+          </a:p>
+          <a:p>
+            <a:pPr marL="285750" indent="-285750">
+              <a:buFont typeface="Arial" panose="020B0604020202020204" pitchFamily="34" charset="0"/>
+              <a:buChar char="•"/>
+            </a:pPr>
+            <a:r>
+              <a:rPr lang="pt-PT" dirty="0"/>
+              <a:t>Área Final</a:t>
+            </a:r>
+          </a:p>
+          <a:p>
+            <a:pPr marL="285750" indent="-285750">
+              <a:buFont typeface="Arial" panose="020B0604020202020204" pitchFamily="34" charset="0"/>
+              <a:buChar char="•"/>
+            </a:pPr>
+            <a:r>
+              <a:rPr lang="pt-PT" dirty="0"/>
+              <a:t>Casa Final</a:t>
+            </a:r>
+          </a:p>
+          <a:p>
+            <a:pPr marL="285750" indent="-285750">
+              <a:buFont typeface="Arial" panose="020B0604020202020204" pitchFamily="34" charset="0"/>
+              <a:buChar char="•"/>
+            </a:pPr>
+            <a:r>
+              <a:rPr lang="pt-PT" dirty="0"/>
+              <a:t>Tabuleiro</a:t>
+            </a:r>
+          </a:p>
+        </p:txBody>
+      </p:sp>
+    </p:spTree>
+    <p:extLst>
+      <p:ext uri="{BB962C8B-B14F-4D97-AF65-F5344CB8AC3E}">
+        <p14:creationId xmlns:p14="http://schemas.microsoft.com/office/powerpoint/2010/main" val="3758150663"/>
+      </p:ext>
+    </p:extLst>
+  </p:cSld>
+  <p:clrMapOvr>
+    <a:masterClrMapping/>
+  </p:clrMapOvr>
+</p:sld>
+</file>
+
 <file path=ppt/theme/theme1.xml><?xml version="1.0" encoding="utf-8"?>
 <a:theme xmlns:a="http://schemas.openxmlformats.org/drawingml/2006/main" name="Tema do Office">
   <a:themeElements>

--- a/ldp_ludo.pptx
+++ b/ldp_ludo.pptx
@@ -3475,7 +3475,11 @@
           <a:bodyPr/>
           <a:lstStyle/>
           <a:p>
-            <a:endParaRPr lang="pt-PT" dirty="0"/>
+            <a:pPr algn="ctr"/>
+            <a:r>
+              <a:rPr lang="pt-PT" dirty="0"/>
+              <a:t>Contextualização do trabalho realizado</a:t>
+            </a:r>
           </a:p>
         </p:txBody>
       </p:sp>
@@ -3525,11 +3529,17 @@
             <p:ph type="title"/>
           </p:nvPr>
         </p:nvSpPr>
-        <p:spPr/>
-        <p:txBody>
-          <a:bodyPr/>
-          <a:lstStyle/>
-          <a:p>
+        <p:spPr>
+          <a:xfrm>
+            <a:off x="839788" y="457200"/>
+            <a:ext cx="10512424" cy="1600200"/>
+          </a:xfrm>
+        </p:spPr>
+        <p:txBody>
+          <a:bodyPr/>
+          <a:lstStyle/>
+          <a:p>
+            <a:pPr algn="ctr"/>
             <a:r>
               <a:rPr lang="pt-PT" dirty="0"/>
               <a:t>O que é o Ludo?</a:t>
@@ -3553,11 +3563,17 @@
             <p:ph type="body" sz="half" idx="2"/>
           </p:nvPr>
         </p:nvSpPr>
-        <p:spPr/>
-        <p:txBody>
-          <a:bodyPr/>
-          <a:lstStyle/>
-          <a:p>
+        <p:spPr>
+          <a:xfrm>
+            <a:off x="839788" y="2057400"/>
+            <a:ext cx="10722947" cy="3811588"/>
+          </a:xfrm>
+        </p:spPr>
+        <p:txBody>
+          <a:bodyPr/>
+          <a:lstStyle/>
+          <a:p>
+            <a:pPr algn="ctr"/>
             <a:r>
               <a:rPr lang="pt-PT" dirty="0"/>
               <a:t>Breve apresentação</a:t>
@@ -3611,11 +3627,17 @@
             <p:ph type="title"/>
           </p:nvPr>
         </p:nvSpPr>
-        <p:spPr/>
-        <p:txBody>
-          <a:bodyPr/>
-          <a:lstStyle/>
-          <a:p>
+        <p:spPr>
+          <a:xfrm>
+            <a:off x="839788" y="457200"/>
+            <a:ext cx="10512424" cy="1600200"/>
+          </a:xfrm>
+        </p:spPr>
+        <p:txBody>
+          <a:bodyPr/>
+          <a:lstStyle/>
+          <a:p>
+            <a:pPr algn="ctr"/>
             <a:r>
               <a:rPr lang="pt-PT" dirty="0"/>
               <a:t>Elementos do Jogo</a:t>
@@ -3639,12 +3661,17 @@
             <p:ph type="body" sz="half" idx="2"/>
           </p:nvPr>
         </p:nvSpPr>
-        <p:spPr/>
-        <p:txBody>
-          <a:bodyPr/>
-          <a:lstStyle/>
-          <a:p>
-            <a:pPr marL="285750" indent="-285750">
+        <p:spPr>
+          <a:xfrm>
+            <a:off x="839788" y="2057400"/>
+            <a:ext cx="10512424" cy="3811588"/>
+          </a:xfrm>
+        </p:spPr>
+        <p:txBody>
+          <a:bodyPr/>
+          <a:lstStyle/>
+          <a:p>
+            <a:pPr marL="285750" indent="-285750" algn="ctr">
               <a:buFont typeface="Arial" panose="020B0604020202020204" pitchFamily="34" charset="0"/>
               <a:buChar char="•"/>
             </a:pPr>
@@ -3654,7 +3681,7 @@
             </a:r>
           </a:p>
           <a:p>
-            <a:pPr marL="285750" indent="-285750">
+            <a:pPr marL="285750" indent="-285750" algn="ctr">
               <a:buFont typeface="Arial" panose="020B0604020202020204" pitchFamily="34" charset="0"/>
               <a:buChar char="•"/>
             </a:pPr>
@@ -3664,7 +3691,7 @@
             </a:r>
           </a:p>
           <a:p>
-            <a:pPr marL="285750" indent="-285750">
+            <a:pPr marL="285750" indent="-285750" algn="ctr">
               <a:buFont typeface="Arial" panose="020B0604020202020204" pitchFamily="34" charset="0"/>
               <a:buChar char="•"/>
             </a:pPr>
@@ -3674,7 +3701,7 @@
             </a:r>
           </a:p>
           <a:p>
-            <a:pPr marL="285750" indent="-285750">
+            <a:pPr marL="285750" indent="-285750" algn="ctr">
               <a:buFont typeface="Arial" panose="020B0604020202020204" pitchFamily="34" charset="0"/>
               <a:buChar char="•"/>
             </a:pPr>
@@ -3684,7 +3711,7 @@
             </a:r>
           </a:p>
           <a:p>
-            <a:pPr marL="285750" indent="-285750">
+            <a:pPr marL="285750" indent="-285750" algn="ctr">
               <a:buFont typeface="Arial" panose="020B0604020202020204" pitchFamily="34" charset="0"/>
               <a:buChar char="•"/>
             </a:pPr>
@@ -3694,7 +3721,7 @@
             </a:r>
           </a:p>
           <a:p>
-            <a:pPr marL="285750" indent="-285750">
+            <a:pPr marL="285750" indent="-285750" algn="ctr">
               <a:buFont typeface="Arial" panose="020B0604020202020204" pitchFamily="34" charset="0"/>
               <a:buChar char="•"/>
             </a:pPr>
@@ -3704,7 +3731,7 @@
             </a:r>
           </a:p>
           <a:p>
-            <a:pPr marL="285750" indent="-285750">
+            <a:pPr marL="285750" indent="-285750" algn="ctr">
               <a:buFont typeface="Arial" panose="020B0604020202020204" pitchFamily="34" charset="0"/>
               <a:buChar char="•"/>
             </a:pPr>
@@ -3714,7 +3741,7 @@
             </a:r>
           </a:p>
           <a:p>
-            <a:pPr marL="285750" indent="-285750">
+            <a:pPr marL="285750" indent="-285750" algn="ctr">
               <a:buFont typeface="Arial" panose="020B0604020202020204" pitchFamily="34" charset="0"/>
               <a:buChar char="•"/>
             </a:pPr>

--- a/ldp_ludo.pptx
+++ b/ldp_ludo.pptx
@@ -2,21 +2,22 @@
 <file path=ppt/presentation.xml><?xml version="1.0" encoding="utf-8"?>
 <p:presentation xmlns:a="http://schemas.openxmlformats.org/drawingml/2006/main" xmlns:r="http://schemas.openxmlformats.org/officeDocument/2006/relationships" xmlns:p="http://schemas.openxmlformats.org/presentationml/2006/main" saveSubsetFonts="1">
   <p:sldMasterIdLst>
-    <p:sldMasterId id="2147483648" r:id="rId1"/>
+    <p:sldMasterId id="2147483660" r:id="rId1"/>
   </p:sldMasterIdLst>
   <p:sldIdLst>
     <p:sldId id="256" r:id="rId2"/>
     <p:sldId id="257" r:id="rId3"/>
     <p:sldId id="258" r:id="rId4"/>
     <p:sldId id="259" r:id="rId5"/>
+    <p:sldId id="260" r:id="rId6"/>
   </p:sldIdLst>
   <p:sldSz cx="12192000" cy="6858000"/>
   <p:notesSz cx="6858000" cy="9144000"/>
   <p:defaultTextStyle>
     <a:defPPr>
-      <a:defRPr lang="pt-PT"/>
+      <a:defRPr lang="en-US"/>
     </a:defPPr>
-    <a:lvl1pPr marL="0" algn="l" defTabSz="914400" rtl="0" eaLnBrk="1" latinLnBrk="0" hangingPunct="1">
+    <a:lvl1pPr marL="0" algn="l" defTabSz="457200" rtl="0" eaLnBrk="1" latinLnBrk="0" hangingPunct="1">
       <a:defRPr sz="1800" kern="1200">
         <a:solidFill>
           <a:schemeClr val="tx1"/>
@@ -26,7 +27,7 @@
         <a:cs typeface="+mn-cs"/>
       </a:defRPr>
     </a:lvl1pPr>
-    <a:lvl2pPr marL="457200" algn="l" defTabSz="914400" rtl="0" eaLnBrk="1" latinLnBrk="0" hangingPunct="1">
+    <a:lvl2pPr marL="457200" algn="l" defTabSz="457200" rtl="0" eaLnBrk="1" latinLnBrk="0" hangingPunct="1">
       <a:defRPr sz="1800" kern="1200">
         <a:solidFill>
           <a:schemeClr val="tx1"/>
@@ -36,7 +37,7 @@
         <a:cs typeface="+mn-cs"/>
       </a:defRPr>
     </a:lvl2pPr>
-    <a:lvl3pPr marL="914400" algn="l" defTabSz="914400" rtl="0" eaLnBrk="1" latinLnBrk="0" hangingPunct="1">
+    <a:lvl3pPr marL="914400" algn="l" defTabSz="457200" rtl="0" eaLnBrk="1" latinLnBrk="0" hangingPunct="1">
       <a:defRPr sz="1800" kern="1200">
         <a:solidFill>
           <a:schemeClr val="tx1"/>
@@ -46,7 +47,7 @@
         <a:cs typeface="+mn-cs"/>
       </a:defRPr>
     </a:lvl3pPr>
-    <a:lvl4pPr marL="1371600" algn="l" defTabSz="914400" rtl="0" eaLnBrk="1" latinLnBrk="0" hangingPunct="1">
+    <a:lvl4pPr marL="1371600" algn="l" defTabSz="457200" rtl="0" eaLnBrk="1" latinLnBrk="0" hangingPunct="1">
       <a:defRPr sz="1800" kern="1200">
         <a:solidFill>
           <a:schemeClr val="tx1"/>
@@ -56,7 +57,7 @@
         <a:cs typeface="+mn-cs"/>
       </a:defRPr>
     </a:lvl4pPr>
-    <a:lvl5pPr marL="1828800" algn="l" defTabSz="914400" rtl="0" eaLnBrk="1" latinLnBrk="0" hangingPunct="1">
+    <a:lvl5pPr marL="1828800" algn="l" defTabSz="457200" rtl="0" eaLnBrk="1" latinLnBrk="0" hangingPunct="1">
       <a:defRPr sz="1800" kern="1200">
         <a:solidFill>
           <a:schemeClr val="tx1"/>
@@ -66,7 +67,7 @@
         <a:cs typeface="+mn-cs"/>
       </a:defRPr>
     </a:lvl5pPr>
-    <a:lvl6pPr marL="2286000" algn="l" defTabSz="914400" rtl="0" eaLnBrk="1" latinLnBrk="0" hangingPunct="1">
+    <a:lvl6pPr marL="2286000" algn="l" defTabSz="457200" rtl="0" eaLnBrk="1" latinLnBrk="0" hangingPunct="1">
       <a:defRPr sz="1800" kern="1200">
         <a:solidFill>
           <a:schemeClr val="tx1"/>
@@ -76,7 +77,7 @@
         <a:cs typeface="+mn-cs"/>
       </a:defRPr>
     </a:lvl6pPr>
-    <a:lvl7pPr marL="2743200" algn="l" defTabSz="914400" rtl="0" eaLnBrk="1" latinLnBrk="0" hangingPunct="1">
+    <a:lvl7pPr marL="2743200" algn="l" defTabSz="457200" rtl="0" eaLnBrk="1" latinLnBrk="0" hangingPunct="1">
       <a:defRPr sz="1800" kern="1200">
         <a:solidFill>
           <a:schemeClr val="tx1"/>
@@ -86,7 +87,7 @@
         <a:cs typeface="+mn-cs"/>
       </a:defRPr>
     </a:lvl7pPr>
-    <a:lvl8pPr marL="3200400" algn="l" defTabSz="914400" rtl="0" eaLnBrk="1" latinLnBrk="0" hangingPunct="1">
+    <a:lvl8pPr marL="3200400" algn="l" defTabSz="457200" rtl="0" eaLnBrk="1" latinLnBrk="0" hangingPunct="1">
       <a:defRPr sz="1800" kern="1200">
         <a:solidFill>
           <a:schemeClr val="tx1"/>
@@ -96,7 +97,7 @@
         <a:cs typeface="+mn-cs"/>
       </a:defRPr>
     </a:lvl8pPr>
-    <a:lvl9pPr marL="3657600" algn="l" defTabSz="914400" rtl="0" eaLnBrk="1" latinLnBrk="0" hangingPunct="1">
+    <a:lvl9pPr marL="3657600" algn="l" defTabSz="457200" rtl="0" eaLnBrk="1" latinLnBrk="0" hangingPunct="1">
       <a:defRPr sz="1800" kern="1200">
         <a:solidFill>
           <a:schemeClr val="tx1"/>
@@ -134,13 +135,7 @@
       </p:grpSpPr>
       <p:sp>
         <p:nvSpPr>
-          <p:cNvPr id="2" name="Título 1">
-            <a:extLst>
-              <a:ext uri="{FF2B5EF4-FFF2-40B4-BE49-F238E27FC236}">
-                <a16:creationId xmlns:a16="http://schemas.microsoft.com/office/drawing/2014/main" id="{69CC6B1D-C2EE-58DF-8010-A3122B7CC752}"/>
-              </a:ext>
-            </a:extLst>
-          </p:cNvPr>
+          <p:cNvPr id="2" name="Title 1"/>
           <p:cNvSpPr>
             <a:spLocks noGrp="1"/>
           </p:cNvSpPr>
@@ -150,15 +145,15 @@
         </p:nvSpPr>
         <p:spPr>
           <a:xfrm>
-            <a:off x="1524000" y="1122363"/>
-            <a:ext cx="9144000" cy="2387600"/>
+            <a:off x="1154955" y="1447800"/>
+            <a:ext cx="8825658" cy="3329581"/>
           </a:xfrm>
         </p:spPr>
         <p:txBody>
           <a:bodyPr anchor="b"/>
           <a:lstStyle>
-            <a:lvl1pPr algn="ctr">
-              <a:defRPr sz="6000"/>
+            <a:lvl1pPr>
+              <a:defRPr sz="7200"/>
             </a:lvl1pPr>
           </a:lstStyle>
           <a:p>
@@ -166,18 +161,13 @@
               <a:rPr lang="pt-PT"/>
               <a:t>Clique para editar o estilo de título do Modelo Global</a:t>
             </a:r>
-          </a:p>
-        </p:txBody>
-      </p:sp>
-      <p:sp>
-        <p:nvSpPr>
-          <p:cNvPr id="3" name="Subtítulo 2">
-            <a:extLst>
-              <a:ext uri="{FF2B5EF4-FFF2-40B4-BE49-F238E27FC236}">
-                <a16:creationId xmlns:a16="http://schemas.microsoft.com/office/drawing/2014/main" id="{921A29DC-1C0E-0514-B410-96FAA63CACA0}"/>
-              </a:ext>
-            </a:extLst>
-          </p:cNvPr>
+            <a:endParaRPr lang="en-US" dirty="0"/>
+          </a:p>
+        </p:txBody>
+      </p:sp>
+      <p:sp>
+        <p:nvSpPr>
+          <p:cNvPr id="3" name="Subtitle 2"/>
           <p:cNvSpPr>
             <a:spLocks noGrp="1"/>
           </p:cNvSpPr>
@@ -187,48 +177,103 @@
         </p:nvSpPr>
         <p:spPr>
           <a:xfrm>
-            <a:off x="1524000" y="3602038"/>
-            <a:ext cx="9144000" cy="1655762"/>
+            <a:off x="1154955" y="4777380"/>
+            <a:ext cx="8825658" cy="861420"/>
           </a:xfrm>
         </p:spPr>
         <p:txBody>
-          <a:bodyPr/>
+          <a:bodyPr anchor="t"/>
           <a:lstStyle>
-            <a:lvl1pPr marL="0" indent="0" algn="ctr">
-              <a:buNone/>
-              <a:defRPr sz="2400"/>
+            <a:lvl1pPr marL="0" indent="0" algn="l">
+              <a:buNone/>
+              <a:defRPr cap="all">
+                <a:solidFill>
+                  <a:schemeClr val="bg2">
+                    <a:lumMod val="40000"/>
+                    <a:lumOff val="60000"/>
+                  </a:schemeClr>
+                </a:solidFill>
+              </a:defRPr>
             </a:lvl1pPr>
             <a:lvl2pPr marL="457200" indent="0" algn="ctr">
               <a:buNone/>
-              <a:defRPr sz="2000"/>
+              <a:defRPr>
+                <a:solidFill>
+                  <a:schemeClr val="tx1">
+                    <a:tint val="75000"/>
+                  </a:schemeClr>
+                </a:solidFill>
+              </a:defRPr>
             </a:lvl2pPr>
             <a:lvl3pPr marL="914400" indent="0" algn="ctr">
               <a:buNone/>
-              <a:defRPr sz="1800"/>
+              <a:defRPr>
+                <a:solidFill>
+                  <a:schemeClr val="tx1">
+                    <a:tint val="75000"/>
+                  </a:schemeClr>
+                </a:solidFill>
+              </a:defRPr>
             </a:lvl3pPr>
             <a:lvl4pPr marL="1371600" indent="0" algn="ctr">
               <a:buNone/>
-              <a:defRPr sz="1600"/>
+              <a:defRPr>
+                <a:solidFill>
+                  <a:schemeClr val="tx1">
+                    <a:tint val="75000"/>
+                  </a:schemeClr>
+                </a:solidFill>
+              </a:defRPr>
             </a:lvl4pPr>
             <a:lvl5pPr marL="1828800" indent="0" algn="ctr">
               <a:buNone/>
-              <a:defRPr sz="1600"/>
+              <a:defRPr>
+                <a:solidFill>
+                  <a:schemeClr val="tx1">
+                    <a:tint val="75000"/>
+                  </a:schemeClr>
+                </a:solidFill>
+              </a:defRPr>
             </a:lvl5pPr>
             <a:lvl6pPr marL="2286000" indent="0" algn="ctr">
               <a:buNone/>
-              <a:defRPr sz="1600"/>
+              <a:defRPr>
+                <a:solidFill>
+                  <a:schemeClr val="tx1">
+                    <a:tint val="75000"/>
+                  </a:schemeClr>
+                </a:solidFill>
+              </a:defRPr>
             </a:lvl6pPr>
             <a:lvl7pPr marL="2743200" indent="0" algn="ctr">
               <a:buNone/>
-              <a:defRPr sz="1600"/>
+              <a:defRPr>
+                <a:solidFill>
+                  <a:schemeClr val="tx1">
+                    <a:tint val="75000"/>
+                  </a:schemeClr>
+                </a:solidFill>
+              </a:defRPr>
             </a:lvl7pPr>
             <a:lvl8pPr marL="3200400" indent="0" algn="ctr">
               <a:buNone/>
-              <a:defRPr sz="1600"/>
+              <a:defRPr>
+                <a:solidFill>
+                  <a:schemeClr val="tx1">
+                    <a:tint val="75000"/>
+                  </a:schemeClr>
+                </a:solidFill>
+              </a:defRPr>
             </a:lvl8pPr>
             <a:lvl9pPr marL="3657600" indent="0" algn="ctr">
               <a:buNone/>
-              <a:defRPr sz="1600"/>
+              <a:defRPr>
+                <a:solidFill>
+                  <a:schemeClr val="tx1">
+                    <a:tint val="75000"/>
+                  </a:schemeClr>
+                </a:solidFill>
+              </a:defRPr>
             </a:lvl9pPr>
           </a:lstStyle>
           <a:p>
@@ -236,18 +281,13 @@
               <a:rPr lang="pt-PT"/>
               <a:t>Clique para editar o estilo de subtítulo do Modelo Global</a:t>
             </a:r>
-          </a:p>
-        </p:txBody>
-      </p:sp>
-      <p:sp>
-        <p:nvSpPr>
-          <p:cNvPr id="4" name="Marcador de Posição da Data 3">
-            <a:extLst>
-              <a:ext uri="{FF2B5EF4-FFF2-40B4-BE49-F238E27FC236}">
-                <a16:creationId xmlns:a16="http://schemas.microsoft.com/office/drawing/2014/main" id="{183BD1E2-18D5-05A3-0A12-4ADF2E27545A}"/>
-              </a:ext>
-            </a:extLst>
-          </p:cNvPr>
+            <a:endParaRPr lang="en-US" dirty="0"/>
+          </a:p>
+        </p:txBody>
+      </p:sp>
+      <p:sp>
+        <p:nvSpPr>
+          <p:cNvPr id="4" name="Date Placeholder 3"/>
           <p:cNvSpPr>
             <a:spLocks noGrp="1"/>
           </p:cNvSpPr>
@@ -270,13 +310,7 @@
       </p:sp>
       <p:sp>
         <p:nvSpPr>
-          <p:cNvPr id="5" name="Marcador de Posição do Rodapé 4">
-            <a:extLst>
-              <a:ext uri="{FF2B5EF4-FFF2-40B4-BE49-F238E27FC236}">
-                <a16:creationId xmlns:a16="http://schemas.microsoft.com/office/drawing/2014/main" id="{CF9E1E20-6C17-60B3-C735-AB9F24D60541}"/>
-              </a:ext>
-            </a:extLst>
-          </p:cNvPr>
+          <p:cNvPr id="5" name="Footer Placeholder 4"/>
           <p:cNvSpPr>
             <a:spLocks noGrp="1"/>
           </p:cNvSpPr>
@@ -295,13 +329,7 @@
       </p:sp>
       <p:sp>
         <p:nvSpPr>
-          <p:cNvPr id="6" name="Marcador de Posição do Número do Diapositivo 5">
-            <a:extLst>
-              <a:ext uri="{FF2B5EF4-FFF2-40B4-BE49-F238E27FC236}">
-                <a16:creationId xmlns:a16="http://schemas.microsoft.com/office/drawing/2014/main" id="{960CF8CD-0815-26D9-125A-AB5B39ADC982}"/>
-              </a:ext>
-            </a:extLst>
-          </p:cNvPr>
+          <p:cNvPr id="6" name="Slide Number Placeholder 5"/>
           <p:cNvSpPr>
             <a:spLocks noGrp="1"/>
           </p:cNvSpPr>
@@ -325,7 +353,7 @@
     </p:spTree>
     <p:extLst>
       <p:ext uri="{BB962C8B-B14F-4D97-AF65-F5344CB8AC3E}">
-        <p14:creationId xmlns:p14="http://schemas.microsoft.com/office/powerpoint/2010/main" val="1790865996"/>
+        <p14:creationId xmlns:p14="http://schemas.microsoft.com/office/powerpoint/2010/main" val="442728110"/>
       </p:ext>
     </p:extLst>
   </p:cSld>
@@ -336,6 +364,2572 @@
 </file>
 
 <file path=ppt/slideLayouts/slideLayout10.xml><?xml version="1.0" encoding="utf-8"?>
+<p:sldLayout xmlns:a="http://schemas.openxmlformats.org/drawingml/2006/main" xmlns:r="http://schemas.openxmlformats.org/officeDocument/2006/relationships" xmlns:p="http://schemas.openxmlformats.org/presentationml/2006/main" preserve="1">
+  <p:cSld name="Fotografia Panorâmica com Legenda">
+    <p:spTree>
+      <p:nvGrpSpPr>
+        <p:cNvPr id="1" name=""/>
+        <p:cNvGrpSpPr/>
+        <p:nvPr/>
+      </p:nvGrpSpPr>
+      <p:grpSpPr>
+        <a:xfrm>
+          <a:off x="0" y="0"/>
+          <a:ext cx="0" cy="0"/>
+          <a:chOff x="0" y="0"/>
+          <a:chExt cx="0" cy="0"/>
+        </a:xfrm>
+      </p:grpSpPr>
+      <p:sp>
+        <p:nvSpPr>
+          <p:cNvPr id="2" name="Title 1"/>
+          <p:cNvSpPr>
+            <a:spLocks noGrp="1"/>
+          </p:cNvSpPr>
+          <p:nvPr>
+            <p:ph type="title"/>
+          </p:nvPr>
+        </p:nvSpPr>
+        <p:spPr>
+          <a:xfrm>
+            <a:off x="1154956" y="4800587"/>
+            <a:ext cx="8825657" cy="566738"/>
+          </a:xfrm>
+        </p:spPr>
+        <p:txBody>
+          <a:bodyPr anchor="b">
+            <a:normAutofit/>
+          </a:bodyPr>
+          <a:lstStyle>
+            <a:lvl1pPr algn="l">
+              <a:defRPr sz="2400" b="0"/>
+            </a:lvl1pPr>
+          </a:lstStyle>
+          <a:p>
+            <a:r>
+              <a:rPr lang="pt-PT"/>
+              <a:t>Clique para editar o estilo de título do Modelo Global</a:t>
+            </a:r>
+            <a:endParaRPr lang="en-US" dirty="0"/>
+          </a:p>
+        </p:txBody>
+      </p:sp>
+      <p:sp>
+        <p:nvSpPr>
+          <p:cNvPr id="3" name="Picture Placeholder 2"/>
+          <p:cNvSpPr>
+            <a:spLocks noGrp="1" noChangeAspect="1"/>
+          </p:cNvSpPr>
+          <p:nvPr>
+            <p:ph type="pic" idx="1"/>
+          </p:nvPr>
+        </p:nvSpPr>
+        <p:spPr>
+          <a:xfrm>
+            <a:off x="1154955" y="685800"/>
+            <a:ext cx="8825658" cy="3640666"/>
+          </a:xfrm>
+          <a:prstGeom prst="roundRect">
+            <a:avLst>
+              <a:gd name="adj" fmla="val 1858"/>
+            </a:avLst>
+          </a:prstGeom>
+          <a:effectLst>
+            <a:outerShdw blurRad="50800" dist="50800" dir="5400000" algn="tl" rotWithShape="0">
+              <a:srgbClr val="000000">
+                <a:alpha val="43000"/>
+              </a:srgbClr>
+            </a:outerShdw>
+          </a:effectLst>
+        </p:spPr>
+        <p:txBody>
+          <a:bodyPr anchor="t">
+            <a:normAutofit/>
+          </a:bodyPr>
+          <a:lstStyle>
+            <a:lvl1pPr marL="0" indent="0" algn="ctr">
+              <a:buNone/>
+              <a:defRPr sz="1600"/>
+            </a:lvl1pPr>
+            <a:lvl2pPr marL="457200" indent="0">
+              <a:buNone/>
+              <a:defRPr sz="1600"/>
+            </a:lvl2pPr>
+            <a:lvl3pPr marL="914400" indent="0">
+              <a:buNone/>
+              <a:defRPr sz="1600"/>
+            </a:lvl3pPr>
+            <a:lvl4pPr marL="1371600" indent="0">
+              <a:buNone/>
+              <a:defRPr sz="1600"/>
+            </a:lvl4pPr>
+            <a:lvl5pPr marL="1828800" indent="0">
+              <a:buNone/>
+              <a:defRPr sz="1600"/>
+            </a:lvl5pPr>
+            <a:lvl6pPr marL="2286000" indent="0">
+              <a:buNone/>
+              <a:defRPr sz="1600"/>
+            </a:lvl6pPr>
+            <a:lvl7pPr marL="2743200" indent="0">
+              <a:buNone/>
+              <a:defRPr sz="1600"/>
+            </a:lvl7pPr>
+            <a:lvl8pPr marL="3200400" indent="0">
+              <a:buNone/>
+              <a:defRPr sz="1600"/>
+            </a:lvl8pPr>
+            <a:lvl9pPr marL="3657600" indent="0">
+              <a:buNone/>
+              <a:defRPr sz="1600"/>
+            </a:lvl9pPr>
+          </a:lstStyle>
+          <a:p>
+            <a:r>
+              <a:rPr lang="pt-PT"/>
+              <a:t>Clique no ícone para adicionar uma imagem</a:t>
+            </a:r>
+            <a:endParaRPr lang="en-US" dirty="0"/>
+          </a:p>
+        </p:txBody>
+      </p:sp>
+      <p:sp>
+        <p:nvSpPr>
+          <p:cNvPr id="4" name="Text Placeholder 3"/>
+          <p:cNvSpPr>
+            <a:spLocks noGrp="1"/>
+          </p:cNvSpPr>
+          <p:nvPr>
+            <p:ph type="body" sz="half" idx="2"/>
+          </p:nvPr>
+        </p:nvSpPr>
+        <p:spPr>
+          <a:xfrm>
+            <a:off x="1154956" y="5367325"/>
+            <a:ext cx="8825656" cy="493712"/>
+          </a:xfrm>
+        </p:spPr>
+        <p:txBody>
+          <a:bodyPr>
+            <a:normAutofit/>
+          </a:bodyPr>
+          <a:lstStyle>
+            <a:lvl1pPr marL="0" indent="0">
+              <a:buNone/>
+              <a:defRPr sz="1200"/>
+            </a:lvl1pPr>
+            <a:lvl2pPr marL="457200" indent="0">
+              <a:buNone/>
+              <a:defRPr sz="1200"/>
+            </a:lvl2pPr>
+            <a:lvl3pPr marL="914400" indent="0">
+              <a:buNone/>
+              <a:defRPr sz="1000"/>
+            </a:lvl3pPr>
+            <a:lvl4pPr marL="1371600" indent="0">
+              <a:buNone/>
+              <a:defRPr sz="900"/>
+            </a:lvl4pPr>
+            <a:lvl5pPr marL="1828800" indent="0">
+              <a:buNone/>
+              <a:defRPr sz="900"/>
+            </a:lvl5pPr>
+            <a:lvl6pPr marL="2286000" indent="0">
+              <a:buNone/>
+              <a:defRPr sz="900"/>
+            </a:lvl6pPr>
+            <a:lvl7pPr marL="2743200" indent="0">
+              <a:buNone/>
+              <a:defRPr sz="900"/>
+            </a:lvl7pPr>
+            <a:lvl8pPr marL="3200400" indent="0">
+              <a:buNone/>
+              <a:defRPr sz="900"/>
+            </a:lvl8pPr>
+            <a:lvl9pPr marL="3657600" indent="0">
+              <a:buNone/>
+              <a:defRPr sz="900"/>
+            </a:lvl9pPr>
+          </a:lstStyle>
+          <a:p>
+            <a:pPr lvl="0"/>
+            <a:r>
+              <a:rPr lang="pt-PT"/>
+              <a:t>Clique para editar os estilos do texto de Modelo Global</a:t>
+            </a:r>
+          </a:p>
+        </p:txBody>
+      </p:sp>
+      <p:sp>
+        <p:nvSpPr>
+          <p:cNvPr id="5" name="Date Placeholder 4"/>
+          <p:cNvSpPr>
+            <a:spLocks noGrp="1"/>
+          </p:cNvSpPr>
+          <p:nvPr>
+            <p:ph type="dt" sz="half" idx="10"/>
+          </p:nvPr>
+        </p:nvSpPr>
+        <p:spPr/>
+        <p:txBody>
+          <a:bodyPr/>
+          <a:lstStyle/>
+          <a:p>
+            <a:fld id="{D6867CA9-C437-43A2-A60D-CEBAF376670B}" type="datetimeFigureOut">
+              <a:rPr lang="pt-PT" smtClean="0"/>
+              <a:t>28/03/2024</a:t>
+            </a:fld>
+            <a:endParaRPr lang="pt-PT"/>
+          </a:p>
+        </p:txBody>
+      </p:sp>
+      <p:sp>
+        <p:nvSpPr>
+          <p:cNvPr id="6" name="Footer Placeholder 5"/>
+          <p:cNvSpPr>
+            <a:spLocks noGrp="1"/>
+          </p:cNvSpPr>
+          <p:nvPr>
+            <p:ph type="ftr" sz="quarter" idx="11"/>
+          </p:nvPr>
+        </p:nvSpPr>
+        <p:spPr/>
+        <p:txBody>
+          <a:bodyPr/>
+          <a:lstStyle/>
+          <a:p>
+            <a:endParaRPr lang="pt-PT"/>
+          </a:p>
+        </p:txBody>
+      </p:sp>
+      <p:sp>
+        <p:nvSpPr>
+          <p:cNvPr id="7" name="Slide Number Placeholder 6"/>
+          <p:cNvSpPr>
+            <a:spLocks noGrp="1"/>
+          </p:cNvSpPr>
+          <p:nvPr>
+            <p:ph type="sldNum" sz="quarter" idx="12"/>
+          </p:nvPr>
+        </p:nvSpPr>
+        <p:spPr/>
+        <p:txBody>
+          <a:bodyPr/>
+          <a:lstStyle/>
+          <a:p>
+            <a:fld id="{5508BAFF-B5A4-4E95-A4D4-9B9244247265}" type="slidenum">
+              <a:rPr lang="pt-PT" smtClean="0"/>
+              <a:t>‹nº›</a:t>
+            </a:fld>
+            <a:endParaRPr lang="pt-PT"/>
+          </a:p>
+        </p:txBody>
+      </p:sp>
+    </p:spTree>
+    <p:extLst>
+      <p:ext uri="{BB962C8B-B14F-4D97-AF65-F5344CB8AC3E}">
+        <p14:creationId xmlns:p14="http://schemas.microsoft.com/office/powerpoint/2010/main" val="3208634723"/>
+      </p:ext>
+    </p:extLst>
+  </p:cSld>
+  <p:clrMapOvr>
+    <a:masterClrMapping/>
+  </p:clrMapOvr>
+</p:sldLayout>
+</file>
+
+<file path=ppt/slideLayouts/slideLayout11.xml><?xml version="1.0" encoding="utf-8"?>
+<p:sldLayout xmlns:a="http://schemas.openxmlformats.org/drawingml/2006/main" xmlns:r="http://schemas.openxmlformats.org/officeDocument/2006/relationships" xmlns:p="http://schemas.openxmlformats.org/presentationml/2006/main" preserve="1">
+  <p:cSld name="Título e Legenda">
+    <p:spTree>
+      <p:nvGrpSpPr>
+        <p:cNvPr id="1" name=""/>
+        <p:cNvGrpSpPr/>
+        <p:nvPr/>
+      </p:nvGrpSpPr>
+      <p:grpSpPr>
+        <a:xfrm>
+          <a:off x="0" y="0"/>
+          <a:ext cx="0" cy="0"/>
+          <a:chOff x="0" y="0"/>
+          <a:chExt cx="0" cy="0"/>
+        </a:xfrm>
+      </p:grpSpPr>
+      <p:sp>
+        <p:nvSpPr>
+          <p:cNvPr id="2" name="Title 1"/>
+          <p:cNvSpPr>
+            <a:spLocks noGrp="1"/>
+          </p:cNvSpPr>
+          <p:nvPr>
+            <p:ph type="title"/>
+          </p:nvPr>
+        </p:nvSpPr>
+        <p:spPr>
+          <a:xfrm>
+            <a:off x="1154954" y="1447800"/>
+            <a:ext cx="8825659" cy="1981200"/>
+          </a:xfrm>
+        </p:spPr>
+        <p:txBody>
+          <a:bodyPr/>
+          <a:lstStyle>
+            <a:lvl1pPr>
+              <a:defRPr sz="4800"/>
+            </a:lvl1pPr>
+          </a:lstStyle>
+          <a:p>
+            <a:r>
+              <a:rPr lang="pt-PT"/>
+              <a:t>Clique para editar o estilo de título do Modelo Global</a:t>
+            </a:r>
+            <a:endParaRPr lang="en-US" dirty="0"/>
+          </a:p>
+        </p:txBody>
+      </p:sp>
+      <p:sp>
+        <p:nvSpPr>
+          <p:cNvPr id="8" name="Text Placeholder 3"/>
+          <p:cNvSpPr>
+            <a:spLocks noGrp="1"/>
+          </p:cNvSpPr>
+          <p:nvPr>
+            <p:ph type="body" sz="half" idx="2"/>
+          </p:nvPr>
+        </p:nvSpPr>
+        <p:spPr>
+          <a:xfrm>
+            <a:off x="1154954" y="3657600"/>
+            <a:ext cx="8825659" cy="2362200"/>
+          </a:xfrm>
+        </p:spPr>
+        <p:txBody>
+          <a:bodyPr anchor="ctr">
+            <a:normAutofit/>
+          </a:bodyPr>
+          <a:lstStyle>
+            <a:lvl1pPr marL="0" indent="0">
+              <a:buNone/>
+              <a:defRPr sz="1800"/>
+            </a:lvl1pPr>
+            <a:lvl2pPr marL="457200" indent="0">
+              <a:buNone/>
+              <a:defRPr sz="1200"/>
+            </a:lvl2pPr>
+            <a:lvl3pPr marL="914400" indent="0">
+              <a:buNone/>
+              <a:defRPr sz="1000"/>
+            </a:lvl3pPr>
+            <a:lvl4pPr marL="1371600" indent="0">
+              <a:buNone/>
+              <a:defRPr sz="900"/>
+            </a:lvl4pPr>
+            <a:lvl5pPr marL="1828800" indent="0">
+              <a:buNone/>
+              <a:defRPr sz="900"/>
+            </a:lvl5pPr>
+            <a:lvl6pPr marL="2286000" indent="0">
+              <a:buNone/>
+              <a:defRPr sz="900"/>
+            </a:lvl6pPr>
+            <a:lvl7pPr marL="2743200" indent="0">
+              <a:buNone/>
+              <a:defRPr sz="900"/>
+            </a:lvl7pPr>
+            <a:lvl8pPr marL="3200400" indent="0">
+              <a:buNone/>
+              <a:defRPr sz="900"/>
+            </a:lvl8pPr>
+            <a:lvl9pPr marL="3657600" indent="0">
+              <a:buNone/>
+              <a:defRPr sz="900"/>
+            </a:lvl9pPr>
+          </a:lstStyle>
+          <a:p>
+            <a:pPr lvl="0"/>
+            <a:r>
+              <a:rPr lang="pt-PT"/>
+              <a:t>Clique para editar os estilos do texto de Modelo Global</a:t>
+            </a:r>
+          </a:p>
+        </p:txBody>
+      </p:sp>
+      <p:sp>
+        <p:nvSpPr>
+          <p:cNvPr id="4" name="Date Placeholder 3"/>
+          <p:cNvSpPr>
+            <a:spLocks noGrp="1"/>
+          </p:cNvSpPr>
+          <p:nvPr>
+            <p:ph type="dt" sz="half" idx="10"/>
+          </p:nvPr>
+        </p:nvSpPr>
+        <p:spPr/>
+        <p:txBody>
+          <a:bodyPr/>
+          <a:lstStyle/>
+          <a:p>
+            <a:fld id="{D6867CA9-C437-43A2-A60D-CEBAF376670B}" type="datetimeFigureOut">
+              <a:rPr lang="pt-PT" smtClean="0"/>
+              <a:t>28/03/2024</a:t>
+            </a:fld>
+            <a:endParaRPr lang="pt-PT"/>
+          </a:p>
+        </p:txBody>
+      </p:sp>
+      <p:sp>
+        <p:nvSpPr>
+          <p:cNvPr id="5" name="Footer Placeholder 4"/>
+          <p:cNvSpPr>
+            <a:spLocks noGrp="1"/>
+          </p:cNvSpPr>
+          <p:nvPr>
+            <p:ph type="ftr" sz="quarter" idx="11"/>
+          </p:nvPr>
+        </p:nvSpPr>
+        <p:spPr/>
+        <p:txBody>
+          <a:bodyPr/>
+          <a:lstStyle/>
+          <a:p>
+            <a:endParaRPr lang="pt-PT"/>
+          </a:p>
+        </p:txBody>
+      </p:sp>
+      <p:sp>
+        <p:nvSpPr>
+          <p:cNvPr id="6" name="Slide Number Placeholder 5"/>
+          <p:cNvSpPr>
+            <a:spLocks noGrp="1"/>
+          </p:cNvSpPr>
+          <p:nvPr>
+            <p:ph type="sldNum" sz="quarter" idx="12"/>
+          </p:nvPr>
+        </p:nvSpPr>
+        <p:spPr/>
+        <p:txBody>
+          <a:bodyPr/>
+          <a:lstStyle/>
+          <a:p>
+            <a:fld id="{5508BAFF-B5A4-4E95-A4D4-9B9244247265}" type="slidenum">
+              <a:rPr lang="pt-PT" smtClean="0"/>
+              <a:t>‹nº›</a:t>
+            </a:fld>
+            <a:endParaRPr lang="pt-PT"/>
+          </a:p>
+        </p:txBody>
+      </p:sp>
+    </p:spTree>
+    <p:extLst>
+      <p:ext uri="{BB962C8B-B14F-4D97-AF65-F5344CB8AC3E}">
+        <p14:creationId xmlns:p14="http://schemas.microsoft.com/office/powerpoint/2010/main" val="793798839"/>
+      </p:ext>
+    </p:extLst>
+  </p:cSld>
+  <p:clrMapOvr>
+    <a:masterClrMapping/>
+  </p:clrMapOvr>
+</p:sldLayout>
+</file>
+
+<file path=ppt/slideLayouts/slideLayout12.xml><?xml version="1.0" encoding="utf-8"?>
+<p:sldLayout xmlns:a="http://schemas.openxmlformats.org/drawingml/2006/main" xmlns:r="http://schemas.openxmlformats.org/officeDocument/2006/relationships" xmlns:p="http://schemas.openxmlformats.org/presentationml/2006/main" preserve="1">
+  <p:cSld name="Citação com Legenda">
+    <p:spTree>
+      <p:nvGrpSpPr>
+        <p:cNvPr id="1" name=""/>
+        <p:cNvGrpSpPr/>
+        <p:nvPr/>
+      </p:nvGrpSpPr>
+      <p:grpSpPr>
+        <a:xfrm>
+          <a:off x="0" y="0"/>
+          <a:ext cx="0" cy="0"/>
+          <a:chOff x="0" y="0"/>
+          <a:chExt cx="0" cy="0"/>
+        </a:xfrm>
+      </p:grpSpPr>
+      <p:sp>
+        <p:nvSpPr>
+          <p:cNvPr id="2" name="Title 1"/>
+          <p:cNvSpPr>
+            <a:spLocks noGrp="1"/>
+          </p:cNvSpPr>
+          <p:nvPr>
+            <p:ph type="title"/>
+          </p:nvPr>
+        </p:nvSpPr>
+        <p:spPr>
+          <a:xfrm>
+            <a:off x="1574801" y="1447800"/>
+            <a:ext cx="7999315" cy="2323374"/>
+          </a:xfrm>
+        </p:spPr>
+        <p:txBody>
+          <a:bodyPr/>
+          <a:lstStyle>
+            <a:lvl1pPr>
+              <a:defRPr sz="4800"/>
+            </a:lvl1pPr>
+          </a:lstStyle>
+          <a:p>
+            <a:r>
+              <a:rPr lang="pt-PT"/>
+              <a:t>Clique para editar o estilo de título do Modelo Global</a:t>
+            </a:r>
+            <a:endParaRPr lang="en-US" dirty="0"/>
+          </a:p>
+        </p:txBody>
+      </p:sp>
+      <p:sp>
+        <p:nvSpPr>
+          <p:cNvPr id="11" name="Text Placeholder 3"/>
+          <p:cNvSpPr>
+            <a:spLocks noGrp="1"/>
+          </p:cNvSpPr>
+          <p:nvPr>
+            <p:ph type="body" sz="half" idx="14"/>
+          </p:nvPr>
+        </p:nvSpPr>
+        <p:spPr>
+          <a:xfrm>
+            <a:off x="1930400" y="3771174"/>
+            <a:ext cx="7279649" cy="342174"/>
+          </a:xfrm>
+        </p:spPr>
+        <p:txBody>
+          <a:bodyPr vert="horz" lIns="91440" tIns="45720" rIns="91440" bIns="45720" rtlCol="0" anchor="t">
+            <a:normAutofit/>
+          </a:bodyPr>
+          <a:lstStyle>
+            <a:lvl1pPr marL="0" indent="0">
+              <a:buNone/>
+              <a:defRPr lang="en-US" sz="1400" b="0" i="0" kern="1200" cap="small" dirty="0">
+                <a:solidFill>
+                  <a:schemeClr val="bg2">
+                    <a:lumMod val="40000"/>
+                    <a:lumOff val="60000"/>
+                  </a:schemeClr>
+                </a:solidFill>
+                <a:latin typeface="+mj-lt"/>
+                <a:ea typeface="+mj-ea"/>
+                <a:cs typeface="+mj-cs"/>
+              </a:defRPr>
+            </a:lvl1pPr>
+            <a:lvl2pPr marL="457200" indent="0">
+              <a:buNone/>
+              <a:defRPr sz="1200"/>
+            </a:lvl2pPr>
+            <a:lvl3pPr marL="914400" indent="0">
+              <a:buNone/>
+              <a:defRPr sz="1000"/>
+            </a:lvl3pPr>
+            <a:lvl4pPr marL="1371600" indent="0">
+              <a:buNone/>
+              <a:defRPr sz="900"/>
+            </a:lvl4pPr>
+            <a:lvl5pPr marL="1828800" indent="0">
+              <a:buNone/>
+              <a:defRPr sz="900"/>
+            </a:lvl5pPr>
+            <a:lvl6pPr marL="2286000" indent="0">
+              <a:buNone/>
+              <a:defRPr sz="900"/>
+            </a:lvl6pPr>
+            <a:lvl7pPr marL="2743200" indent="0">
+              <a:buNone/>
+              <a:defRPr sz="900"/>
+            </a:lvl7pPr>
+            <a:lvl8pPr marL="3200400" indent="0">
+              <a:buNone/>
+              <a:defRPr sz="900"/>
+            </a:lvl8pPr>
+            <a:lvl9pPr marL="3657600" indent="0">
+              <a:buNone/>
+              <a:defRPr sz="900"/>
+            </a:lvl9pPr>
+          </a:lstStyle>
+          <a:p>
+            <a:pPr marL="0" lvl="0" indent="0">
+              <a:buNone/>
+            </a:pPr>
+            <a:r>
+              <a:rPr lang="pt-PT"/>
+              <a:t>Clique para editar os estilos do texto de Modelo Global</a:t>
+            </a:r>
+          </a:p>
+        </p:txBody>
+      </p:sp>
+      <p:sp>
+        <p:nvSpPr>
+          <p:cNvPr id="10" name="Text Placeholder 3"/>
+          <p:cNvSpPr>
+            <a:spLocks noGrp="1"/>
+          </p:cNvSpPr>
+          <p:nvPr>
+            <p:ph type="body" sz="half" idx="2"/>
+          </p:nvPr>
+        </p:nvSpPr>
+        <p:spPr>
+          <a:xfrm>
+            <a:off x="1154954" y="4350657"/>
+            <a:ext cx="8825659" cy="1676400"/>
+          </a:xfrm>
+        </p:spPr>
+        <p:txBody>
+          <a:bodyPr anchor="ctr">
+            <a:normAutofit/>
+          </a:bodyPr>
+          <a:lstStyle>
+            <a:lvl1pPr marL="0" indent="0">
+              <a:buNone/>
+              <a:defRPr sz="1800"/>
+            </a:lvl1pPr>
+            <a:lvl2pPr marL="457200" indent="0">
+              <a:buNone/>
+              <a:defRPr sz="1200"/>
+            </a:lvl2pPr>
+            <a:lvl3pPr marL="914400" indent="0">
+              <a:buNone/>
+              <a:defRPr sz="1000"/>
+            </a:lvl3pPr>
+            <a:lvl4pPr marL="1371600" indent="0">
+              <a:buNone/>
+              <a:defRPr sz="900"/>
+            </a:lvl4pPr>
+            <a:lvl5pPr marL="1828800" indent="0">
+              <a:buNone/>
+              <a:defRPr sz="900"/>
+            </a:lvl5pPr>
+            <a:lvl6pPr marL="2286000" indent="0">
+              <a:buNone/>
+              <a:defRPr sz="900"/>
+            </a:lvl6pPr>
+            <a:lvl7pPr marL="2743200" indent="0">
+              <a:buNone/>
+              <a:defRPr sz="900"/>
+            </a:lvl7pPr>
+            <a:lvl8pPr marL="3200400" indent="0">
+              <a:buNone/>
+              <a:defRPr sz="900"/>
+            </a:lvl8pPr>
+            <a:lvl9pPr marL="3657600" indent="0">
+              <a:buNone/>
+              <a:defRPr sz="900"/>
+            </a:lvl9pPr>
+          </a:lstStyle>
+          <a:p>
+            <a:pPr lvl="0"/>
+            <a:r>
+              <a:rPr lang="pt-PT"/>
+              <a:t>Clique para editar os estilos do texto de Modelo Global</a:t>
+            </a:r>
+          </a:p>
+        </p:txBody>
+      </p:sp>
+      <p:sp>
+        <p:nvSpPr>
+          <p:cNvPr id="4" name="Date Placeholder 3"/>
+          <p:cNvSpPr>
+            <a:spLocks noGrp="1"/>
+          </p:cNvSpPr>
+          <p:nvPr>
+            <p:ph type="dt" sz="half" idx="10"/>
+          </p:nvPr>
+        </p:nvSpPr>
+        <p:spPr/>
+        <p:txBody>
+          <a:bodyPr/>
+          <a:lstStyle/>
+          <a:p>
+            <a:fld id="{D6867CA9-C437-43A2-A60D-CEBAF376670B}" type="datetimeFigureOut">
+              <a:rPr lang="pt-PT" smtClean="0"/>
+              <a:t>28/03/2024</a:t>
+            </a:fld>
+            <a:endParaRPr lang="pt-PT"/>
+          </a:p>
+        </p:txBody>
+      </p:sp>
+      <p:sp>
+        <p:nvSpPr>
+          <p:cNvPr id="5" name="Footer Placeholder 4"/>
+          <p:cNvSpPr>
+            <a:spLocks noGrp="1"/>
+          </p:cNvSpPr>
+          <p:nvPr>
+            <p:ph type="ftr" sz="quarter" idx="11"/>
+          </p:nvPr>
+        </p:nvSpPr>
+        <p:spPr/>
+        <p:txBody>
+          <a:bodyPr/>
+          <a:lstStyle/>
+          <a:p>
+            <a:endParaRPr lang="pt-PT"/>
+          </a:p>
+        </p:txBody>
+      </p:sp>
+      <p:sp>
+        <p:nvSpPr>
+          <p:cNvPr id="6" name="Slide Number Placeholder 5"/>
+          <p:cNvSpPr>
+            <a:spLocks noGrp="1"/>
+          </p:cNvSpPr>
+          <p:nvPr>
+            <p:ph type="sldNum" sz="quarter" idx="12"/>
+          </p:nvPr>
+        </p:nvSpPr>
+        <p:spPr/>
+        <p:txBody>
+          <a:bodyPr/>
+          <a:lstStyle/>
+          <a:p>
+            <a:fld id="{5508BAFF-B5A4-4E95-A4D4-9B9244247265}" type="slidenum">
+              <a:rPr lang="pt-PT" smtClean="0"/>
+              <a:t>‹nº›</a:t>
+            </a:fld>
+            <a:endParaRPr lang="pt-PT"/>
+          </a:p>
+        </p:txBody>
+      </p:sp>
+      <p:sp>
+        <p:nvSpPr>
+          <p:cNvPr id="12" name="TextBox 11"/>
+          <p:cNvSpPr txBox="1"/>
+          <p:nvPr/>
+        </p:nvSpPr>
+        <p:spPr>
+          <a:xfrm>
+            <a:off x="898295" y="971253"/>
+            <a:ext cx="801912" cy="1969770"/>
+          </a:xfrm>
+          <a:prstGeom prst="rect">
+            <a:avLst/>
+          </a:prstGeom>
+          <a:noFill/>
+        </p:spPr>
+        <p:txBody>
+          <a:bodyPr wrap="square" rtlCol="0">
+            <a:spAutoFit/>
+          </a:bodyPr>
+          <a:lstStyle>
+            <a:defPPr>
+              <a:defRPr lang="en-US"/>
+            </a:defPPr>
+            <a:lvl1pPr algn="r">
+              <a:defRPr sz="12200" b="0" i="0">
+                <a:solidFill>
+                  <a:schemeClr val="bg2">
+                    <a:lumMod val="40000"/>
+                    <a:lumOff val="60000"/>
+                  </a:schemeClr>
+                </a:solidFill>
+                <a:latin typeface="Arial"/>
+                <a:ea typeface="+mj-ea"/>
+                <a:cs typeface="+mj-cs"/>
+              </a:defRPr>
+            </a:lvl1pPr>
+          </a:lstStyle>
+          <a:p>
+            <a:pPr lvl="0"/>
+            <a:r>
+              <a:rPr lang="en-US" dirty="0"/>
+              <a:t>“</a:t>
+            </a:r>
+          </a:p>
+        </p:txBody>
+      </p:sp>
+      <p:sp>
+        <p:nvSpPr>
+          <p:cNvPr id="15" name="TextBox 14"/>
+          <p:cNvSpPr txBox="1"/>
+          <p:nvPr/>
+        </p:nvSpPr>
+        <p:spPr>
+          <a:xfrm>
+            <a:off x="9330490" y="2613787"/>
+            <a:ext cx="801912" cy="1969770"/>
+          </a:xfrm>
+          <a:prstGeom prst="rect">
+            <a:avLst/>
+          </a:prstGeom>
+          <a:noFill/>
+        </p:spPr>
+        <p:txBody>
+          <a:bodyPr wrap="square" rtlCol="0">
+            <a:spAutoFit/>
+          </a:bodyPr>
+          <a:lstStyle>
+            <a:defPPr>
+              <a:defRPr lang="en-US"/>
+            </a:defPPr>
+            <a:lvl1pPr algn="r">
+              <a:defRPr sz="12200" b="0" i="0">
+                <a:solidFill>
+                  <a:schemeClr val="bg2">
+                    <a:lumMod val="40000"/>
+                    <a:lumOff val="60000"/>
+                  </a:schemeClr>
+                </a:solidFill>
+                <a:latin typeface="Arial"/>
+                <a:ea typeface="+mj-ea"/>
+                <a:cs typeface="+mj-cs"/>
+              </a:defRPr>
+            </a:lvl1pPr>
+          </a:lstStyle>
+          <a:p>
+            <a:pPr lvl="0"/>
+            <a:r>
+              <a:rPr lang="en-US" dirty="0"/>
+              <a:t>”</a:t>
+            </a:r>
+          </a:p>
+        </p:txBody>
+      </p:sp>
+    </p:spTree>
+    <p:extLst>
+      <p:ext uri="{BB962C8B-B14F-4D97-AF65-F5344CB8AC3E}">
+        <p14:creationId xmlns:p14="http://schemas.microsoft.com/office/powerpoint/2010/main" val="1928532129"/>
+      </p:ext>
+    </p:extLst>
+  </p:cSld>
+  <p:clrMapOvr>
+    <a:masterClrMapping/>
+  </p:clrMapOvr>
+</p:sldLayout>
+</file>
+
+<file path=ppt/slideLayouts/slideLayout13.xml><?xml version="1.0" encoding="utf-8"?>
+<p:sldLayout xmlns:a="http://schemas.openxmlformats.org/drawingml/2006/main" xmlns:r="http://schemas.openxmlformats.org/officeDocument/2006/relationships" xmlns:p="http://schemas.openxmlformats.org/presentationml/2006/main" preserve="1">
+  <p:cSld name="Cartão de Nome">
+    <p:spTree>
+      <p:nvGrpSpPr>
+        <p:cNvPr id="1" name=""/>
+        <p:cNvGrpSpPr/>
+        <p:nvPr/>
+      </p:nvGrpSpPr>
+      <p:grpSpPr>
+        <a:xfrm>
+          <a:off x="0" y="0"/>
+          <a:ext cx="0" cy="0"/>
+          <a:chOff x="0" y="0"/>
+          <a:chExt cx="0" cy="0"/>
+        </a:xfrm>
+      </p:grpSpPr>
+      <p:sp>
+        <p:nvSpPr>
+          <p:cNvPr id="2" name="Title 1"/>
+          <p:cNvSpPr>
+            <a:spLocks noGrp="1"/>
+          </p:cNvSpPr>
+          <p:nvPr>
+            <p:ph type="title"/>
+          </p:nvPr>
+        </p:nvSpPr>
+        <p:spPr>
+          <a:xfrm>
+            <a:off x="1154954" y="3124201"/>
+            <a:ext cx="8825660" cy="1653180"/>
+          </a:xfrm>
+        </p:spPr>
+        <p:txBody>
+          <a:bodyPr anchor="b"/>
+          <a:lstStyle>
+            <a:lvl1pPr algn="l">
+              <a:defRPr sz="4000" b="0" cap="none"/>
+            </a:lvl1pPr>
+          </a:lstStyle>
+          <a:p>
+            <a:r>
+              <a:rPr lang="pt-PT"/>
+              <a:t>Clique para editar o estilo de título do Modelo Global</a:t>
+            </a:r>
+            <a:endParaRPr lang="en-US" dirty="0"/>
+          </a:p>
+        </p:txBody>
+      </p:sp>
+      <p:sp>
+        <p:nvSpPr>
+          <p:cNvPr id="3" name="Text Placeholder 2"/>
+          <p:cNvSpPr>
+            <a:spLocks noGrp="1"/>
+          </p:cNvSpPr>
+          <p:nvPr>
+            <p:ph type="body" idx="1"/>
+          </p:nvPr>
+        </p:nvSpPr>
+        <p:spPr>
+          <a:xfrm>
+            <a:off x="1154954" y="4777381"/>
+            <a:ext cx="8825659" cy="860400"/>
+          </a:xfrm>
+        </p:spPr>
+        <p:txBody>
+          <a:bodyPr anchor="t"/>
+          <a:lstStyle>
+            <a:lvl1pPr marL="0" indent="0" algn="l">
+              <a:buNone/>
+              <a:defRPr sz="2000" cap="none">
+                <a:solidFill>
+                  <a:schemeClr val="bg2">
+                    <a:lumMod val="40000"/>
+                    <a:lumOff val="60000"/>
+                  </a:schemeClr>
+                </a:solidFill>
+              </a:defRPr>
+            </a:lvl1pPr>
+            <a:lvl2pPr marL="457200" indent="0">
+              <a:buNone/>
+              <a:defRPr sz="1800">
+                <a:solidFill>
+                  <a:schemeClr val="tx1">
+                    <a:tint val="75000"/>
+                  </a:schemeClr>
+                </a:solidFill>
+              </a:defRPr>
+            </a:lvl2pPr>
+            <a:lvl3pPr marL="914400" indent="0">
+              <a:buNone/>
+              <a:defRPr sz="1600">
+                <a:solidFill>
+                  <a:schemeClr val="tx1">
+                    <a:tint val="75000"/>
+                  </a:schemeClr>
+                </a:solidFill>
+              </a:defRPr>
+            </a:lvl3pPr>
+            <a:lvl4pPr marL="1371600" indent="0">
+              <a:buNone/>
+              <a:defRPr sz="1400">
+                <a:solidFill>
+                  <a:schemeClr val="tx1">
+                    <a:tint val="75000"/>
+                  </a:schemeClr>
+                </a:solidFill>
+              </a:defRPr>
+            </a:lvl4pPr>
+            <a:lvl5pPr marL="1828800" indent="0">
+              <a:buNone/>
+              <a:defRPr sz="1400">
+                <a:solidFill>
+                  <a:schemeClr val="tx1">
+                    <a:tint val="75000"/>
+                  </a:schemeClr>
+                </a:solidFill>
+              </a:defRPr>
+            </a:lvl5pPr>
+            <a:lvl6pPr marL="2286000" indent="0">
+              <a:buNone/>
+              <a:defRPr sz="1400">
+                <a:solidFill>
+                  <a:schemeClr val="tx1">
+                    <a:tint val="75000"/>
+                  </a:schemeClr>
+                </a:solidFill>
+              </a:defRPr>
+            </a:lvl6pPr>
+            <a:lvl7pPr marL="2743200" indent="0">
+              <a:buNone/>
+              <a:defRPr sz="1400">
+                <a:solidFill>
+                  <a:schemeClr val="tx1">
+                    <a:tint val="75000"/>
+                  </a:schemeClr>
+                </a:solidFill>
+              </a:defRPr>
+            </a:lvl7pPr>
+            <a:lvl8pPr marL="3200400" indent="0">
+              <a:buNone/>
+              <a:defRPr sz="1400">
+                <a:solidFill>
+                  <a:schemeClr val="tx1">
+                    <a:tint val="75000"/>
+                  </a:schemeClr>
+                </a:solidFill>
+              </a:defRPr>
+            </a:lvl8pPr>
+            <a:lvl9pPr marL="3657600" indent="0">
+              <a:buNone/>
+              <a:defRPr sz="1400">
+                <a:solidFill>
+                  <a:schemeClr val="tx1">
+                    <a:tint val="75000"/>
+                  </a:schemeClr>
+                </a:solidFill>
+              </a:defRPr>
+            </a:lvl9pPr>
+          </a:lstStyle>
+          <a:p>
+            <a:pPr lvl="0"/>
+            <a:r>
+              <a:rPr lang="pt-PT"/>
+              <a:t>Clique para editar os estilos do texto de Modelo Global</a:t>
+            </a:r>
+          </a:p>
+        </p:txBody>
+      </p:sp>
+      <p:sp>
+        <p:nvSpPr>
+          <p:cNvPr id="4" name="Date Placeholder 3"/>
+          <p:cNvSpPr>
+            <a:spLocks noGrp="1"/>
+          </p:cNvSpPr>
+          <p:nvPr>
+            <p:ph type="dt" sz="half" idx="10"/>
+          </p:nvPr>
+        </p:nvSpPr>
+        <p:spPr/>
+        <p:txBody>
+          <a:bodyPr/>
+          <a:lstStyle/>
+          <a:p>
+            <a:fld id="{D6867CA9-C437-43A2-A60D-CEBAF376670B}" type="datetimeFigureOut">
+              <a:rPr lang="pt-PT" smtClean="0"/>
+              <a:t>28/03/2024</a:t>
+            </a:fld>
+            <a:endParaRPr lang="pt-PT"/>
+          </a:p>
+        </p:txBody>
+      </p:sp>
+      <p:sp>
+        <p:nvSpPr>
+          <p:cNvPr id="5" name="Footer Placeholder 4"/>
+          <p:cNvSpPr>
+            <a:spLocks noGrp="1"/>
+          </p:cNvSpPr>
+          <p:nvPr>
+            <p:ph type="ftr" sz="quarter" idx="11"/>
+          </p:nvPr>
+        </p:nvSpPr>
+        <p:spPr/>
+        <p:txBody>
+          <a:bodyPr/>
+          <a:lstStyle/>
+          <a:p>
+            <a:endParaRPr lang="pt-PT"/>
+          </a:p>
+        </p:txBody>
+      </p:sp>
+      <p:sp>
+        <p:nvSpPr>
+          <p:cNvPr id="6" name="Slide Number Placeholder 5"/>
+          <p:cNvSpPr>
+            <a:spLocks noGrp="1"/>
+          </p:cNvSpPr>
+          <p:nvPr>
+            <p:ph type="sldNum" sz="quarter" idx="12"/>
+          </p:nvPr>
+        </p:nvSpPr>
+        <p:spPr/>
+        <p:txBody>
+          <a:bodyPr/>
+          <a:lstStyle/>
+          <a:p>
+            <a:fld id="{5508BAFF-B5A4-4E95-A4D4-9B9244247265}" type="slidenum">
+              <a:rPr lang="pt-PT" smtClean="0"/>
+              <a:t>‹nº›</a:t>
+            </a:fld>
+            <a:endParaRPr lang="pt-PT"/>
+          </a:p>
+        </p:txBody>
+      </p:sp>
+    </p:spTree>
+    <p:extLst>
+      <p:ext uri="{BB962C8B-B14F-4D97-AF65-F5344CB8AC3E}">
+        <p14:creationId xmlns:p14="http://schemas.microsoft.com/office/powerpoint/2010/main" val="3896005317"/>
+      </p:ext>
+    </p:extLst>
+  </p:cSld>
+  <p:clrMapOvr>
+    <a:masterClrMapping/>
+  </p:clrMapOvr>
+</p:sldLayout>
+</file>
+
+<file path=ppt/slideLayouts/slideLayout14.xml><?xml version="1.0" encoding="utf-8"?>
+<p:sldLayout xmlns:a="http://schemas.openxmlformats.org/drawingml/2006/main" xmlns:r="http://schemas.openxmlformats.org/officeDocument/2006/relationships" xmlns:p="http://schemas.openxmlformats.org/presentationml/2006/main" preserve="1">
+  <p:cSld name="3 Colunas">
+    <p:spTree>
+      <p:nvGrpSpPr>
+        <p:cNvPr id="1" name=""/>
+        <p:cNvGrpSpPr/>
+        <p:nvPr/>
+      </p:nvGrpSpPr>
+      <p:grpSpPr>
+        <a:xfrm>
+          <a:off x="0" y="0"/>
+          <a:ext cx="0" cy="0"/>
+          <a:chOff x="0" y="0"/>
+          <a:chExt cx="0" cy="0"/>
+        </a:xfrm>
+      </p:grpSpPr>
+      <p:sp>
+        <p:nvSpPr>
+          <p:cNvPr id="2" name="Title 1"/>
+          <p:cNvSpPr>
+            <a:spLocks noGrp="1"/>
+          </p:cNvSpPr>
+          <p:nvPr>
+            <p:ph type="title"/>
+          </p:nvPr>
+        </p:nvSpPr>
+        <p:spPr/>
+        <p:txBody>
+          <a:bodyPr/>
+          <a:lstStyle>
+            <a:lvl1pPr>
+              <a:defRPr sz="4200"/>
+            </a:lvl1pPr>
+          </a:lstStyle>
+          <a:p>
+            <a:r>
+              <a:rPr lang="pt-PT"/>
+              <a:t>Clique para editar o estilo de título do Modelo Global</a:t>
+            </a:r>
+            <a:endParaRPr lang="en-US" dirty="0"/>
+          </a:p>
+        </p:txBody>
+      </p:sp>
+      <p:sp>
+        <p:nvSpPr>
+          <p:cNvPr id="3" name="Text Placeholder 2"/>
+          <p:cNvSpPr>
+            <a:spLocks noGrp="1"/>
+          </p:cNvSpPr>
+          <p:nvPr>
+            <p:ph type="body" idx="1"/>
+          </p:nvPr>
+        </p:nvSpPr>
+        <p:spPr>
+          <a:xfrm>
+            <a:off x="632947" y="1981200"/>
+            <a:ext cx="2946866" cy="576262"/>
+          </a:xfrm>
+        </p:spPr>
+        <p:txBody>
+          <a:bodyPr anchor="b">
+            <a:noAutofit/>
+          </a:bodyPr>
+          <a:lstStyle>
+            <a:lvl1pPr marL="0" indent="0">
+              <a:buNone/>
+              <a:defRPr sz="2400" b="0">
+                <a:solidFill>
+                  <a:schemeClr val="bg2">
+                    <a:lumMod val="40000"/>
+                    <a:lumOff val="60000"/>
+                  </a:schemeClr>
+                </a:solidFill>
+              </a:defRPr>
+            </a:lvl1pPr>
+            <a:lvl2pPr marL="457200" indent="0">
+              <a:buNone/>
+              <a:defRPr sz="2000" b="1"/>
+            </a:lvl2pPr>
+            <a:lvl3pPr marL="914400" indent="0">
+              <a:buNone/>
+              <a:defRPr sz="1800" b="1"/>
+            </a:lvl3pPr>
+            <a:lvl4pPr marL="1371600" indent="0">
+              <a:buNone/>
+              <a:defRPr sz="1600" b="1"/>
+            </a:lvl4pPr>
+            <a:lvl5pPr marL="1828800" indent="0">
+              <a:buNone/>
+              <a:defRPr sz="1600" b="1"/>
+            </a:lvl5pPr>
+            <a:lvl6pPr marL="2286000" indent="0">
+              <a:buNone/>
+              <a:defRPr sz="1600" b="1"/>
+            </a:lvl6pPr>
+            <a:lvl7pPr marL="2743200" indent="0">
+              <a:buNone/>
+              <a:defRPr sz="1600" b="1"/>
+            </a:lvl7pPr>
+            <a:lvl8pPr marL="3200400" indent="0">
+              <a:buNone/>
+              <a:defRPr sz="1600" b="1"/>
+            </a:lvl8pPr>
+            <a:lvl9pPr marL="3657600" indent="0">
+              <a:buNone/>
+              <a:defRPr sz="1600" b="1"/>
+            </a:lvl9pPr>
+          </a:lstStyle>
+          <a:p>
+            <a:pPr lvl="0"/>
+            <a:r>
+              <a:rPr lang="pt-PT"/>
+              <a:t>Clique para editar os estilos do texto de Modelo Global</a:t>
+            </a:r>
+          </a:p>
+        </p:txBody>
+      </p:sp>
+      <p:sp>
+        <p:nvSpPr>
+          <p:cNvPr id="16" name="Text Placeholder 3"/>
+          <p:cNvSpPr>
+            <a:spLocks noGrp="1"/>
+          </p:cNvSpPr>
+          <p:nvPr>
+            <p:ph type="body" sz="half" idx="15"/>
+          </p:nvPr>
+        </p:nvSpPr>
+        <p:spPr>
+          <a:xfrm>
+            <a:off x="652463" y="2667000"/>
+            <a:ext cx="2927350" cy="3589338"/>
+          </a:xfrm>
+        </p:spPr>
+        <p:txBody>
+          <a:bodyPr anchor="t">
+            <a:normAutofit/>
+          </a:bodyPr>
+          <a:lstStyle>
+            <a:lvl1pPr marL="0" indent="0">
+              <a:buNone/>
+              <a:defRPr sz="1400"/>
+            </a:lvl1pPr>
+            <a:lvl2pPr marL="457200" indent="0">
+              <a:buNone/>
+              <a:defRPr sz="1200"/>
+            </a:lvl2pPr>
+            <a:lvl3pPr marL="914400" indent="0">
+              <a:buNone/>
+              <a:defRPr sz="1000"/>
+            </a:lvl3pPr>
+            <a:lvl4pPr marL="1371600" indent="0">
+              <a:buNone/>
+              <a:defRPr sz="900"/>
+            </a:lvl4pPr>
+            <a:lvl5pPr marL="1828800" indent="0">
+              <a:buNone/>
+              <a:defRPr sz="900"/>
+            </a:lvl5pPr>
+            <a:lvl6pPr marL="2286000" indent="0">
+              <a:buNone/>
+              <a:defRPr sz="900"/>
+            </a:lvl6pPr>
+            <a:lvl7pPr marL="2743200" indent="0">
+              <a:buNone/>
+              <a:defRPr sz="900"/>
+            </a:lvl7pPr>
+            <a:lvl8pPr marL="3200400" indent="0">
+              <a:buNone/>
+              <a:defRPr sz="900"/>
+            </a:lvl8pPr>
+            <a:lvl9pPr marL="3657600" indent="0">
+              <a:buNone/>
+              <a:defRPr sz="900"/>
+            </a:lvl9pPr>
+          </a:lstStyle>
+          <a:p>
+            <a:pPr lvl="0"/>
+            <a:r>
+              <a:rPr lang="pt-PT"/>
+              <a:t>Clique para editar os estilos do texto de Modelo Global</a:t>
+            </a:r>
+          </a:p>
+        </p:txBody>
+      </p:sp>
+      <p:sp>
+        <p:nvSpPr>
+          <p:cNvPr id="5" name="Text Placeholder 4"/>
+          <p:cNvSpPr>
+            <a:spLocks noGrp="1"/>
+          </p:cNvSpPr>
+          <p:nvPr>
+            <p:ph type="body" sz="quarter" idx="3"/>
+          </p:nvPr>
+        </p:nvSpPr>
+        <p:spPr>
+          <a:xfrm>
+            <a:off x="3883659" y="1981200"/>
+            <a:ext cx="2936241" cy="576262"/>
+          </a:xfrm>
+        </p:spPr>
+        <p:txBody>
+          <a:bodyPr anchor="b">
+            <a:noAutofit/>
+          </a:bodyPr>
+          <a:lstStyle>
+            <a:lvl1pPr marL="0" indent="0">
+              <a:buNone/>
+              <a:defRPr sz="2400" b="0">
+                <a:solidFill>
+                  <a:schemeClr val="bg2">
+                    <a:lumMod val="40000"/>
+                    <a:lumOff val="60000"/>
+                  </a:schemeClr>
+                </a:solidFill>
+              </a:defRPr>
+            </a:lvl1pPr>
+            <a:lvl2pPr marL="457200" indent="0">
+              <a:buNone/>
+              <a:defRPr sz="2000" b="1"/>
+            </a:lvl2pPr>
+            <a:lvl3pPr marL="914400" indent="0">
+              <a:buNone/>
+              <a:defRPr sz="1800" b="1"/>
+            </a:lvl3pPr>
+            <a:lvl4pPr marL="1371600" indent="0">
+              <a:buNone/>
+              <a:defRPr sz="1600" b="1"/>
+            </a:lvl4pPr>
+            <a:lvl5pPr marL="1828800" indent="0">
+              <a:buNone/>
+              <a:defRPr sz="1600" b="1"/>
+            </a:lvl5pPr>
+            <a:lvl6pPr marL="2286000" indent="0">
+              <a:buNone/>
+              <a:defRPr sz="1600" b="1"/>
+            </a:lvl6pPr>
+            <a:lvl7pPr marL="2743200" indent="0">
+              <a:buNone/>
+              <a:defRPr sz="1600" b="1"/>
+            </a:lvl7pPr>
+            <a:lvl8pPr marL="3200400" indent="0">
+              <a:buNone/>
+              <a:defRPr sz="1600" b="1"/>
+            </a:lvl8pPr>
+            <a:lvl9pPr marL="3657600" indent="0">
+              <a:buNone/>
+              <a:defRPr sz="1600" b="1"/>
+            </a:lvl9pPr>
+          </a:lstStyle>
+          <a:p>
+            <a:pPr lvl="0"/>
+            <a:r>
+              <a:rPr lang="pt-PT"/>
+              <a:t>Clique para editar os estilos do texto de Modelo Global</a:t>
+            </a:r>
+          </a:p>
+        </p:txBody>
+      </p:sp>
+      <p:sp>
+        <p:nvSpPr>
+          <p:cNvPr id="19" name="Text Placeholder 3"/>
+          <p:cNvSpPr>
+            <a:spLocks noGrp="1"/>
+          </p:cNvSpPr>
+          <p:nvPr>
+            <p:ph type="body" sz="half" idx="16"/>
+          </p:nvPr>
+        </p:nvSpPr>
+        <p:spPr>
+          <a:xfrm>
+            <a:off x="3873106" y="2667000"/>
+            <a:ext cx="2946794" cy="3589338"/>
+          </a:xfrm>
+        </p:spPr>
+        <p:txBody>
+          <a:bodyPr anchor="t">
+            <a:normAutofit/>
+          </a:bodyPr>
+          <a:lstStyle>
+            <a:lvl1pPr marL="0" indent="0">
+              <a:buNone/>
+              <a:defRPr sz="1400"/>
+            </a:lvl1pPr>
+            <a:lvl2pPr marL="457200" indent="0">
+              <a:buNone/>
+              <a:defRPr sz="1200"/>
+            </a:lvl2pPr>
+            <a:lvl3pPr marL="914400" indent="0">
+              <a:buNone/>
+              <a:defRPr sz="1000"/>
+            </a:lvl3pPr>
+            <a:lvl4pPr marL="1371600" indent="0">
+              <a:buNone/>
+              <a:defRPr sz="900"/>
+            </a:lvl4pPr>
+            <a:lvl5pPr marL="1828800" indent="0">
+              <a:buNone/>
+              <a:defRPr sz="900"/>
+            </a:lvl5pPr>
+            <a:lvl6pPr marL="2286000" indent="0">
+              <a:buNone/>
+              <a:defRPr sz="900"/>
+            </a:lvl6pPr>
+            <a:lvl7pPr marL="2743200" indent="0">
+              <a:buNone/>
+              <a:defRPr sz="900"/>
+            </a:lvl7pPr>
+            <a:lvl8pPr marL="3200400" indent="0">
+              <a:buNone/>
+              <a:defRPr sz="900"/>
+            </a:lvl8pPr>
+            <a:lvl9pPr marL="3657600" indent="0">
+              <a:buNone/>
+              <a:defRPr sz="900"/>
+            </a:lvl9pPr>
+          </a:lstStyle>
+          <a:p>
+            <a:pPr lvl="0"/>
+            <a:r>
+              <a:rPr lang="pt-PT"/>
+              <a:t>Clique para editar os estilos do texto de Modelo Global</a:t>
+            </a:r>
+          </a:p>
+        </p:txBody>
+      </p:sp>
+      <p:sp>
+        <p:nvSpPr>
+          <p:cNvPr id="14" name="Text Placeholder 4"/>
+          <p:cNvSpPr>
+            <a:spLocks noGrp="1"/>
+          </p:cNvSpPr>
+          <p:nvPr>
+            <p:ph type="body" sz="quarter" idx="13"/>
+          </p:nvPr>
+        </p:nvSpPr>
+        <p:spPr>
+          <a:xfrm>
+            <a:off x="7124700" y="1981200"/>
+            <a:ext cx="2932113" cy="576262"/>
+          </a:xfrm>
+        </p:spPr>
+        <p:txBody>
+          <a:bodyPr anchor="b">
+            <a:noAutofit/>
+          </a:bodyPr>
+          <a:lstStyle>
+            <a:lvl1pPr marL="0" indent="0">
+              <a:buNone/>
+              <a:defRPr sz="2400" b="0">
+                <a:solidFill>
+                  <a:schemeClr val="bg2">
+                    <a:lumMod val="40000"/>
+                    <a:lumOff val="60000"/>
+                  </a:schemeClr>
+                </a:solidFill>
+              </a:defRPr>
+            </a:lvl1pPr>
+            <a:lvl2pPr marL="457200" indent="0">
+              <a:buNone/>
+              <a:defRPr sz="2000" b="1"/>
+            </a:lvl2pPr>
+            <a:lvl3pPr marL="914400" indent="0">
+              <a:buNone/>
+              <a:defRPr sz="1800" b="1"/>
+            </a:lvl3pPr>
+            <a:lvl4pPr marL="1371600" indent="0">
+              <a:buNone/>
+              <a:defRPr sz="1600" b="1"/>
+            </a:lvl4pPr>
+            <a:lvl5pPr marL="1828800" indent="0">
+              <a:buNone/>
+              <a:defRPr sz="1600" b="1"/>
+            </a:lvl5pPr>
+            <a:lvl6pPr marL="2286000" indent="0">
+              <a:buNone/>
+              <a:defRPr sz="1600" b="1"/>
+            </a:lvl6pPr>
+            <a:lvl7pPr marL="2743200" indent="0">
+              <a:buNone/>
+              <a:defRPr sz="1600" b="1"/>
+            </a:lvl7pPr>
+            <a:lvl8pPr marL="3200400" indent="0">
+              <a:buNone/>
+              <a:defRPr sz="1600" b="1"/>
+            </a:lvl8pPr>
+            <a:lvl9pPr marL="3657600" indent="0">
+              <a:buNone/>
+              <a:defRPr sz="1600" b="1"/>
+            </a:lvl9pPr>
+          </a:lstStyle>
+          <a:p>
+            <a:pPr lvl="0"/>
+            <a:r>
+              <a:rPr lang="pt-PT"/>
+              <a:t>Clique para editar os estilos do texto de Modelo Global</a:t>
+            </a:r>
+          </a:p>
+        </p:txBody>
+      </p:sp>
+      <p:sp>
+        <p:nvSpPr>
+          <p:cNvPr id="20" name="Text Placeholder 3"/>
+          <p:cNvSpPr>
+            <a:spLocks noGrp="1"/>
+          </p:cNvSpPr>
+          <p:nvPr>
+            <p:ph type="body" sz="half" idx="17"/>
+          </p:nvPr>
+        </p:nvSpPr>
+        <p:spPr>
+          <a:xfrm>
+            <a:off x="7124700" y="2667000"/>
+            <a:ext cx="2932113" cy="3589338"/>
+          </a:xfrm>
+        </p:spPr>
+        <p:txBody>
+          <a:bodyPr anchor="t">
+            <a:normAutofit/>
+          </a:bodyPr>
+          <a:lstStyle>
+            <a:lvl1pPr marL="0" indent="0">
+              <a:buNone/>
+              <a:defRPr sz="1400"/>
+            </a:lvl1pPr>
+            <a:lvl2pPr marL="457200" indent="0">
+              <a:buNone/>
+              <a:defRPr sz="1200"/>
+            </a:lvl2pPr>
+            <a:lvl3pPr marL="914400" indent="0">
+              <a:buNone/>
+              <a:defRPr sz="1000"/>
+            </a:lvl3pPr>
+            <a:lvl4pPr marL="1371600" indent="0">
+              <a:buNone/>
+              <a:defRPr sz="900"/>
+            </a:lvl4pPr>
+            <a:lvl5pPr marL="1828800" indent="0">
+              <a:buNone/>
+              <a:defRPr sz="900"/>
+            </a:lvl5pPr>
+            <a:lvl6pPr marL="2286000" indent="0">
+              <a:buNone/>
+              <a:defRPr sz="900"/>
+            </a:lvl6pPr>
+            <a:lvl7pPr marL="2743200" indent="0">
+              <a:buNone/>
+              <a:defRPr sz="900"/>
+            </a:lvl7pPr>
+            <a:lvl8pPr marL="3200400" indent="0">
+              <a:buNone/>
+              <a:defRPr sz="900"/>
+            </a:lvl8pPr>
+            <a:lvl9pPr marL="3657600" indent="0">
+              <a:buNone/>
+              <a:defRPr sz="900"/>
+            </a:lvl9pPr>
+          </a:lstStyle>
+          <a:p>
+            <a:pPr lvl="0"/>
+            <a:r>
+              <a:rPr lang="pt-PT"/>
+              <a:t>Clique para editar os estilos do texto de Modelo Global</a:t>
+            </a:r>
+          </a:p>
+        </p:txBody>
+      </p:sp>
+      <p:cxnSp>
+        <p:nvCxnSpPr>
+          <p:cNvPr id="17" name="Straight Connector 16"/>
+          <p:cNvCxnSpPr/>
+          <p:nvPr/>
+        </p:nvCxnSpPr>
+        <p:spPr>
+          <a:xfrm>
+            <a:off x="3726142" y="2133600"/>
+            <a:ext cx="0" cy="3962400"/>
+          </a:xfrm>
+          <a:prstGeom prst="line">
+            <a:avLst/>
+          </a:prstGeom>
+          <a:ln w="12700" cmpd="sng">
+            <a:solidFill>
+              <a:schemeClr val="bg2">
+                <a:lumMod val="40000"/>
+                <a:lumOff val="60000"/>
+                <a:alpha val="40000"/>
+              </a:schemeClr>
+            </a:solidFill>
+          </a:ln>
+        </p:spPr>
+        <p:style>
+          <a:lnRef idx="2">
+            <a:schemeClr val="accent1"/>
+          </a:lnRef>
+          <a:fillRef idx="0">
+            <a:schemeClr val="accent1"/>
+          </a:fillRef>
+          <a:effectRef idx="1">
+            <a:schemeClr val="accent1"/>
+          </a:effectRef>
+          <a:fontRef idx="minor">
+            <a:schemeClr val="tx1"/>
+          </a:fontRef>
+        </p:style>
+      </p:cxnSp>
+      <p:cxnSp>
+        <p:nvCxnSpPr>
+          <p:cNvPr id="18" name="Straight Connector 17"/>
+          <p:cNvCxnSpPr/>
+          <p:nvPr/>
+        </p:nvCxnSpPr>
+        <p:spPr>
+          <a:xfrm>
+            <a:off x="6962227" y="2133600"/>
+            <a:ext cx="0" cy="3966882"/>
+          </a:xfrm>
+          <a:prstGeom prst="line">
+            <a:avLst/>
+          </a:prstGeom>
+          <a:ln w="12700" cmpd="sng">
+            <a:solidFill>
+              <a:schemeClr val="bg2">
+                <a:lumMod val="40000"/>
+                <a:lumOff val="60000"/>
+                <a:alpha val="40000"/>
+              </a:schemeClr>
+            </a:solidFill>
+          </a:ln>
+        </p:spPr>
+        <p:style>
+          <a:lnRef idx="2">
+            <a:schemeClr val="accent1"/>
+          </a:lnRef>
+          <a:fillRef idx="0">
+            <a:schemeClr val="accent1"/>
+          </a:fillRef>
+          <a:effectRef idx="1">
+            <a:schemeClr val="accent1"/>
+          </a:effectRef>
+          <a:fontRef idx="minor">
+            <a:schemeClr val="tx1"/>
+          </a:fontRef>
+        </p:style>
+      </p:cxnSp>
+      <p:sp>
+        <p:nvSpPr>
+          <p:cNvPr id="7" name="Date Placeholder 3"/>
+          <p:cNvSpPr>
+            <a:spLocks noGrp="1"/>
+          </p:cNvSpPr>
+          <p:nvPr>
+            <p:ph type="dt" sz="half" idx="10"/>
+          </p:nvPr>
+        </p:nvSpPr>
+        <p:spPr/>
+        <p:txBody>
+          <a:bodyPr/>
+          <a:lstStyle/>
+          <a:p>
+            <a:fld id="{D6867CA9-C437-43A2-A60D-CEBAF376670B}" type="datetimeFigureOut">
+              <a:rPr lang="pt-PT" smtClean="0"/>
+              <a:t>28/03/2024</a:t>
+            </a:fld>
+            <a:endParaRPr lang="pt-PT"/>
+          </a:p>
+        </p:txBody>
+      </p:sp>
+      <p:sp>
+        <p:nvSpPr>
+          <p:cNvPr id="4" name="Footer Placeholder 4"/>
+          <p:cNvSpPr>
+            <a:spLocks noGrp="1"/>
+          </p:cNvSpPr>
+          <p:nvPr>
+            <p:ph type="ftr" sz="quarter" idx="11"/>
+          </p:nvPr>
+        </p:nvSpPr>
+        <p:spPr/>
+        <p:txBody>
+          <a:bodyPr/>
+          <a:lstStyle/>
+          <a:p>
+            <a:endParaRPr lang="pt-PT"/>
+          </a:p>
+        </p:txBody>
+      </p:sp>
+      <p:sp>
+        <p:nvSpPr>
+          <p:cNvPr id="6" name="Slide Number Placeholder 5"/>
+          <p:cNvSpPr>
+            <a:spLocks noGrp="1"/>
+          </p:cNvSpPr>
+          <p:nvPr>
+            <p:ph type="sldNum" sz="quarter" idx="12"/>
+          </p:nvPr>
+        </p:nvSpPr>
+        <p:spPr/>
+        <p:txBody>
+          <a:bodyPr/>
+          <a:lstStyle/>
+          <a:p>
+            <a:fld id="{5508BAFF-B5A4-4E95-A4D4-9B9244247265}" type="slidenum">
+              <a:rPr lang="pt-PT" smtClean="0"/>
+              <a:t>‹nº›</a:t>
+            </a:fld>
+            <a:endParaRPr lang="pt-PT"/>
+          </a:p>
+        </p:txBody>
+      </p:sp>
+    </p:spTree>
+    <p:extLst>
+      <p:ext uri="{BB962C8B-B14F-4D97-AF65-F5344CB8AC3E}">
+        <p14:creationId xmlns:p14="http://schemas.microsoft.com/office/powerpoint/2010/main" val="888558438"/>
+      </p:ext>
+    </p:extLst>
+  </p:cSld>
+  <p:clrMapOvr>
+    <a:masterClrMapping/>
+  </p:clrMapOvr>
+</p:sldLayout>
+</file>
+
+<file path=ppt/slideLayouts/slideLayout15.xml><?xml version="1.0" encoding="utf-8"?>
+<p:sldLayout xmlns:a="http://schemas.openxmlformats.org/drawingml/2006/main" xmlns:r="http://schemas.openxmlformats.org/officeDocument/2006/relationships" xmlns:p="http://schemas.openxmlformats.org/presentationml/2006/main" preserve="1">
+  <p:cSld name="Coluna de 3 Imagens">
+    <p:spTree>
+      <p:nvGrpSpPr>
+        <p:cNvPr id="1" name=""/>
+        <p:cNvGrpSpPr/>
+        <p:nvPr/>
+      </p:nvGrpSpPr>
+      <p:grpSpPr>
+        <a:xfrm>
+          <a:off x="0" y="0"/>
+          <a:ext cx="0" cy="0"/>
+          <a:chOff x="0" y="0"/>
+          <a:chExt cx="0" cy="0"/>
+        </a:xfrm>
+      </p:grpSpPr>
+      <p:sp>
+        <p:nvSpPr>
+          <p:cNvPr id="2" name="Title 1"/>
+          <p:cNvSpPr>
+            <a:spLocks noGrp="1"/>
+          </p:cNvSpPr>
+          <p:nvPr>
+            <p:ph type="title"/>
+          </p:nvPr>
+        </p:nvSpPr>
+        <p:spPr/>
+        <p:txBody>
+          <a:bodyPr/>
+          <a:lstStyle>
+            <a:lvl1pPr>
+              <a:defRPr sz="4200"/>
+            </a:lvl1pPr>
+          </a:lstStyle>
+          <a:p>
+            <a:r>
+              <a:rPr lang="pt-PT"/>
+              <a:t>Clique para editar o estilo de título do Modelo Global</a:t>
+            </a:r>
+            <a:endParaRPr lang="en-US" dirty="0"/>
+          </a:p>
+        </p:txBody>
+      </p:sp>
+      <p:sp>
+        <p:nvSpPr>
+          <p:cNvPr id="3" name="Text Placeholder 2"/>
+          <p:cNvSpPr>
+            <a:spLocks noGrp="1"/>
+          </p:cNvSpPr>
+          <p:nvPr>
+            <p:ph type="body" idx="1"/>
+          </p:nvPr>
+        </p:nvSpPr>
+        <p:spPr>
+          <a:xfrm>
+            <a:off x="652463" y="4250949"/>
+            <a:ext cx="2940050" cy="576262"/>
+          </a:xfrm>
+        </p:spPr>
+        <p:txBody>
+          <a:bodyPr anchor="b">
+            <a:noAutofit/>
+          </a:bodyPr>
+          <a:lstStyle>
+            <a:lvl1pPr marL="0" indent="0">
+              <a:buNone/>
+              <a:defRPr sz="2400" b="0">
+                <a:solidFill>
+                  <a:schemeClr val="bg2">
+                    <a:lumMod val="40000"/>
+                    <a:lumOff val="60000"/>
+                  </a:schemeClr>
+                </a:solidFill>
+              </a:defRPr>
+            </a:lvl1pPr>
+            <a:lvl2pPr marL="457200" indent="0">
+              <a:buNone/>
+              <a:defRPr sz="2000" b="1"/>
+            </a:lvl2pPr>
+            <a:lvl3pPr marL="914400" indent="0">
+              <a:buNone/>
+              <a:defRPr sz="1800" b="1"/>
+            </a:lvl3pPr>
+            <a:lvl4pPr marL="1371600" indent="0">
+              <a:buNone/>
+              <a:defRPr sz="1600" b="1"/>
+            </a:lvl4pPr>
+            <a:lvl5pPr marL="1828800" indent="0">
+              <a:buNone/>
+              <a:defRPr sz="1600" b="1"/>
+            </a:lvl5pPr>
+            <a:lvl6pPr marL="2286000" indent="0">
+              <a:buNone/>
+              <a:defRPr sz="1600" b="1"/>
+            </a:lvl6pPr>
+            <a:lvl7pPr marL="2743200" indent="0">
+              <a:buNone/>
+              <a:defRPr sz="1600" b="1"/>
+            </a:lvl7pPr>
+            <a:lvl8pPr marL="3200400" indent="0">
+              <a:buNone/>
+              <a:defRPr sz="1600" b="1"/>
+            </a:lvl8pPr>
+            <a:lvl9pPr marL="3657600" indent="0">
+              <a:buNone/>
+              <a:defRPr sz="1600" b="1"/>
+            </a:lvl9pPr>
+          </a:lstStyle>
+          <a:p>
+            <a:pPr lvl="0"/>
+            <a:r>
+              <a:rPr lang="pt-PT"/>
+              <a:t>Clique para editar os estilos do texto de Modelo Global</a:t>
+            </a:r>
+          </a:p>
+        </p:txBody>
+      </p:sp>
+      <p:sp>
+        <p:nvSpPr>
+          <p:cNvPr id="29" name="Picture Placeholder 2"/>
+          <p:cNvSpPr>
+            <a:spLocks noGrp="1" noChangeAspect="1"/>
+          </p:cNvSpPr>
+          <p:nvPr>
+            <p:ph type="pic" idx="15"/>
+          </p:nvPr>
+        </p:nvSpPr>
+        <p:spPr>
+          <a:xfrm>
+            <a:off x="652463" y="2209800"/>
+            <a:ext cx="2940050" cy="1524000"/>
+          </a:xfrm>
+          <a:prstGeom prst="roundRect">
+            <a:avLst>
+              <a:gd name="adj" fmla="val 1858"/>
+            </a:avLst>
+          </a:prstGeom>
+          <a:effectLst>
+            <a:outerShdw blurRad="50800" dist="50800" dir="5400000" algn="tl" rotWithShape="0">
+              <a:srgbClr val="000000">
+                <a:alpha val="43000"/>
+              </a:srgbClr>
+            </a:outerShdw>
+          </a:effectLst>
+        </p:spPr>
+        <p:txBody>
+          <a:bodyPr anchor="t">
+            <a:normAutofit/>
+          </a:bodyPr>
+          <a:lstStyle>
+            <a:lvl1pPr marL="0" indent="0" algn="ctr">
+              <a:buNone/>
+              <a:defRPr sz="1600"/>
+            </a:lvl1pPr>
+            <a:lvl2pPr marL="457200" indent="0">
+              <a:buNone/>
+              <a:defRPr sz="1600"/>
+            </a:lvl2pPr>
+            <a:lvl3pPr marL="914400" indent="0">
+              <a:buNone/>
+              <a:defRPr sz="1600"/>
+            </a:lvl3pPr>
+            <a:lvl4pPr marL="1371600" indent="0">
+              <a:buNone/>
+              <a:defRPr sz="1600"/>
+            </a:lvl4pPr>
+            <a:lvl5pPr marL="1828800" indent="0">
+              <a:buNone/>
+              <a:defRPr sz="1600"/>
+            </a:lvl5pPr>
+            <a:lvl6pPr marL="2286000" indent="0">
+              <a:buNone/>
+              <a:defRPr sz="1600"/>
+            </a:lvl6pPr>
+            <a:lvl7pPr marL="2743200" indent="0">
+              <a:buNone/>
+              <a:defRPr sz="1600"/>
+            </a:lvl7pPr>
+            <a:lvl8pPr marL="3200400" indent="0">
+              <a:buNone/>
+              <a:defRPr sz="1600"/>
+            </a:lvl8pPr>
+            <a:lvl9pPr marL="3657600" indent="0">
+              <a:buNone/>
+              <a:defRPr sz="1600"/>
+            </a:lvl9pPr>
+          </a:lstStyle>
+          <a:p>
+            <a:r>
+              <a:rPr lang="pt-PT"/>
+              <a:t>Clique no ícone para adicionar uma imagem</a:t>
+            </a:r>
+            <a:endParaRPr lang="en-US" dirty="0"/>
+          </a:p>
+        </p:txBody>
+      </p:sp>
+      <p:sp>
+        <p:nvSpPr>
+          <p:cNvPr id="22" name="Text Placeholder 3"/>
+          <p:cNvSpPr>
+            <a:spLocks noGrp="1"/>
+          </p:cNvSpPr>
+          <p:nvPr>
+            <p:ph type="body" sz="half" idx="18"/>
+          </p:nvPr>
+        </p:nvSpPr>
+        <p:spPr>
+          <a:xfrm>
+            <a:off x="652463" y="4827211"/>
+            <a:ext cx="2940050" cy="659189"/>
+          </a:xfrm>
+        </p:spPr>
+        <p:txBody>
+          <a:bodyPr anchor="t">
+            <a:normAutofit/>
+          </a:bodyPr>
+          <a:lstStyle>
+            <a:lvl1pPr marL="0" indent="0">
+              <a:buNone/>
+              <a:defRPr sz="1400"/>
+            </a:lvl1pPr>
+            <a:lvl2pPr marL="457200" indent="0">
+              <a:buNone/>
+              <a:defRPr sz="1200"/>
+            </a:lvl2pPr>
+            <a:lvl3pPr marL="914400" indent="0">
+              <a:buNone/>
+              <a:defRPr sz="1000"/>
+            </a:lvl3pPr>
+            <a:lvl4pPr marL="1371600" indent="0">
+              <a:buNone/>
+              <a:defRPr sz="900"/>
+            </a:lvl4pPr>
+            <a:lvl5pPr marL="1828800" indent="0">
+              <a:buNone/>
+              <a:defRPr sz="900"/>
+            </a:lvl5pPr>
+            <a:lvl6pPr marL="2286000" indent="0">
+              <a:buNone/>
+              <a:defRPr sz="900"/>
+            </a:lvl6pPr>
+            <a:lvl7pPr marL="2743200" indent="0">
+              <a:buNone/>
+              <a:defRPr sz="900"/>
+            </a:lvl7pPr>
+            <a:lvl8pPr marL="3200400" indent="0">
+              <a:buNone/>
+              <a:defRPr sz="900"/>
+            </a:lvl8pPr>
+            <a:lvl9pPr marL="3657600" indent="0">
+              <a:buNone/>
+              <a:defRPr sz="900"/>
+            </a:lvl9pPr>
+          </a:lstStyle>
+          <a:p>
+            <a:pPr lvl="0"/>
+            <a:r>
+              <a:rPr lang="pt-PT"/>
+              <a:t>Clique para editar os estilos do texto de Modelo Global</a:t>
+            </a:r>
+          </a:p>
+        </p:txBody>
+      </p:sp>
+      <p:sp>
+        <p:nvSpPr>
+          <p:cNvPr id="5" name="Text Placeholder 4"/>
+          <p:cNvSpPr>
+            <a:spLocks noGrp="1"/>
+          </p:cNvSpPr>
+          <p:nvPr>
+            <p:ph type="body" sz="quarter" idx="3"/>
+          </p:nvPr>
+        </p:nvSpPr>
+        <p:spPr>
+          <a:xfrm>
+            <a:off x="3889375" y="4250949"/>
+            <a:ext cx="2930525" cy="576262"/>
+          </a:xfrm>
+        </p:spPr>
+        <p:txBody>
+          <a:bodyPr anchor="b">
+            <a:noAutofit/>
+          </a:bodyPr>
+          <a:lstStyle>
+            <a:lvl1pPr marL="0" indent="0">
+              <a:buNone/>
+              <a:defRPr sz="2400" b="0">
+                <a:solidFill>
+                  <a:schemeClr val="bg2">
+                    <a:lumMod val="40000"/>
+                    <a:lumOff val="60000"/>
+                  </a:schemeClr>
+                </a:solidFill>
+              </a:defRPr>
+            </a:lvl1pPr>
+            <a:lvl2pPr marL="457200" indent="0">
+              <a:buNone/>
+              <a:defRPr sz="2000" b="1"/>
+            </a:lvl2pPr>
+            <a:lvl3pPr marL="914400" indent="0">
+              <a:buNone/>
+              <a:defRPr sz="1800" b="1"/>
+            </a:lvl3pPr>
+            <a:lvl4pPr marL="1371600" indent="0">
+              <a:buNone/>
+              <a:defRPr sz="1600" b="1"/>
+            </a:lvl4pPr>
+            <a:lvl5pPr marL="1828800" indent="0">
+              <a:buNone/>
+              <a:defRPr sz="1600" b="1"/>
+            </a:lvl5pPr>
+            <a:lvl6pPr marL="2286000" indent="0">
+              <a:buNone/>
+              <a:defRPr sz="1600" b="1"/>
+            </a:lvl6pPr>
+            <a:lvl7pPr marL="2743200" indent="0">
+              <a:buNone/>
+              <a:defRPr sz="1600" b="1"/>
+            </a:lvl7pPr>
+            <a:lvl8pPr marL="3200400" indent="0">
+              <a:buNone/>
+              <a:defRPr sz="1600" b="1"/>
+            </a:lvl8pPr>
+            <a:lvl9pPr marL="3657600" indent="0">
+              <a:buNone/>
+              <a:defRPr sz="1600" b="1"/>
+            </a:lvl9pPr>
+          </a:lstStyle>
+          <a:p>
+            <a:pPr lvl="0"/>
+            <a:r>
+              <a:rPr lang="pt-PT"/>
+              <a:t>Clique para editar os estilos do texto de Modelo Global</a:t>
+            </a:r>
+          </a:p>
+        </p:txBody>
+      </p:sp>
+      <p:sp>
+        <p:nvSpPr>
+          <p:cNvPr id="30" name="Picture Placeholder 2"/>
+          <p:cNvSpPr>
+            <a:spLocks noGrp="1" noChangeAspect="1"/>
+          </p:cNvSpPr>
+          <p:nvPr>
+            <p:ph type="pic" idx="21"/>
+          </p:nvPr>
+        </p:nvSpPr>
+        <p:spPr>
+          <a:xfrm>
+            <a:off x="3889374" y="2209800"/>
+            <a:ext cx="2930525" cy="1524000"/>
+          </a:xfrm>
+          <a:prstGeom prst="roundRect">
+            <a:avLst>
+              <a:gd name="adj" fmla="val 1858"/>
+            </a:avLst>
+          </a:prstGeom>
+          <a:effectLst>
+            <a:outerShdw blurRad="50800" dist="50800" dir="5400000" algn="tl" rotWithShape="0">
+              <a:srgbClr val="000000">
+                <a:alpha val="43000"/>
+              </a:srgbClr>
+            </a:outerShdw>
+          </a:effectLst>
+        </p:spPr>
+        <p:txBody>
+          <a:bodyPr anchor="t">
+            <a:normAutofit/>
+          </a:bodyPr>
+          <a:lstStyle>
+            <a:lvl1pPr marL="0" indent="0" algn="ctr">
+              <a:buNone/>
+              <a:defRPr sz="1600"/>
+            </a:lvl1pPr>
+            <a:lvl2pPr marL="457200" indent="0">
+              <a:buNone/>
+              <a:defRPr sz="1600"/>
+            </a:lvl2pPr>
+            <a:lvl3pPr marL="914400" indent="0">
+              <a:buNone/>
+              <a:defRPr sz="1600"/>
+            </a:lvl3pPr>
+            <a:lvl4pPr marL="1371600" indent="0">
+              <a:buNone/>
+              <a:defRPr sz="1600"/>
+            </a:lvl4pPr>
+            <a:lvl5pPr marL="1828800" indent="0">
+              <a:buNone/>
+              <a:defRPr sz="1600"/>
+            </a:lvl5pPr>
+            <a:lvl6pPr marL="2286000" indent="0">
+              <a:buNone/>
+              <a:defRPr sz="1600"/>
+            </a:lvl6pPr>
+            <a:lvl7pPr marL="2743200" indent="0">
+              <a:buNone/>
+              <a:defRPr sz="1600"/>
+            </a:lvl7pPr>
+            <a:lvl8pPr marL="3200400" indent="0">
+              <a:buNone/>
+              <a:defRPr sz="1600"/>
+            </a:lvl8pPr>
+            <a:lvl9pPr marL="3657600" indent="0">
+              <a:buNone/>
+              <a:defRPr sz="1600"/>
+            </a:lvl9pPr>
+          </a:lstStyle>
+          <a:p>
+            <a:r>
+              <a:rPr lang="pt-PT"/>
+              <a:t>Clique no ícone para adicionar uma imagem</a:t>
+            </a:r>
+            <a:endParaRPr lang="en-US" dirty="0"/>
+          </a:p>
+        </p:txBody>
+      </p:sp>
+      <p:sp>
+        <p:nvSpPr>
+          <p:cNvPr id="23" name="Text Placeholder 3"/>
+          <p:cNvSpPr>
+            <a:spLocks noGrp="1"/>
+          </p:cNvSpPr>
+          <p:nvPr>
+            <p:ph type="body" sz="half" idx="19"/>
+          </p:nvPr>
+        </p:nvSpPr>
+        <p:spPr>
+          <a:xfrm>
+            <a:off x="3888022" y="4827210"/>
+            <a:ext cx="2934406" cy="659189"/>
+          </a:xfrm>
+        </p:spPr>
+        <p:txBody>
+          <a:bodyPr anchor="t">
+            <a:normAutofit/>
+          </a:bodyPr>
+          <a:lstStyle>
+            <a:lvl1pPr marL="0" indent="0">
+              <a:buNone/>
+              <a:defRPr sz="1400"/>
+            </a:lvl1pPr>
+            <a:lvl2pPr marL="457200" indent="0">
+              <a:buNone/>
+              <a:defRPr sz="1200"/>
+            </a:lvl2pPr>
+            <a:lvl3pPr marL="914400" indent="0">
+              <a:buNone/>
+              <a:defRPr sz="1000"/>
+            </a:lvl3pPr>
+            <a:lvl4pPr marL="1371600" indent="0">
+              <a:buNone/>
+              <a:defRPr sz="900"/>
+            </a:lvl4pPr>
+            <a:lvl5pPr marL="1828800" indent="0">
+              <a:buNone/>
+              <a:defRPr sz="900"/>
+            </a:lvl5pPr>
+            <a:lvl6pPr marL="2286000" indent="0">
+              <a:buNone/>
+              <a:defRPr sz="900"/>
+            </a:lvl6pPr>
+            <a:lvl7pPr marL="2743200" indent="0">
+              <a:buNone/>
+              <a:defRPr sz="900"/>
+            </a:lvl7pPr>
+            <a:lvl8pPr marL="3200400" indent="0">
+              <a:buNone/>
+              <a:defRPr sz="900"/>
+            </a:lvl8pPr>
+            <a:lvl9pPr marL="3657600" indent="0">
+              <a:buNone/>
+              <a:defRPr sz="900"/>
+            </a:lvl9pPr>
+          </a:lstStyle>
+          <a:p>
+            <a:pPr lvl="0"/>
+            <a:r>
+              <a:rPr lang="pt-PT"/>
+              <a:t>Clique para editar os estilos do texto de Modelo Global</a:t>
+            </a:r>
+          </a:p>
+        </p:txBody>
+      </p:sp>
+      <p:sp>
+        <p:nvSpPr>
+          <p:cNvPr id="14" name="Text Placeholder 4"/>
+          <p:cNvSpPr>
+            <a:spLocks noGrp="1"/>
+          </p:cNvSpPr>
+          <p:nvPr>
+            <p:ph type="body" sz="quarter" idx="13"/>
+          </p:nvPr>
+        </p:nvSpPr>
+        <p:spPr>
+          <a:xfrm>
+            <a:off x="7124700" y="4250949"/>
+            <a:ext cx="2932113" cy="576262"/>
+          </a:xfrm>
+        </p:spPr>
+        <p:txBody>
+          <a:bodyPr anchor="b">
+            <a:noAutofit/>
+          </a:bodyPr>
+          <a:lstStyle>
+            <a:lvl1pPr marL="0" indent="0">
+              <a:buNone/>
+              <a:defRPr sz="2400" b="0">
+                <a:solidFill>
+                  <a:schemeClr val="bg2">
+                    <a:lumMod val="40000"/>
+                    <a:lumOff val="60000"/>
+                  </a:schemeClr>
+                </a:solidFill>
+              </a:defRPr>
+            </a:lvl1pPr>
+            <a:lvl2pPr marL="457200" indent="0">
+              <a:buNone/>
+              <a:defRPr sz="2000" b="1"/>
+            </a:lvl2pPr>
+            <a:lvl3pPr marL="914400" indent="0">
+              <a:buNone/>
+              <a:defRPr sz="1800" b="1"/>
+            </a:lvl3pPr>
+            <a:lvl4pPr marL="1371600" indent="0">
+              <a:buNone/>
+              <a:defRPr sz="1600" b="1"/>
+            </a:lvl4pPr>
+            <a:lvl5pPr marL="1828800" indent="0">
+              <a:buNone/>
+              <a:defRPr sz="1600" b="1"/>
+            </a:lvl5pPr>
+            <a:lvl6pPr marL="2286000" indent="0">
+              <a:buNone/>
+              <a:defRPr sz="1600" b="1"/>
+            </a:lvl6pPr>
+            <a:lvl7pPr marL="2743200" indent="0">
+              <a:buNone/>
+              <a:defRPr sz="1600" b="1"/>
+            </a:lvl7pPr>
+            <a:lvl8pPr marL="3200400" indent="0">
+              <a:buNone/>
+              <a:defRPr sz="1600" b="1"/>
+            </a:lvl8pPr>
+            <a:lvl9pPr marL="3657600" indent="0">
+              <a:buNone/>
+              <a:defRPr sz="1600" b="1"/>
+            </a:lvl9pPr>
+          </a:lstStyle>
+          <a:p>
+            <a:pPr lvl="0"/>
+            <a:r>
+              <a:rPr lang="pt-PT"/>
+              <a:t>Clique para editar os estilos do texto de Modelo Global</a:t>
+            </a:r>
+          </a:p>
+        </p:txBody>
+      </p:sp>
+      <p:sp>
+        <p:nvSpPr>
+          <p:cNvPr id="31" name="Picture Placeholder 2"/>
+          <p:cNvSpPr>
+            <a:spLocks noGrp="1" noChangeAspect="1"/>
+          </p:cNvSpPr>
+          <p:nvPr>
+            <p:ph type="pic" idx="22"/>
+          </p:nvPr>
+        </p:nvSpPr>
+        <p:spPr>
+          <a:xfrm>
+            <a:off x="7124699" y="2209800"/>
+            <a:ext cx="2932113" cy="1524000"/>
+          </a:xfrm>
+          <a:prstGeom prst="roundRect">
+            <a:avLst>
+              <a:gd name="adj" fmla="val 1858"/>
+            </a:avLst>
+          </a:prstGeom>
+          <a:effectLst>
+            <a:outerShdw blurRad="50800" dist="50800" dir="5400000" algn="tl" rotWithShape="0">
+              <a:srgbClr val="000000">
+                <a:alpha val="43000"/>
+              </a:srgbClr>
+            </a:outerShdw>
+          </a:effectLst>
+        </p:spPr>
+        <p:txBody>
+          <a:bodyPr anchor="t">
+            <a:normAutofit/>
+          </a:bodyPr>
+          <a:lstStyle>
+            <a:lvl1pPr marL="0" indent="0" algn="ctr">
+              <a:buNone/>
+              <a:defRPr sz="1600"/>
+            </a:lvl1pPr>
+            <a:lvl2pPr marL="457200" indent="0">
+              <a:buNone/>
+              <a:defRPr sz="1600"/>
+            </a:lvl2pPr>
+            <a:lvl3pPr marL="914400" indent="0">
+              <a:buNone/>
+              <a:defRPr sz="1600"/>
+            </a:lvl3pPr>
+            <a:lvl4pPr marL="1371600" indent="0">
+              <a:buNone/>
+              <a:defRPr sz="1600"/>
+            </a:lvl4pPr>
+            <a:lvl5pPr marL="1828800" indent="0">
+              <a:buNone/>
+              <a:defRPr sz="1600"/>
+            </a:lvl5pPr>
+            <a:lvl6pPr marL="2286000" indent="0">
+              <a:buNone/>
+              <a:defRPr sz="1600"/>
+            </a:lvl6pPr>
+            <a:lvl7pPr marL="2743200" indent="0">
+              <a:buNone/>
+              <a:defRPr sz="1600"/>
+            </a:lvl7pPr>
+            <a:lvl8pPr marL="3200400" indent="0">
+              <a:buNone/>
+              <a:defRPr sz="1600"/>
+            </a:lvl8pPr>
+            <a:lvl9pPr marL="3657600" indent="0">
+              <a:buNone/>
+              <a:defRPr sz="1600"/>
+            </a:lvl9pPr>
+          </a:lstStyle>
+          <a:p>
+            <a:r>
+              <a:rPr lang="pt-PT"/>
+              <a:t>Clique no ícone para adicionar uma imagem</a:t>
+            </a:r>
+            <a:endParaRPr lang="en-US" dirty="0"/>
+          </a:p>
+        </p:txBody>
+      </p:sp>
+      <p:sp>
+        <p:nvSpPr>
+          <p:cNvPr id="24" name="Text Placeholder 3"/>
+          <p:cNvSpPr>
+            <a:spLocks noGrp="1"/>
+          </p:cNvSpPr>
+          <p:nvPr>
+            <p:ph type="body" sz="half" idx="20"/>
+          </p:nvPr>
+        </p:nvSpPr>
+        <p:spPr>
+          <a:xfrm>
+            <a:off x="7124575" y="4827208"/>
+            <a:ext cx="2935997" cy="659189"/>
+          </a:xfrm>
+        </p:spPr>
+        <p:txBody>
+          <a:bodyPr anchor="t">
+            <a:normAutofit/>
+          </a:bodyPr>
+          <a:lstStyle>
+            <a:lvl1pPr marL="0" indent="0">
+              <a:buNone/>
+              <a:defRPr sz="1400"/>
+            </a:lvl1pPr>
+            <a:lvl2pPr marL="457200" indent="0">
+              <a:buNone/>
+              <a:defRPr sz="1200"/>
+            </a:lvl2pPr>
+            <a:lvl3pPr marL="914400" indent="0">
+              <a:buNone/>
+              <a:defRPr sz="1000"/>
+            </a:lvl3pPr>
+            <a:lvl4pPr marL="1371600" indent="0">
+              <a:buNone/>
+              <a:defRPr sz="900"/>
+            </a:lvl4pPr>
+            <a:lvl5pPr marL="1828800" indent="0">
+              <a:buNone/>
+              <a:defRPr sz="900"/>
+            </a:lvl5pPr>
+            <a:lvl6pPr marL="2286000" indent="0">
+              <a:buNone/>
+              <a:defRPr sz="900"/>
+            </a:lvl6pPr>
+            <a:lvl7pPr marL="2743200" indent="0">
+              <a:buNone/>
+              <a:defRPr sz="900"/>
+            </a:lvl7pPr>
+            <a:lvl8pPr marL="3200400" indent="0">
+              <a:buNone/>
+              <a:defRPr sz="900"/>
+            </a:lvl8pPr>
+            <a:lvl9pPr marL="3657600" indent="0">
+              <a:buNone/>
+              <a:defRPr sz="900"/>
+            </a:lvl9pPr>
+          </a:lstStyle>
+          <a:p>
+            <a:pPr lvl="0"/>
+            <a:r>
+              <a:rPr lang="pt-PT"/>
+              <a:t>Clique para editar os estilos do texto de Modelo Global</a:t>
+            </a:r>
+          </a:p>
+        </p:txBody>
+      </p:sp>
+      <p:cxnSp>
+        <p:nvCxnSpPr>
+          <p:cNvPr id="19" name="Straight Connector 18"/>
+          <p:cNvCxnSpPr/>
+          <p:nvPr/>
+        </p:nvCxnSpPr>
+        <p:spPr>
+          <a:xfrm>
+            <a:off x="3726142" y="2133600"/>
+            <a:ext cx="0" cy="3962400"/>
+          </a:xfrm>
+          <a:prstGeom prst="line">
+            <a:avLst/>
+          </a:prstGeom>
+          <a:ln w="12700" cmpd="sng">
+            <a:solidFill>
+              <a:schemeClr val="bg2">
+                <a:lumMod val="40000"/>
+                <a:lumOff val="60000"/>
+                <a:alpha val="40000"/>
+              </a:schemeClr>
+            </a:solidFill>
+          </a:ln>
+        </p:spPr>
+        <p:style>
+          <a:lnRef idx="2">
+            <a:schemeClr val="accent1"/>
+          </a:lnRef>
+          <a:fillRef idx="0">
+            <a:schemeClr val="accent1"/>
+          </a:fillRef>
+          <a:effectRef idx="1">
+            <a:schemeClr val="accent1"/>
+          </a:effectRef>
+          <a:fontRef idx="minor">
+            <a:schemeClr val="tx1"/>
+          </a:fontRef>
+        </p:style>
+      </p:cxnSp>
+      <p:cxnSp>
+        <p:nvCxnSpPr>
+          <p:cNvPr id="20" name="Straight Connector 19"/>
+          <p:cNvCxnSpPr/>
+          <p:nvPr/>
+        </p:nvCxnSpPr>
+        <p:spPr>
+          <a:xfrm>
+            <a:off x="6962227" y="2133600"/>
+            <a:ext cx="0" cy="3966882"/>
+          </a:xfrm>
+          <a:prstGeom prst="line">
+            <a:avLst/>
+          </a:prstGeom>
+          <a:ln w="12700" cmpd="sng">
+            <a:solidFill>
+              <a:schemeClr val="bg2">
+                <a:lumMod val="40000"/>
+                <a:lumOff val="60000"/>
+                <a:alpha val="40000"/>
+              </a:schemeClr>
+            </a:solidFill>
+          </a:ln>
+        </p:spPr>
+        <p:style>
+          <a:lnRef idx="2">
+            <a:schemeClr val="accent1"/>
+          </a:lnRef>
+          <a:fillRef idx="0">
+            <a:schemeClr val="accent1"/>
+          </a:fillRef>
+          <a:effectRef idx="1">
+            <a:schemeClr val="accent1"/>
+          </a:effectRef>
+          <a:fontRef idx="minor">
+            <a:schemeClr val="tx1"/>
+          </a:fontRef>
+        </p:style>
+      </p:cxnSp>
+      <p:sp>
+        <p:nvSpPr>
+          <p:cNvPr id="7" name="Date Placeholder 3"/>
+          <p:cNvSpPr>
+            <a:spLocks noGrp="1"/>
+          </p:cNvSpPr>
+          <p:nvPr>
+            <p:ph type="dt" sz="half" idx="10"/>
+          </p:nvPr>
+        </p:nvSpPr>
+        <p:spPr/>
+        <p:txBody>
+          <a:bodyPr/>
+          <a:lstStyle/>
+          <a:p>
+            <a:fld id="{D6867CA9-C437-43A2-A60D-CEBAF376670B}" type="datetimeFigureOut">
+              <a:rPr lang="pt-PT" smtClean="0"/>
+              <a:t>28/03/2024</a:t>
+            </a:fld>
+            <a:endParaRPr lang="pt-PT"/>
+          </a:p>
+        </p:txBody>
+      </p:sp>
+      <p:sp>
+        <p:nvSpPr>
+          <p:cNvPr id="4" name="Footer Placeholder 4"/>
+          <p:cNvSpPr>
+            <a:spLocks noGrp="1"/>
+          </p:cNvSpPr>
+          <p:nvPr>
+            <p:ph type="ftr" sz="quarter" idx="11"/>
+          </p:nvPr>
+        </p:nvSpPr>
+        <p:spPr/>
+        <p:txBody>
+          <a:bodyPr/>
+          <a:lstStyle/>
+          <a:p>
+            <a:endParaRPr lang="pt-PT"/>
+          </a:p>
+        </p:txBody>
+      </p:sp>
+      <p:sp>
+        <p:nvSpPr>
+          <p:cNvPr id="6" name="Slide Number Placeholder 5"/>
+          <p:cNvSpPr>
+            <a:spLocks noGrp="1"/>
+          </p:cNvSpPr>
+          <p:nvPr>
+            <p:ph type="sldNum" sz="quarter" idx="12"/>
+          </p:nvPr>
+        </p:nvSpPr>
+        <p:spPr/>
+        <p:txBody>
+          <a:bodyPr/>
+          <a:lstStyle/>
+          <a:p>
+            <a:fld id="{5508BAFF-B5A4-4E95-A4D4-9B9244247265}" type="slidenum">
+              <a:rPr lang="pt-PT" smtClean="0"/>
+              <a:t>‹nº›</a:t>
+            </a:fld>
+            <a:endParaRPr lang="pt-PT"/>
+          </a:p>
+        </p:txBody>
+      </p:sp>
+    </p:spTree>
+    <p:extLst>
+      <p:ext uri="{BB962C8B-B14F-4D97-AF65-F5344CB8AC3E}">
+        <p14:creationId xmlns:p14="http://schemas.microsoft.com/office/powerpoint/2010/main" val="495361663"/>
+      </p:ext>
+    </p:extLst>
+  </p:cSld>
+  <p:clrMapOvr>
+    <a:masterClrMapping/>
+  </p:clrMapOvr>
+</p:sldLayout>
+</file>
+
+<file path=ppt/slideLayouts/slideLayout16.xml><?xml version="1.0" encoding="utf-8"?>
 <p:sldLayout xmlns:a="http://schemas.openxmlformats.org/drawingml/2006/main" xmlns:r="http://schemas.openxmlformats.org/officeDocument/2006/relationships" xmlns:p="http://schemas.openxmlformats.org/presentationml/2006/main" type="vertTx" preserve="1">
   <p:cSld name="Título e Texto Vertical">
     <p:spTree>
@@ -354,13 +2948,7 @@
       </p:grpSpPr>
       <p:sp>
         <p:nvSpPr>
-          <p:cNvPr id="2" name="Título 1">
-            <a:extLst>
-              <a:ext uri="{FF2B5EF4-FFF2-40B4-BE49-F238E27FC236}">
-                <a16:creationId xmlns:a16="http://schemas.microsoft.com/office/drawing/2014/main" id="{B7010C7C-78F0-7D6B-5678-0095E7C83EA6}"/>
-              </a:ext>
-            </a:extLst>
-          </p:cNvPr>
+          <p:cNvPr id="2" name="Title 1"/>
           <p:cNvSpPr>
             <a:spLocks noGrp="1"/>
           </p:cNvSpPr>
@@ -377,18 +2965,13 @@
               <a:rPr lang="pt-PT"/>
               <a:t>Clique para editar o estilo de título do Modelo Global</a:t>
             </a:r>
-          </a:p>
-        </p:txBody>
-      </p:sp>
-      <p:sp>
-        <p:nvSpPr>
-          <p:cNvPr id="3" name="Marcador de Posição de Texto Vertical 2">
-            <a:extLst>
-              <a:ext uri="{FF2B5EF4-FFF2-40B4-BE49-F238E27FC236}">
-                <a16:creationId xmlns:a16="http://schemas.microsoft.com/office/drawing/2014/main" id="{F4031A92-108C-3E23-5774-C4E0B65EED52}"/>
-              </a:ext>
-            </a:extLst>
-          </p:cNvPr>
+            <a:endParaRPr lang="en-US" dirty="0"/>
+          </a:p>
+        </p:txBody>
+      </p:sp>
+      <p:sp>
+        <p:nvSpPr>
+          <p:cNvPr id="3" name="Vertical Text Placeholder 2"/>
           <p:cNvSpPr>
             <a:spLocks noGrp="1"/>
           </p:cNvSpPr>
@@ -398,7 +2981,7 @@
         </p:nvSpPr>
         <p:spPr/>
         <p:txBody>
-          <a:bodyPr vert="eaVert"/>
+          <a:bodyPr vert="eaVert" anchor="t" anchorCtr="0"/>
           <a:lstStyle/>
           <a:p>
             <a:pPr lvl="0"/>
@@ -434,18 +3017,13 @@
               <a:rPr lang="pt-PT"/>
               <a:t>Quinto nível</a:t>
             </a:r>
-          </a:p>
-        </p:txBody>
-      </p:sp>
-      <p:sp>
-        <p:nvSpPr>
-          <p:cNvPr id="4" name="Marcador de Posição da Data 3">
-            <a:extLst>
-              <a:ext uri="{FF2B5EF4-FFF2-40B4-BE49-F238E27FC236}">
-                <a16:creationId xmlns:a16="http://schemas.microsoft.com/office/drawing/2014/main" id="{B7EBFC53-8D26-0650-FA7B-5FF003267655}"/>
-              </a:ext>
-            </a:extLst>
-          </p:cNvPr>
+            <a:endParaRPr lang="en-US" dirty="0"/>
+          </a:p>
+        </p:txBody>
+      </p:sp>
+      <p:sp>
+        <p:nvSpPr>
+          <p:cNvPr id="4" name="Date Placeholder 3"/>
           <p:cNvSpPr>
             <a:spLocks noGrp="1"/>
           </p:cNvSpPr>
@@ -468,13 +3046,7 @@
       </p:sp>
       <p:sp>
         <p:nvSpPr>
-          <p:cNvPr id="5" name="Marcador de Posição do Rodapé 4">
-            <a:extLst>
-              <a:ext uri="{FF2B5EF4-FFF2-40B4-BE49-F238E27FC236}">
-                <a16:creationId xmlns:a16="http://schemas.microsoft.com/office/drawing/2014/main" id="{7E44B5EB-DB32-F835-750F-86D58C061095}"/>
-              </a:ext>
-            </a:extLst>
-          </p:cNvPr>
+          <p:cNvPr id="5" name="Footer Placeholder 4"/>
           <p:cNvSpPr>
             <a:spLocks noGrp="1"/>
           </p:cNvSpPr>
@@ -493,13 +3065,7 @@
       </p:sp>
       <p:sp>
         <p:nvSpPr>
-          <p:cNvPr id="6" name="Marcador de Posição do Número do Diapositivo 5">
-            <a:extLst>
-              <a:ext uri="{FF2B5EF4-FFF2-40B4-BE49-F238E27FC236}">
-                <a16:creationId xmlns:a16="http://schemas.microsoft.com/office/drawing/2014/main" id="{C2B3C774-B3C7-0438-0FF6-3029AE370F7A}"/>
-              </a:ext>
-            </a:extLst>
-          </p:cNvPr>
+          <p:cNvPr id="6" name="Slide Number Placeholder 5"/>
           <p:cNvSpPr>
             <a:spLocks noGrp="1"/>
           </p:cNvSpPr>
@@ -523,7 +3089,7 @@
     </p:spTree>
     <p:extLst>
       <p:ext uri="{BB962C8B-B14F-4D97-AF65-F5344CB8AC3E}">
-        <p14:creationId xmlns:p14="http://schemas.microsoft.com/office/powerpoint/2010/main" val="732205563"/>
+        <p14:creationId xmlns:p14="http://schemas.microsoft.com/office/powerpoint/2010/main" val="1936904132"/>
       </p:ext>
     </p:extLst>
   </p:cSld>
@@ -533,7 +3099,7 @@
 </p:sldLayout>
 </file>
 
-<file path=ppt/slideLayouts/slideLayout11.xml><?xml version="1.0" encoding="utf-8"?>
+<file path=ppt/slideLayouts/slideLayout17.xml><?xml version="1.0" encoding="utf-8"?>
 <p:sldLayout xmlns:a="http://schemas.openxmlformats.org/drawingml/2006/main" xmlns:r="http://schemas.openxmlformats.org/officeDocument/2006/relationships" xmlns:p="http://schemas.openxmlformats.org/presentationml/2006/main" type="vertTitleAndTx" preserve="1">
   <p:cSld name="Título Vertical e Texto">
     <p:spTree>
@@ -552,13 +3118,7 @@
       </p:grpSpPr>
       <p:sp>
         <p:nvSpPr>
-          <p:cNvPr id="2" name="Título Vertical 1">
-            <a:extLst>
-              <a:ext uri="{FF2B5EF4-FFF2-40B4-BE49-F238E27FC236}">
-                <a16:creationId xmlns:a16="http://schemas.microsoft.com/office/drawing/2014/main" id="{638AA444-B820-5E1B-4E30-B42BE785FEC3}"/>
-              </a:ext>
-            </a:extLst>
-          </p:cNvPr>
+          <p:cNvPr id="2" name="Vertical Title 1"/>
           <p:cNvSpPr>
             <a:spLocks noGrp="1"/>
           </p:cNvSpPr>
@@ -568,47 +3128,42 @@
         </p:nvSpPr>
         <p:spPr>
           <a:xfrm>
-            <a:off x="8724900" y="365125"/>
-            <a:ext cx="2628900" cy="5811838"/>
+            <a:off x="8304212" y="430213"/>
+            <a:ext cx="1752601" cy="5826125"/>
           </a:xfrm>
         </p:spPr>
         <p:txBody>
+          <a:bodyPr vert="eaVert" anchor="b" anchorCtr="0"/>
+          <a:lstStyle/>
+          <a:p>
+            <a:r>
+              <a:rPr lang="pt-PT"/>
+              <a:t>Clique para editar o estilo de título do Modelo Global</a:t>
+            </a:r>
+            <a:endParaRPr lang="en-US" dirty="0"/>
+          </a:p>
+        </p:txBody>
+      </p:sp>
+      <p:sp>
+        <p:nvSpPr>
+          <p:cNvPr id="3" name="Vertical Text Placeholder 2"/>
+          <p:cNvSpPr>
+            <a:spLocks noGrp="1"/>
+          </p:cNvSpPr>
+          <p:nvPr>
+            <p:ph type="body" orient="vert" idx="1"/>
+          </p:nvPr>
+        </p:nvSpPr>
+        <p:spPr>
+          <a:xfrm>
+            <a:off x="652463" y="887414"/>
+            <a:ext cx="7423149" cy="5368924"/>
+          </a:xfrm>
+        </p:spPr>
+        <p:txBody>
           <a:bodyPr vert="eaVert"/>
           <a:lstStyle/>
           <a:p>
-            <a:r>
-              <a:rPr lang="pt-PT"/>
-              <a:t>Clique para editar o estilo de título do Modelo Global</a:t>
-            </a:r>
-          </a:p>
-        </p:txBody>
-      </p:sp>
-      <p:sp>
-        <p:nvSpPr>
-          <p:cNvPr id="3" name="Marcador de Posição de Texto Vertical 2">
-            <a:extLst>
-              <a:ext uri="{FF2B5EF4-FFF2-40B4-BE49-F238E27FC236}">
-                <a16:creationId xmlns:a16="http://schemas.microsoft.com/office/drawing/2014/main" id="{EDE1A9CA-AEB7-157F-2F96-4C12DFBF1353}"/>
-              </a:ext>
-            </a:extLst>
-          </p:cNvPr>
-          <p:cNvSpPr>
-            <a:spLocks noGrp="1"/>
-          </p:cNvSpPr>
-          <p:nvPr>
-            <p:ph type="body" orient="vert" idx="1"/>
-          </p:nvPr>
-        </p:nvSpPr>
-        <p:spPr>
-          <a:xfrm>
-            <a:off x="838200" y="365125"/>
-            <a:ext cx="7734300" cy="5811838"/>
-          </a:xfrm>
-        </p:spPr>
-        <p:txBody>
-          <a:bodyPr vert="eaVert"/>
-          <a:lstStyle/>
-          <a:p>
             <a:pPr lvl="0"/>
             <a:r>
               <a:rPr lang="pt-PT"/>
@@ -642,18 +3197,13 @@
               <a:rPr lang="pt-PT"/>
               <a:t>Quinto nível</a:t>
             </a:r>
-          </a:p>
-        </p:txBody>
-      </p:sp>
-      <p:sp>
-        <p:nvSpPr>
-          <p:cNvPr id="4" name="Marcador de Posição da Data 3">
-            <a:extLst>
-              <a:ext uri="{FF2B5EF4-FFF2-40B4-BE49-F238E27FC236}">
-                <a16:creationId xmlns:a16="http://schemas.microsoft.com/office/drawing/2014/main" id="{B858E649-962A-7B46-91DB-AE5856E82746}"/>
-              </a:ext>
-            </a:extLst>
-          </p:cNvPr>
+            <a:endParaRPr lang="en-US" dirty="0"/>
+          </a:p>
+        </p:txBody>
+      </p:sp>
+      <p:sp>
+        <p:nvSpPr>
+          <p:cNvPr id="4" name="Date Placeholder 3"/>
           <p:cNvSpPr>
             <a:spLocks noGrp="1"/>
           </p:cNvSpPr>
@@ -676,13 +3226,7 @@
       </p:sp>
       <p:sp>
         <p:nvSpPr>
-          <p:cNvPr id="5" name="Marcador de Posição do Rodapé 4">
-            <a:extLst>
-              <a:ext uri="{FF2B5EF4-FFF2-40B4-BE49-F238E27FC236}">
-                <a16:creationId xmlns:a16="http://schemas.microsoft.com/office/drawing/2014/main" id="{194EC64E-F3C6-CBB5-6FF7-0A9A4197E3B0}"/>
-              </a:ext>
-            </a:extLst>
-          </p:cNvPr>
+          <p:cNvPr id="5" name="Footer Placeholder 4"/>
           <p:cNvSpPr>
             <a:spLocks noGrp="1"/>
           </p:cNvSpPr>
@@ -701,13 +3245,7 @@
       </p:sp>
       <p:sp>
         <p:nvSpPr>
-          <p:cNvPr id="6" name="Marcador de Posição do Número do Diapositivo 5">
-            <a:extLst>
-              <a:ext uri="{FF2B5EF4-FFF2-40B4-BE49-F238E27FC236}">
-                <a16:creationId xmlns:a16="http://schemas.microsoft.com/office/drawing/2014/main" id="{4AB5C38B-B0CF-A492-EFEA-1649D20140D7}"/>
-              </a:ext>
-            </a:extLst>
-          </p:cNvPr>
+          <p:cNvPr id="6" name="Slide Number Placeholder 5"/>
           <p:cNvSpPr>
             <a:spLocks noGrp="1"/>
           </p:cNvSpPr>
@@ -731,7 +3269,7 @@
     </p:spTree>
     <p:extLst>
       <p:ext uri="{BB962C8B-B14F-4D97-AF65-F5344CB8AC3E}">
-        <p14:creationId xmlns:p14="http://schemas.microsoft.com/office/powerpoint/2010/main" val="533490021"/>
+        <p14:creationId xmlns:p14="http://schemas.microsoft.com/office/powerpoint/2010/main" val="77399496"/>
       </p:ext>
     </p:extLst>
   </p:cSld>
@@ -760,13 +3298,7 @@
       </p:grpSpPr>
       <p:sp>
         <p:nvSpPr>
-          <p:cNvPr id="2" name="Título 1">
-            <a:extLst>
-              <a:ext uri="{FF2B5EF4-FFF2-40B4-BE49-F238E27FC236}">
-                <a16:creationId xmlns:a16="http://schemas.microsoft.com/office/drawing/2014/main" id="{2BA7F836-4730-7BF8-E66F-903B0844614D}"/>
-              </a:ext>
-            </a:extLst>
-          </p:cNvPr>
+          <p:cNvPr id="2" name="Title 1"/>
           <p:cNvSpPr>
             <a:spLocks noGrp="1"/>
           </p:cNvSpPr>
@@ -783,18 +3315,13 @@
               <a:rPr lang="pt-PT"/>
               <a:t>Clique para editar o estilo de título do Modelo Global</a:t>
             </a:r>
-          </a:p>
-        </p:txBody>
-      </p:sp>
-      <p:sp>
-        <p:nvSpPr>
-          <p:cNvPr id="3" name="Marcador de Posição de Conteúdo 2">
-            <a:extLst>
-              <a:ext uri="{FF2B5EF4-FFF2-40B4-BE49-F238E27FC236}">
-                <a16:creationId xmlns:a16="http://schemas.microsoft.com/office/drawing/2014/main" id="{BCB5C40E-B7D4-B4E6-E7D9-B4AEFBC41670}"/>
-              </a:ext>
-            </a:extLst>
-          </p:cNvPr>
+            <a:endParaRPr lang="en-US" dirty="0"/>
+          </a:p>
+        </p:txBody>
+      </p:sp>
+      <p:sp>
+        <p:nvSpPr>
+          <p:cNvPr id="3" name="Content Placeholder 2"/>
           <p:cNvSpPr>
             <a:spLocks noGrp="1"/>
           </p:cNvSpPr>
@@ -840,18 +3367,13 @@
               <a:rPr lang="pt-PT"/>
               <a:t>Quinto nível</a:t>
             </a:r>
-          </a:p>
-        </p:txBody>
-      </p:sp>
-      <p:sp>
-        <p:nvSpPr>
-          <p:cNvPr id="4" name="Marcador de Posição da Data 3">
-            <a:extLst>
-              <a:ext uri="{FF2B5EF4-FFF2-40B4-BE49-F238E27FC236}">
-                <a16:creationId xmlns:a16="http://schemas.microsoft.com/office/drawing/2014/main" id="{21EA7D99-47DD-B046-9DCE-734797785C96}"/>
-              </a:ext>
-            </a:extLst>
-          </p:cNvPr>
+            <a:endParaRPr lang="en-US" dirty="0"/>
+          </a:p>
+        </p:txBody>
+      </p:sp>
+      <p:sp>
+        <p:nvSpPr>
+          <p:cNvPr id="7" name="Date Placeholder 3"/>
           <p:cNvSpPr>
             <a:spLocks noGrp="1"/>
           </p:cNvSpPr>
@@ -874,13 +3396,7 @@
       </p:sp>
       <p:sp>
         <p:nvSpPr>
-          <p:cNvPr id="5" name="Marcador de Posição do Rodapé 4">
-            <a:extLst>
-              <a:ext uri="{FF2B5EF4-FFF2-40B4-BE49-F238E27FC236}">
-                <a16:creationId xmlns:a16="http://schemas.microsoft.com/office/drawing/2014/main" id="{2AFC00F2-83E0-5CBF-1AD7-1CC22E2A8208}"/>
-              </a:ext>
-            </a:extLst>
-          </p:cNvPr>
+          <p:cNvPr id="5" name="Footer Placeholder 4"/>
           <p:cNvSpPr>
             <a:spLocks noGrp="1"/>
           </p:cNvSpPr>
@@ -899,13 +3415,7 @@
       </p:sp>
       <p:sp>
         <p:nvSpPr>
-          <p:cNvPr id="6" name="Marcador de Posição do Número do Diapositivo 5">
-            <a:extLst>
-              <a:ext uri="{FF2B5EF4-FFF2-40B4-BE49-F238E27FC236}">
-                <a16:creationId xmlns:a16="http://schemas.microsoft.com/office/drawing/2014/main" id="{EC15681B-84ED-39A4-8A70-6ABF66DE7000}"/>
-              </a:ext>
-            </a:extLst>
-          </p:cNvPr>
+          <p:cNvPr id="6" name="Slide Number Placeholder 5"/>
           <p:cNvSpPr>
             <a:spLocks noGrp="1"/>
           </p:cNvSpPr>
@@ -929,7 +3439,7 @@
     </p:spTree>
     <p:extLst>
       <p:ext uri="{BB962C8B-B14F-4D97-AF65-F5344CB8AC3E}">
-        <p14:creationId xmlns:p14="http://schemas.microsoft.com/office/powerpoint/2010/main" val="2283840128"/>
+        <p14:creationId xmlns:p14="http://schemas.microsoft.com/office/powerpoint/2010/main" val="404759102"/>
       </p:ext>
     </p:extLst>
   </p:cSld>
@@ -958,13 +3468,7 @@
       </p:grpSpPr>
       <p:sp>
         <p:nvSpPr>
-          <p:cNvPr id="2" name="Título 1">
-            <a:extLst>
-              <a:ext uri="{FF2B5EF4-FFF2-40B4-BE49-F238E27FC236}">
-                <a16:creationId xmlns:a16="http://schemas.microsoft.com/office/drawing/2014/main" id="{7A431E26-7C5E-3542-BD3B-EF5A890EA848}"/>
-              </a:ext>
-            </a:extLst>
-          </p:cNvPr>
+          <p:cNvPr id="2" name="Title 1"/>
           <p:cNvSpPr>
             <a:spLocks noGrp="1"/>
           </p:cNvSpPr>
@@ -974,15 +3478,15 @@
         </p:nvSpPr>
         <p:spPr>
           <a:xfrm>
-            <a:off x="831850" y="1709738"/>
-            <a:ext cx="10515600" cy="2852737"/>
+            <a:off x="1154956" y="2861733"/>
+            <a:ext cx="8825657" cy="1915647"/>
           </a:xfrm>
         </p:spPr>
         <p:txBody>
           <a:bodyPr anchor="b"/>
           <a:lstStyle>
-            <a:lvl1pPr>
-              <a:defRPr sz="6000"/>
+            <a:lvl1pPr algn="l">
+              <a:defRPr sz="4000" b="0" cap="none"/>
             </a:lvl1pPr>
           </a:lstStyle>
           <a:p>
@@ -990,18 +3494,13 @@
               <a:rPr lang="pt-PT"/>
               <a:t>Clique para editar o estilo de título do Modelo Global</a:t>
             </a:r>
-          </a:p>
-        </p:txBody>
-      </p:sp>
-      <p:sp>
-        <p:nvSpPr>
-          <p:cNvPr id="3" name="Marcador de Posição do Texto 2">
-            <a:extLst>
-              <a:ext uri="{FF2B5EF4-FFF2-40B4-BE49-F238E27FC236}">
-                <a16:creationId xmlns:a16="http://schemas.microsoft.com/office/drawing/2014/main" id="{03BE9685-8B8F-B33E-C787-78CDCDC837F4}"/>
-              </a:ext>
-            </a:extLst>
-          </p:cNvPr>
+            <a:endParaRPr lang="en-US" dirty="0"/>
+          </a:p>
+        </p:txBody>
+      </p:sp>
+      <p:sp>
+        <p:nvSpPr>
+          <p:cNvPr id="3" name="Text Placeholder 2"/>
           <p:cNvSpPr>
             <a:spLocks noGrp="1"/>
           </p:cNvSpPr>
@@ -1011,26 +3510,27 @@
         </p:nvSpPr>
         <p:spPr>
           <a:xfrm>
-            <a:off x="831850" y="4589463"/>
-            <a:ext cx="10515600" cy="1500187"/>
+            <a:off x="1154955" y="4777381"/>
+            <a:ext cx="8825658" cy="860400"/>
           </a:xfrm>
         </p:spPr>
         <p:txBody>
-          <a:bodyPr/>
+          <a:bodyPr anchor="t"/>
           <a:lstStyle>
-            <a:lvl1pPr marL="0" indent="0">
-              <a:buNone/>
-              <a:defRPr sz="2400">
+            <a:lvl1pPr marL="0" indent="0" algn="l">
+              <a:buNone/>
+              <a:defRPr sz="2000" cap="all">
                 <a:solidFill>
-                  <a:schemeClr val="tx1">
-                    <a:tint val="75000"/>
+                  <a:schemeClr val="bg2">
+                    <a:lumMod val="40000"/>
+                    <a:lumOff val="60000"/>
                   </a:schemeClr>
                 </a:solidFill>
               </a:defRPr>
             </a:lvl1pPr>
             <a:lvl2pPr marL="457200" indent="0">
               <a:buNone/>
-              <a:defRPr sz="2000">
+              <a:defRPr sz="1800">
                 <a:solidFill>
                   <a:schemeClr val="tx1">
                     <a:tint val="75000"/>
@@ -1040,7 +3540,7 @@
             </a:lvl2pPr>
             <a:lvl3pPr marL="914400" indent="0">
               <a:buNone/>
-              <a:defRPr sz="1800">
+              <a:defRPr sz="1600">
                 <a:solidFill>
                   <a:schemeClr val="tx1">
                     <a:tint val="75000"/>
@@ -1050,7 +3550,7 @@
             </a:lvl3pPr>
             <a:lvl4pPr marL="1371600" indent="0">
               <a:buNone/>
-              <a:defRPr sz="1600">
+              <a:defRPr sz="1400">
                 <a:solidFill>
                   <a:schemeClr val="tx1">
                     <a:tint val="75000"/>
@@ -1060,7 +3560,7 @@
             </a:lvl4pPr>
             <a:lvl5pPr marL="1828800" indent="0">
               <a:buNone/>
-              <a:defRPr sz="1600">
+              <a:defRPr sz="1400">
                 <a:solidFill>
                   <a:schemeClr val="tx1">
                     <a:tint val="75000"/>
@@ -1070,7 +3570,7 @@
             </a:lvl5pPr>
             <a:lvl6pPr marL="2286000" indent="0">
               <a:buNone/>
-              <a:defRPr sz="1600">
+              <a:defRPr sz="1400">
                 <a:solidFill>
                   <a:schemeClr val="tx1">
                     <a:tint val="75000"/>
@@ -1080,7 +3580,7 @@
             </a:lvl6pPr>
             <a:lvl7pPr marL="2743200" indent="0">
               <a:buNone/>
-              <a:defRPr sz="1600">
+              <a:defRPr sz="1400">
                 <a:solidFill>
                   <a:schemeClr val="tx1">
                     <a:tint val="75000"/>
@@ -1090,7 +3590,7 @@
             </a:lvl7pPr>
             <a:lvl8pPr marL="3200400" indent="0">
               <a:buNone/>
-              <a:defRPr sz="1600">
+              <a:defRPr sz="1400">
                 <a:solidFill>
                   <a:schemeClr val="tx1">
                     <a:tint val="75000"/>
@@ -1100,7 +3600,7 @@
             </a:lvl8pPr>
             <a:lvl9pPr marL="3657600" indent="0">
               <a:buNone/>
-              <a:defRPr sz="1600">
+              <a:defRPr sz="1400">
                 <a:solidFill>
                   <a:schemeClr val="tx1">
                     <a:tint val="75000"/>
@@ -1120,13 +3620,7 @@
       </p:sp>
       <p:sp>
         <p:nvSpPr>
-          <p:cNvPr id="4" name="Marcador de Posição da Data 3">
-            <a:extLst>
-              <a:ext uri="{FF2B5EF4-FFF2-40B4-BE49-F238E27FC236}">
-                <a16:creationId xmlns:a16="http://schemas.microsoft.com/office/drawing/2014/main" id="{7B0337A3-B989-202A-CD17-A30A8CA4336F}"/>
-              </a:ext>
-            </a:extLst>
-          </p:cNvPr>
+          <p:cNvPr id="4" name="Date Placeholder 3"/>
           <p:cNvSpPr>
             <a:spLocks noGrp="1"/>
           </p:cNvSpPr>
@@ -1149,13 +3643,7 @@
       </p:sp>
       <p:sp>
         <p:nvSpPr>
-          <p:cNvPr id="5" name="Marcador de Posição do Rodapé 4">
-            <a:extLst>
-              <a:ext uri="{FF2B5EF4-FFF2-40B4-BE49-F238E27FC236}">
-                <a16:creationId xmlns:a16="http://schemas.microsoft.com/office/drawing/2014/main" id="{F552FCB7-3000-5BB1-0483-86FC68B23235}"/>
-              </a:ext>
-            </a:extLst>
-          </p:cNvPr>
+          <p:cNvPr id="5" name="Footer Placeholder 4"/>
           <p:cNvSpPr>
             <a:spLocks noGrp="1"/>
           </p:cNvSpPr>
@@ -1174,13 +3662,7 @@
       </p:sp>
       <p:sp>
         <p:nvSpPr>
-          <p:cNvPr id="6" name="Marcador de Posição do Número do Diapositivo 5">
-            <a:extLst>
-              <a:ext uri="{FF2B5EF4-FFF2-40B4-BE49-F238E27FC236}">
-                <a16:creationId xmlns:a16="http://schemas.microsoft.com/office/drawing/2014/main" id="{46D46029-EBF8-796F-75B2-3395E46CBB8D}"/>
-              </a:ext>
-            </a:extLst>
-          </p:cNvPr>
+          <p:cNvPr id="6" name="Slide Number Placeholder 5"/>
           <p:cNvSpPr>
             <a:spLocks noGrp="1"/>
           </p:cNvSpPr>
@@ -1204,7 +3686,7 @@
     </p:spTree>
     <p:extLst>
       <p:ext uri="{BB962C8B-B14F-4D97-AF65-F5344CB8AC3E}">
-        <p14:creationId xmlns:p14="http://schemas.microsoft.com/office/powerpoint/2010/main" val="3112872894"/>
+        <p14:creationId xmlns:p14="http://schemas.microsoft.com/office/powerpoint/2010/main" val="3738156379"/>
       </p:ext>
     </p:extLst>
   </p:cSld>
@@ -1233,13 +3715,7 @@
       </p:grpSpPr>
       <p:sp>
         <p:nvSpPr>
-          <p:cNvPr id="2" name="Título 1">
-            <a:extLst>
-              <a:ext uri="{FF2B5EF4-FFF2-40B4-BE49-F238E27FC236}">
-                <a16:creationId xmlns:a16="http://schemas.microsoft.com/office/drawing/2014/main" id="{E06C6167-D956-090C-5C59-233440357692}"/>
-              </a:ext>
-            </a:extLst>
-          </p:cNvPr>
+          <p:cNvPr id="2" name="Title 1"/>
           <p:cNvSpPr>
             <a:spLocks noGrp="1"/>
           </p:cNvSpPr>
@@ -1256,18 +3732,13 @@
               <a:rPr lang="pt-PT"/>
               <a:t>Clique para editar o estilo de título do Modelo Global</a:t>
             </a:r>
-          </a:p>
-        </p:txBody>
-      </p:sp>
-      <p:sp>
-        <p:nvSpPr>
-          <p:cNvPr id="3" name="Marcador de Posição de Conteúdo 2">
-            <a:extLst>
-              <a:ext uri="{FF2B5EF4-FFF2-40B4-BE49-F238E27FC236}">
-                <a16:creationId xmlns:a16="http://schemas.microsoft.com/office/drawing/2014/main" id="{09B29DB6-7925-1166-8EB0-FC4EA0E61950}"/>
-              </a:ext>
-            </a:extLst>
-          </p:cNvPr>
+            <a:endParaRPr lang="en-US" dirty="0"/>
+          </a:p>
+        </p:txBody>
+      </p:sp>
+      <p:sp>
+        <p:nvSpPr>
+          <p:cNvPr id="3" name="Content Placeholder 2"/>
           <p:cNvSpPr>
             <a:spLocks noGrp="1"/>
           </p:cNvSpPr>
@@ -1277,13 +3748,43 @@
         </p:nvSpPr>
         <p:spPr>
           <a:xfrm>
-            <a:off x="838200" y="1825625"/>
-            <a:ext cx="5181600" cy="4351338"/>
+            <a:off x="1103312" y="2060575"/>
+            <a:ext cx="4396339" cy="4195763"/>
           </a:xfrm>
         </p:spPr>
         <p:txBody>
-          <a:bodyPr/>
-          <a:lstStyle/>
+          <a:bodyPr>
+            <a:normAutofit/>
+          </a:bodyPr>
+          <a:lstStyle>
+            <a:lvl1pPr>
+              <a:defRPr sz="1800"/>
+            </a:lvl1pPr>
+            <a:lvl2pPr>
+              <a:defRPr sz="1600"/>
+            </a:lvl2pPr>
+            <a:lvl3pPr>
+              <a:defRPr sz="1400"/>
+            </a:lvl3pPr>
+            <a:lvl4pPr>
+              <a:defRPr sz="1200"/>
+            </a:lvl4pPr>
+            <a:lvl5pPr>
+              <a:defRPr sz="1200"/>
+            </a:lvl5pPr>
+            <a:lvl6pPr>
+              <a:defRPr sz="1200"/>
+            </a:lvl6pPr>
+            <a:lvl7pPr>
+              <a:defRPr sz="1200"/>
+            </a:lvl7pPr>
+            <a:lvl8pPr>
+              <a:defRPr sz="1200"/>
+            </a:lvl8pPr>
+            <a:lvl9pPr>
+              <a:defRPr sz="1200"/>
+            </a:lvl9pPr>
+          </a:lstStyle>
           <a:p>
             <a:pPr lvl="0"/>
             <a:r>
@@ -1318,18 +3819,13 @@
               <a:rPr lang="pt-PT"/>
               <a:t>Quinto nível</a:t>
             </a:r>
-          </a:p>
-        </p:txBody>
-      </p:sp>
-      <p:sp>
-        <p:nvSpPr>
-          <p:cNvPr id="4" name="Marcador de Posição de Conteúdo 3">
-            <a:extLst>
-              <a:ext uri="{FF2B5EF4-FFF2-40B4-BE49-F238E27FC236}">
-                <a16:creationId xmlns:a16="http://schemas.microsoft.com/office/drawing/2014/main" id="{AC44BADB-CEDB-37B4-BAC3-335C7EFC83C3}"/>
-              </a:ext>
-            </a:extLst>
-          </p:cNvPr>
+            <a:endParaRPr lang="en-US" dirty="0"/>
+          </a:p>
+        </p:txBody>
+      </p:sp>
+      <p:sp>
+        <p:nvSpPr>
+          <p:cNvPr id="4" name="Content Placeholder 3"/>
           <p:cNvSpPr>
             <a:spLocks noGrp="1"/>
           </p:cNvSpPr>
@@ -1339,13 +3835,43 @@
         </p:nvSpPr>
         <p:spPr>
           <a:xfrm>
-            <a:off x="6172200" y="1825625"/>
-            <a:ext cx="5181600" cy="4351338"/>
+            <a:off x="5654493" y="2056092"/>
+            <a:ext cx="4396341" cy="4200245"/>
           </a:xfrm>
         </p:spPr>
         <p:txBody>
-          <a:bodyPr/>
-          <a:lstStyle/>
+          <a:bodyPr>
+            <a:normAutofit/>
+          </a:bodyPr>
+          <a:lstStyle>
+            <a:lvl1pPr>
+              <a:defRPr sz="1800"/>
+            </a:lvl1pPr>
+            <a:lvl2pPr>
+              <a:defRPr sz="1600"/>
+            </a:lvl2pPr>
+            <a:lvl3pPr>
+              <a:defRPr sz="1400"/>
+            </a:lvl3pPr>
+            <a:lvl4pPr>
+              <a:defRPr sz="1200"/>
+            </a:lvl4pPr>
+            <a:lvl5pPr>
+              <a:defRPr sz="1200"/>
+            </a:lvl5pPr>
+            <a:lvl6pPr>
+              <a:defRPr sz="1200"/>
+            </a:lvl6pPr>
+            <a:lvl7pPr>
+              <a:defRPr sz="1200"/>
+            </a:lvl7pPr>
+            <a:lvl8pPr>
+              <a:defRPr sz="1200"/>
+            </a:lvl8pPr>
+            <a:lvl9pPr>
+              <a:defRPr sz="1200"/>
+            </a:lvl9pPr>
+          </a:lstStyle>
           <a:p>
             <a:pPr lvl="0"/>
             <a:r>
@@ -1380,18 +3906,13 @@
               <a:rPr lang="pt-PT"/>
               <a:t>Quinto nível</a:t>
             </a:r>
-          </a:p>
-        </p:txBody>
-      </p:sp>
-      <p:sp>
-        <p:nvSpPr>
-          <p:cNvPr id="5" name="Marcador de Posição da Data 4">
-            <a:extLst>
-              <a:ext uri="{FF2B5EF4-FFF2-40B4-BE49-F238E27FC236}">
-                <a16:creationId xmlns:a16="http://schemas.microsoft.com/office/drawing/2014/main" id="{F35E6824-21B1-BDD1-9D76-5336485AE4FA}"/>
-              </a:ext>
-            </a:extLst>
-          </p:cNvPr>
+            <a:endParaRPr lang="en-US" dirty="0"/>
+          </a:p>
+        </p:txBody>
+      </p:sp>
+      <p:sp>
+        <p:nvSpPr>
+          <p:cNvPr id="5" name="Date Placeholder 4"/>
           <p:cNvSpPr>
             <a:spLocks noGrp="1"/>
           </p:cNvSpPr>
@@ -1414,13 +3935,7 @@
       </p:sp>
       <p:sp>
         <p:nvSpPr>
-          <p:cNvPr id="6" name="Marcador de Posição do Rodapé 5">
-            <a:extLst>
-              <a:ext uri="{FF2B5EF4-FFF2-40B4-BE49-F238E27FC236}">
-                <a16:creationId xmlns:a16="http://schemas.microsoft.com/office/drawing/2014/main" id="{9D50A936-96BD-0471-55B8-0E4B3B5C4E24}"/>
-              </a:ext>
-            </a:extLst>
-          </p:cNvPr>
+          <p:cNvPr id="6" name="Footer Placeholder 5"/>
           <p:cNvSpPr>
             <a:spLocks noGrp="1"/>
           </p:cNvSpPr>
@@ -1439,13 +3954,7 @@
       </p:sp>
       <p:sp>
         <p:nvSpPr>
-          <p:cNvPr id="7" name="Marcador de Posição do Número do Diapositivo 6">
-            <a:extLst>
-              <a:ext uri="{FF2B5EF4-FFF2-40B4-BE49-F238E27FC236}">
-                <a16:creationId xmlns:a16="http://schemas.microsoft.com/office/drawing/2014/main" id="{27406071-83A2-37E2-5B26-ACDD8AF910BE}"/>
-              </a:ext>
-            </a:extLst>
-          </p:cNvPr>
+          <p:cNvPr id="7" name="Slide Number Placeholder 6"/>
           <p:cNvSpPr>
             <a:spLocks noGrp="1"/>
           </p:cNvSpPr>
@@ -1469,7 +3978,7 @@
     </p:spTree>
     <p:extLst>
       <p:ext uri="{BB962C8B-B14F-4D97-AF65-F5344CB8AC3E}">
-        <p14:creationId xmlns:p14="http://schemas.microsoft.com/office/powerpoint/2010/main" val="274819072"/>
+        <p14:creationId xmlns:p14="http://schemas.microsoft.com/office/powerpoint/2010/main" val="2104715387"/>
       </p:ext>
     </p:extLst>
   </p:cSld>
@@ -1498,65 +4007,62 @@
       </p:grpSpPr>
       <p:sp>
         <p:nvSpPr>
-          <p:cNvPr id="2" name="Título 1">
-            <a:extLst>
-              <a:ext uri="{FF2B5EF4-FFF2-40B4-BE49-F238E27FC236}">
-                <a16:creationId xmlns:a16="http://schemas.microsoft.com/office/drawing/2014/main" id="{2142C403-AC7B-595B-37F3-DE8FF2941458}"/>
-              </a:ext>
-            </a:extLst>
-          </p:cNvPr>
+          <p:cNvPr id="2" name="Title 1"/>
           <p:cNvSpPr>
             <a:spLocks noGrp="1"/>
           </p:cNvSpPr>
           <p:nvPr>
             <p:ph type="title"/>
+          </p:nvPr>
+        </p:nvSpPr>
+        <p:spPr/>
+        <p:txBody>
+          <a:bodyPr/>
+          <a:lstStyle>
+            <a:lvl1pPr>
+              <a:defRPr/>
+            </a:lvl1pPr>
+          </a:lstStyle>
+          <a:p>
+            <a:r>
+              <a:rPr lang="pt-PT"/>
+              <a:t>Clique para editar o estilo de título do Modelo Global</a:t>
+            </a:r>
+            <a:endParaRPr lang="en-US" dirty="0"/>
+          </a:p>
+        </p:txBody>
+      </p:sp>
+      <p:sp>
+        <p:nvSpPr>
+          <p:cNvPr id="3" name="Text Placeholder 2"/>
+          <p:cNvSpPr>
+            <a:spLocks noGrp="1"/>
+          </p:cNvSpPr>
+          <p:nvPr>
+            <p:ph type="body" idx="1"/>
           </p:nvPr>
         </p:nvSpPr>
         <p:spPr>
           <a:xfrm>
-            <a:off x="839788" y="365125"/>
-            <a:ext cx="10515600" cy="1325563"/>
+            <a:off x="1103313" y="1905000"/>
+            <a:ext cx="4396338" cy="576262"/>
           </a:xfrm>
         </p:spPr>
         <p:txBody>
-          <a:bodyPr/>
-          <a:lstStyle/>
-          <a:p>
-            <a:r>
-              <a:rPr lang="pt-PT"/>
-              <a:t>Clique para editar o estilo de título do Modelo Global</a:t>
-            </a:r>
-          </a:p>
-        </p:txBody>
-      </p:sp>
-      <p:sp>
-        <p:nvSpPr>
-          <p:cNvPr id="3" name="Marcador de Posição do Texto 2">
-            <a:extLst>
-              <a:ext uri="{FF2B5EF4-FFF2-40B4-BE49-F238E27FC236}">
-                <a16:creationId xmlns:a16="http://schemas.microsoft.com/office/drawing/2014/main" id="{58B0372B-1BFE-66B3-E639-C7B674603372}"/>
-              </a:ext>
-            </a:extLst>
-          </p:cNvPr>
-          <p:cNvSpPr>
-            <a:spLocks noGrp="1"/>
-          </p:cNvSpPr>
-          <p:nvPr>
-            <p:ph type="body" idx="1"/>
-          </p:nvPr>
-        </p:nvSpPr>
-        <p:spPr>
-          <a:xfrm>
-            <a:off x="839788" y="1681163"/>
-            <a:ext cx="5157787" cy="823912"/>
-          </a:xfrm>
-        </p:spPr>
-        <p:txBody>
-          <a:bodyPr anchor="b"/>
+          <a:bodyPr anchor="b">
+            <a:noAutofit/>
+          </a:bodyPr>
           <a:lstStyle>
             <a:lvl1pPr marL="0" indent="0">
               <a:buNone/>
-              <a:defRPr sz="2400" b="1"/>
+              <a:defRPr sz="2400" b="0">
+                <a:solidFill>
+                  <a:schemeClr val="bg2">
+                    <a:lumMod val="40000"/>
+                    <a:lumOff val="60000"/>
+                  </a:schemeClr>
+                </a:solidFill>
+              </a:defRPr>
             </a:lvl1pPr>
             <a:lvl2pPr marL="457200" indent="0">
               <a:buNone/>
@@ -1602,13 +4108,7 @@
       </p:sp>
       <p:sp>
         <p:nvSpPr>
-          <p:cNvPr id="4" name="Marcador de Posição de Conteúdo 3">
-            <a:extLst>
-              <a:ext uri="{FF2B5EF4-FFF2-40B4-BE49-F238E27FC236}">
-                <a16:creationId xmlns:a16="http://schemas.microsoft.com/office/drawing/2014/main" id="{6061A20F-4CEB-6439-1984-C2F0BB22BC4F}"/>
-              </a:ext>
-            </a:extLst>
-          </p:cNvPr>
+          <p:cNvPr id="4" name="Content Placeholder 3"/>
           <p:cNvSpPr>
             <a:spLocks noGrp="1"/>
           </p:cNvSpPr>
@@ -1618,13 +4118,43 @@
         </p:nvSpPr>
         <p:spPr>
           <a:xfrm>
-            <a:off x="839788" y="2505075"/>
-            <a:ext cx="5157787" cy="3684588"/>
+            <a:off x="1103312" y="2514600"/>
+            <a:ext cx="4396339" cy="3741738"/>
           </a:xfrm>
         </p:spPr>
         <p:txBody>
-          <a:bodyPr/>
-          <a:lstStyle/>
+          <a:bodyPr>
+            <a:normAutofit/>
+          </a:bodyPr>
+          <a:lstStyle>
+            <a:lvl1pPr>
+              <a:defRPr sz="1800"/>
+            </a:lvl1pPr>
+            <a:lvl2pPr>
+              <a:defRPr sz="1600"/>
+            </a:lvl2pPr>
+            <a:lvl3pPr>
+              <a:defRPr sz="1400"/>
+            </a:lvl3pPr>
+            <a:lvl4pPr>
+              <a:defRPr sz="1200"/>
+            </a:lvl4pPr>
+            <a:lvl5pPr>
+              <a:defRPr sz="1200"/>
+            </a:lvl5pPr>
+            <a:lvl6pPr>
+              <a:defRPr sz="1200"/>
+            </a:lvl6pPr>
+            <a:lvl7pPr>
+              <a:defRPr sz="1200"/>
+            </a:lvl7pPr>
+            <a:lvl8pPr>
+              <a:defRPr sz="1200"/>
+            </a:lvl8pPr>
+            <a:lvl9pPr>
+              <a:defRPr sz="1200"/>
+            </a:lvl9pPr>
+          </a:lstStyle>
           <a:p>
             <a:pPr lvl="0"/>
             <a:r>
@@ -1659,18 +4189,13 @@
               <a:rPr lang="pt-PT"/>
               <a:t>Quinto nível</a:t>
             </a:r>
-          </a:p>
-        </p:txBody>
-      </p:sp>
-      <p:sp>
-        <p:nvSpPr>
-          <p:cNvPr id="5" name="Marcador de Posição do Texto 4">
-            <a:extLst>
-              <a:ext uri="{FF2B5EF4-FFF2-40B4-BE49-F238E27FC236}">
-                <a16:creationId xmlns:a16="http://schemas.microsoft.com/office/drawing/2014/main" id="{C8755506-3EE5-E77D-8F5C-A5BBF230365D}"/>
-              </a:ext>
-            </a:extLst>
-          </p:cNvPr>
+            <a:endParaRPr lang="en-US" dirty="0"/>
+          </a:p>
+        </p:txBody>
+      </p:sp>
+      <p:sp>
+        <p:nvSpPr>
+          <p:cNvPr id="5" name="Text Placeholder 4"/>
           <p:cNvSpPr>
             <a:spLocks noGrp="1"/>
           </p:cNvSpPr>
@@ -1680,16 +4205,25 @@
         </p:nvSpPr>
         <p:spPr>
           <a:xfrm>
-            <a:off x="6172200" y="1681163"/>
-            <a:ext cx="5183188" cy="823912"/>
+            <a:off x="5654495" y="1905000"/>
+            <a:ext cx="4396339" cy="576262"/>
           </a:xfrm>
         </p:spPr>
         <p:txBody>
-          <a:bodyPr anchor="b"/>
+          <a:bodyPr anchor="b">
+            <a:noAutofit/>
+          </a:bodyPr>
           <a:lstStyle>
             <a:lvl1pPr marL="0" indent="0">
               <a:buNone/>
-              <a:defRPr sz="2400" b="1"/>
+              <a:defRPr sz="2400" b="0">
+                <a:solidFill>
+                  <a:schemeClr val="bg2">
+                    <a:lumMod val="40000"/>
+                    <a:lumOff val="60000"/>
+                  </a:schemeClr>
+                </a:solidFill>
+              </a:defRPr>
             </a:lvl1pPr>
             <a:lvl2pPr marL="457200" indent="0">
               <a:buNone/>
@@ -1735,13 +4269,7 @@
       </p:sp>
       <p:sp>
         <p:nvSpPr>
-          <p:cNvPr id="6" name="Marcador de Posição de Conteúdo 5">
-            <a:extLst>
-              <a:ext uri="{FF2B5EF4-FFF2-40B4-BE49-F238E27FC236}">
-                <a16:creationId xmlns:a16="http://schemas.microsoft.com/office/drawing/2014/main" id="{D43B6D24-3177-AC00-87D6-2F8E0E8EA873}"/>
-              </a:ext>
-            </a:extLst>
-          </p:cNvPr>
+          <p:cNvPr id="6" name="Content Placeholder 5"/>
           <p:cNvSpPr>
             <a:spLocks noGrp="1"/>
           </p:cNvSpPr>
@@ -1751,13 +4279,43 @@
         </p:nvSpPr>
         <p:spPr>
           <a:xfrm>
-            <a:off x="6172200" y="2505075"/>
-            <a:ext cx="5183188" cy="3684588"/>
+            <a:off x="5654495" y="2514600"/>
+            <a:ext cx="4396339" cy="3741738"/>
           </a:xfrm>
         </p:spPr>
         <p:txBody>
-          <a:bodyPr/>
-          <a:lstStyle/>
+          <a:bodyPr>
+            <a:normAutofit/>
+          </a:bodyPr>
+          <a:lstStyle>
+            <a:lvl1pPr>
+              <a:defRPr sz="1800"/>
+            </a:lvl1pPr>
+            <a:lvl2pPr>
+              <a:defRPr sz="1600"/>
+            </a:lvl2pPr>
+            <a:lvl3pPr>
+              <a:defRPr sz="1400"/>
+            </a:lvl3pPr>
+            <a:lvl4pPr>
+              <a:defRPr sz="1200"/>
+            </a:lvl4pPr>
+            <a:lvl5pPr>
+              <a:defRPr sz="1200"/>
+            </a:lvl5pPr>
+            <a:lvl6pPr>
+              <a:defRPr sz="1200"/>
+            </a:lvl6pPr>
+            <a:lvl7pPr>
+              <a:defRPr sz="1200"/>
+            </a:lvl7pPr>
+            <a:lvl8pPr>
+              <a:defRPr sz="1200"/>
+            </a:lvl8pPr>
+            <a:lvl9pPr>
+              <a:defRPr sz="1200"/>
+            </a:lvl9pPr>
+          </a:lstStyle>
           <a:p>
             <a:pPr lvl="0"/>
             <a:r>
@@ -1792,18 +4350,13 @@
               <a:rPr lang="pt-PT"/>
               <a:t>Quinto nível</a:t>
             </a:r>
-          </a:p>
-        </p:txBody>
-      </p:sp>
-      <p:sp>
-        <p:nvSpPr>
-          <p:cNvPr id="7" name="Marcador de Posição da Data 6">
-            <a:extLst>
-              <a:ext uri="{FF2B5EF4-FFF2-40B4-BE49-F238E27FC236}">
-                <a16:creationId xmlns:a16="http://schemas.microsoft.com/office/drawing/2014/main" id="{E4EEAD6A-6993-9EF5-FE9D-BCFC7712051D}"/>
-              </a:ext>
-            </a:extLst>
-          </p:cNvPr>
+            <a:endParaRPr lang="en-US" dirty="0"/>
+          </a:p>
+        </p:txBody>
+      </p:sp>
+      <p:sp>
+        <p:nvSpPr>
+          <p:cNvPr id="7" name="Date Placeholder 6"/>
           <p:cNvSpPr>
             <a:spLocks noGrp="1"/>
           </p:cNvSpPr>
@@ -1826,13 +4379,7 @@
       </p:sp>
       <p:sp>
         <p:nvSpPr>
-          <p:cNvPr id="8" name="Marcador de Posição do Rodapé 7">
-            <a:extLst>
-              <a:ext uri="{FF2B5EF4-FFF2-40B4-BE49-F238E27FC236}">
-                <a16:creationId xmlns:a16="http://schemas.microsoft.com/office/drawing/2014/main" id="{0DE489B0-905A-CF9B-D471-7EE941C6BE3E}"/>
-              </a:ext>
-            </a:extLst>
-          </p:cNvPr>
+          <p:cNvPr id="8" name="Footer Placeholder 7"/>
           <p:cNvSpPr>
             <a:spLocks noGrp="1"/>
           </p:cNvSpPr>
@@ -1851,13 +4398,7 @@
       </p:sp>
       <p:sp>
         <p:nvSpPr>
-          <p:cNvPr id="9" name="Marcador de Posição do Número do Diapositivo 8">
-            <a:extLst>
-              <a:ext uri="{FF2B5EF4-FFF2-40B4-BE49-F238E27FC236}">
-                <a16:creationId xmlns:a16="http://schemas.microsoft.com/office/drawing/2014/main" id="{D03E1742-9521-72A1-0F2F-D6F7A55F3419}"/>
-              </a:ext>
-            </a:extLst>
-          </p:cNvPr>
+          <p:cNvPr id="9" name="Slide Number Placeholder 8"/>
           <p:cNvSpPr>
             <a:spLocks noGrp="1"/>
           </p:cNvSpPr>
@@ -1881,7 +4422,7 @@
     </p:spTree>
     <p:extLst>
       <p:ext uri="{BB962C8B-B14F-4D97-AF65-F5344CB8AC3E}">
-        <p14:creationId xmlns:p14="http://schemas.microsoft.com/office/powerpoint/2010/main" val="2886491236"/>
+        <p14:creationId xmlns:p14="http://schemas.microsoft.com/office/powerpoint/2010/main" val="2712297929"/>
       </p:ext>
     </p:extLst>
   </p:cSld>
@@ -1910,13 +4451,7 @@
       </p:grpSpPr>
       <p:sp>
         <p:nvSpPr>
-          <p:cNvPr id="2" name="Título 1">
-            <a:extLst>
-              <a:ext uri="{FF2B5EF4-FFF2-40B4-BE49-F238E27FC236}">
-                <a16:creationId xmlns:a16="http://schemas.microsoft.com/office/drawing/2014/main" id="{F0A57BD0-A2A6-17F1-400B-CF303BEED9A9}"/>
-              </a:ext>
-            </a:extLst>
-          </p:cNvPr>
+          <p:cNvPr id="2" name="Title 1"/>
           <p:cNvSpPr>
             <a:spLocks noGrp="1"/>
           </p:cNvSpPr>
@@ -1933,18 +4468,13 @@
               <a:rPr lang="pt-PT"/>
               <a:t>Clique para editar o estilo de título do Modelo Global</a:t>
             </a:r>
-          </a:p>
-        </p:txBody>
-      </p:sp>
-      <p:sp>
-        <p:nvSpPr>
-          <p:cNvPr id="3" name="Marcador de Posição da Data 2">
-            <a:extLst>
-              <a:ext uri="{FF2B5EF4-FFF2-40B4-BE49-F238E27FC236}">
-                <a16:creationId xmlns:a16="http://schemas.microsoft.com/office/drawing/2014/main" id="{AAF44A23-5D81-19CF-875E-FD749E7D7ED7}"/>
-              </a:ext>
-            </a:extLst>
-          </p:cNvPr>
+            <a:endParaRPr lang="en-US" dirty="0"/>
+          </a:p>
+        </p:txBody>
+      </p:sp>
+      <p:sp>
+        <p:nvSpPr>
+          <p:cNvPr id="7" name="Date Placeholder 2"/>
           <p:cNvSpPr>
             <a:spLocks noGrp="1"/>
           </p:cNvSpPr>
@@ -1967,13 +4497,7 @@
       </p:sp>
       <p:sp>
         <p:nvSpPr>
-          <p:cNvPr id="4" name="Marcador de Posição do Rodapé 3">
-            <a:extLst>
-              <a:ext uri="{FF2B5EF4-FFF2-40B4-BE49-F238E27FC236}">
-                <a16:creationId xmlns:a16="http://schemas.microsoft.com/office/drawing/2014/main" id="{8BDE89C0-4C6A-228B-A052-CEC52421C2ED}"/>
-              </a:ext>
-            </a:extLst>
-          </p:cNvPr>
+          <p:cNvPr id="5" name="Footer Placeholder 3"/>
           <p:cNvSpPr>
             <a:spLocks noGrp="1"/>
           </p:cNvSpPr>
@@ -1992,13 +4516,7 @@
       </p:sp>
       <p:sp>
         <p:nvSpPr>
-          <p:cNvPr id="5" name="Marcador de Posição do Número do Diapositivo 4">
-            <a:extLst>
-              <a:ext uri="{FF2B5EF4-FFF2-40B4-BE49-F238E27FC236}">
-                <a16:creationId xmlns:a16="http://schemas.microsoft.com/office/drawing/2014/main" id="{740D2653-67B5-F308-EEE5-1E9EE5093126}"/>
-              </a:ext>
-            </a:extLst>
-          </p:cNvPr>
+          <p:cNvPr id="6" name="Slide Number Placeholder 4"/>
           <p:cNvSpPr>
             <a:spLocks noGrp="1"/>
           </p:cNvSpPr>
@@ -2022,7 +4540,7 @@
     </p:spTree>
     <p:extLst>
       <p:ext uri="{BB962C8B-B14F-4D97-AF65-F5344CB8AC3E}">
-        <p14:creationId xmlns:p14="http://schemas.microsoft.com/office/powerpoint/2010/main" val="117961976"/>
+        <p14:creationId xmlns:p14="http://schemas.microsoft.com/office/powerpoint/2010/main" val="2110996467"/>
       </p:ext>
     </p:extLst>
   </p:cSld>
@@ -2051,13 +4569,7 @@
       </p:grpSpPr>
       <p:sp>
         <p:nvSpPr>
-          <p:cNvPr id="2" name="Marcador de Posição da Data 1">
-            <a:extLst>
-              <a:ext uri="{FF2B5EF4-FFF2-40B4-BE49-F238E27FC236}">
-                <a16:creationId xmlns:a16="http://schemas.microsoft.com/office/drawing/2014/main" id="{0C62AE3D-E718-4579-E5BC-7B8B7E1B5FAD}"/>
-              </a:ext>
-            </a:extLst>
-          </p:cNvPr>
+          <p:cNvPr id="7" name="Date Placeholder 1"/>
           <p:cNvSpPr>
             <a:spLocks noGrp="1"/>
           </p:cNvSpPr>
@@ -2080,13 +4592,7 @@
       </p:sp>
       <p:sp>
         <p:nvSpPr>
-          <p:cNvPr id="3" name="Marcador de Posição do Rodapé 2">
-            <a:extLst>
-              <a:ext uri="{FF2B5EF4-FFF2-40B4-BE49-F238E27FC236}">
-                <a16:creationId xmlns:a16="http://schemas.microsoft.com/office/drawing/2014/main" id="{5B5FFB45-198F-CD9F-2D35-BF65D872E067}"/>
-              </a:ext>
-            </a:extLst>
-          </p:cNvPr>
+          <p:cNvPr id="5" name="Footer Placeholder 2"/>
           <p:cNvSpPr>
             <a:spLocks noGrp="1"/>
           </p:cNvSpPr>
@@ -2105,13 +4611,7 @@
       </p:sp>
       <p:sp>
         <p:nvSpPr>
-          <p:cNvPr id="4" name="Marcador de Posição do Número do Diapositivo 3">
-            <a:extLst>
-              <a:ext uri="{FF2B5EF4-FFF2-40B4-BE49-F238E27FC236}">
-                <a16:creationId xmlns:a16="http://schemas.microsoft.com/office/drawing/2014/main" id="{FF867C06-C202-9FC3-42BC-3DD4A12F3A8E}"/>
-              </a:ext>
-            </a:extLst>
-          </p:cNvPr>
+          <p:cNvPr id="6" name="Slide Number Placeholder 3"/>
           <p:cNvSpPr>
             <a:spLocks noGrp="1"/>
           </p:cNvSpPr>
@@ -2135,7 +4635,7 @@
     </p:spTree>
     <p:extLst>
       <p:ext uri="{BB962C8B-B14F-4D97-AF65-F5344CB8AC3E}">
-        <p14:creationId xmlns:p14="http://schemas.microsoft.com/office/powerpoint/2010/main" val="1524063170"/>
+        <p14:creationId xmlns:p14="http://schemas.microsoft.com/office/powerpoint/2010/main" val="2227771191"/>
       </p:ext>
     </p:extLst>
   </p:cSld>
@@ -2164,13 +4664,7 @@
       </p:grpSpPr>
       <p:sp>
         <p:nvSpPr>
-          <p:cNvPr id="2" name="Título 1">
-            <a:extLst>
-              <a:ext uri="{FF2B5EF4-FFF2-40B4-BE49-F238E27FC236}">
-                <a16:creationId xmlns:a16="http://schemas.microsoft.com/office/drawing/2014/main" id="{79E72A10-E891-7838-839F-7A738F408067}"/>
-              </a:ext>
-            </a:extLst>
-          </p:cNvPr>
+          <p:cNvPr id="2" name="Title 1"/>
           <p:cNvSpPr>
             <a:spLocks noGrp="1"/>
           </p:cNvSpPr>
@@ -2180,15 +4674,15 @@
         </p:nvSpPr>
         <p:spPr>
           <a:xfrm>
-            <a:off x="839788" y="457200"/>
-            <a:ext cx="3932237" cy="1600200"/>
+            <a:off x="1154953" y="1447800"/>
+            <a:ext cx="3401064" cy="1447800"/>
           </a:xfrm>
         </p:spPr>
         <p:txBody>
           <a:bodyPr anchor="b"/>
           <a:lstStyle>
-            <a:lvl1pPr>
-              <a:defRPr sz="3200"/>
+            <a:lvl1pPr algn="l">
+              <a:defRPr sz="2400" b="0"/>
             </a:lvl1pPr>
           </a:lstStyle>
           <a:p>
@@ -2196,18 +4690,13 @@
               <a:rPr lang="pt-PT"/>
               <a:t>Clique para editar o estilo de título do Modelo Global</a:t>
             </a:r>
-          </a:p>
-        </p:txBody>
-      </p:sp>
-      <p:sp>
-        <p:nvSpPr>
-          <p:cNvPr id="3" name="Marcador de Posição de Conteúdo 2">
-            <a:extLst>
-              <a:ext uri="{FF2B5EF4-FFF2-40B4-BE49-F238E27FC236}">
-                <a16:creationId xmlns:a16="http://schemas.microsoft.com/office/drawing/2014/main" id="{D96E0FF5-45F9-9148-EEF1-AC9A02BD1073}"/>
-              </a:ext>
-            </a:extLst>
-          </p:cNvPr>
+            <a:endParaRPr lang="en-US" dirty="0"/>
+          </a:p>
+        </p:txBody>
+      </p:sp>
+      <p:sp>
+        <p:nvSpPr>
+          <p:cNvPr id="3" name="Content Placeholder 2"/>
           <p:cNvSpPr>
             <a:spLocks noGrp="1"/>
           </p:cNvSpPr>
@@ -2217,39 +4706,41 @@
         </p:nvSpPr>
         <p:spPr>
           <a:xfrm>
-            <a:off x="5183188" y="987425"/>
-            <a:ext cx="6172200" cy="4873625"/>
+            <a:off x="4784616" y="1447800"/>
+            <a:ext cx="5195997" cy="4572000"/>
           </a:xfrm>
         </p:spPr>
         <p:txBody>
-          <a:bodyPr/>
+          <a:bodyPr anchor="ctr">
+            <a:normAutofit/>
+          </a:bodyPr>
           <a:lstStyle>
             <a:lvl1pPr>
-              <a:defRPr sz="3200"/>
+              <a:defRPr sz="2000"/>
             </a:lvl1pPr>
             <a:lvl2pPr>
-              <a:defRPr sz="2800"/>
+              <a:defRPr sz="1800"/>
             </a:lvl2pPr>
             <a:lvl3pPr>
-              <a:defRPr sz="2400"/>
+              <a:defRPr sz="1600"/>
             </a:lvl3pPr>
             <a:lvl4pPr>
-              <a:defRPr sz="2000"/>
+              <a:defRPr sz="1400"/>
             </a:lvl4pPr>
             <a:lvl5pPr>
-              <a:defRPr sz="2000"/>
+              <a:defRPr sz="1400"/>
             </a:lvl5pPr>
             <a:lvl6pPr>
-              <a:defRPr sz="2000"/>
+              <a:defRPr sz="1400"/>
             </a:lvl6pPr>
             <a:lvl7pPr>
-              <a:defRPr sz="2000"/>
+              <a:defRPr sz="1400"/>
             </a:lvl7pPr>
             <a:lvl8pPr>
-              <a:defRPr sz="2000"/>
+              <a:defRPr sz="1400"/>
             </a:lvl8pPr>
             <a:lvl9pPr>
-              <a:defRPr sz="2000"/>
+              <a:defRPr sz="1400"/>
             </a:lvl9pPr>
           </a:lstStyle>
           <a:p>
@@ -2286,18 +4777,13 @@
               <a:rPr lang="pt-PT"/>
               <a:t>Quinto nível</a:t>
             </a:r>
-          </a:p>
-        </p:txBody>
-      </p:sp>
-      <p:sp>
-        <p:nvSpPr>
-          <p:cNvPr id="4" name="Marcador de Posição do Texto 3">
-            <a:extLst>
-              <a:ext uri="{FF2B5EF4-FFF2-40B4-BE49-F238E27FC236}">
-                <a16:creationId xmlns:a16="http://schemas.microsoft.com/office/drawing/2014/main" id="{A05A4DB3-8C24-6E52-A2BE-071D36E7D891}"/>
-              </a:ext>
-            </a:extLst>
-          </p:cNvPr>
+            <a:endParaRPr lang="en-US" dirty="0"/>
+          </a:p>
+        </p:txBody>
+      </p:sp>
+      <p:sp>
+        <p:nvSpPr>
+          <p:cNvPr id="4" name="Text Placeholder 3"/>
           <p:cNvSpPr>
             <a:spLocks noGrp="1"/>
           </p:cNvSpPr>
@@ -2307,8 +4793,8 @@
         </p:nvSpPr>
         <p:spPr>
           <a:xfrm>
-            <a:off x="839788" y="2057400"/>
-            <a:ext cx="3932237" cy="3811588"/>
+            <a:off x="1154953" y="3129280"/>
+            <a:ext cx="3401063" cy="2895599"/>
           </a:xfrm>
         </p:spPr>
         <p:txBody>
@@ -2316,39 +4802,39 @@
           <a:lstStyle>
             <a:lvl1pPr marL="0" indent="0">
               <a:buNone/>
-              <a:defRPr sz="1600"/>
+              <a:defRPr sz="1400"/>
             </a:lvl1pPr>
             <a:lvl2pPr marL="457200" indent="0">
               <a:buNone/>
-              <a:defRPr sz="1400"/>
+              <a:defRPr sz="1200"/>
             </a:lvl2pPr>
             <a:lvl3pPr marL="914400" indent="0">
               <a:buNone/>
-              <a:defRPr sz="1200"/>
+              <a:defRPr sz="1000"/>
             </a:lvl3pPr>
             <a:lvl4pPr marL="1371600" indent="0">
               <a:buNone/>
-              <a:defRPr sz="1000"/>
+              <a:defRPr sz="900"/>
             </a:lvl4pPr>
             <a:lvl5pPr marL="1828800" indent="0">
               <a:buNone/>
-              <a:defRPr sz="1000"/>
+              <a:defRPr sz="900"/>
             </a:lvl5pPr>
             <a:lvl6pPr marL="2286000" indent="0">
               <a:buNone/>
-              <a:defRPr sz="1000"/>
+              <a:defRPr sz="900"/>
             </a:lvl6pPr>
             <a:lvl7pPr marL="2743200" indent="0">
               <a:buNone/>
-              <a:defRPr sz="1000"/>
+              <a:defRPr sz="900"/>
             </a:lvl7pPr>
             <a:lvl8pPr marL="3200400" indent="0">
               <a:buNone/>
-              <a:defRPr sz="1000"/>
+              <a:defRPr sz="900"/>
             </a:lvl8pPr>
             <a:lvl9pPr marL="3657600" indent="0">
               <a:buNone/>
-              <a:defRPr sz="1000"/>
+              <a:defRPr sz="900"/>
             </a:lvl9pPr>
           </a:lstStyle>
           <a:p>
@@ -2362,13 +4848,7 @@
       </p:sp>
       <p:sp>
         <p:nvSpPr>
-          <p:cNvPr id="5" name="Marcador de Posição da Data 4">
-            <a:extLst>
-              <a:ext uri="{FF2B5EF4-FFF2-40B4-BE49-F238E27FC236}">
-                <a16:creationId xmlns:a16="http://schemas.microsoft.com/office/drawing/2014/main" id="{8A4845A5-32A0-1032-3DAD-FF71C5099C60}"/>
-              </a:ext>
-            </a:extLst>
-          </p:cNvPr>
+          <p:cNvPr id="7" name="Date Placeholder 4"/>
           <p:cNvSpPr>
             <a:spLocks noGrp="1"/>
           </p:cNvSpPr>
@@ -2391,13 +4871,7 @@
       </p:sp>
       <p:sp>
         <p:nvSpPr>
-          <p:cNvPr id="6" name="Marcador de Posição do Rodapé 5">
-            <a:extLst>
-              <a:ext uri="{FF2B5EF4-FFF2-40B4-BE49-F238E27FC236}">
-                <a16:creationId xmlns:a16="http://schemas.microsoft.com/office/drawing/2014/main" id="{7AAC2EC4-F698-375D-139D-F2FEEDE3D9E4}"/>
-              </a:ext>
-            </a:extLst>
-          </p:cNvPr>
+          <p:cNvPr id="5" name="Footer Placeholder 5"/>
           <p:cNvSpPr>
             <a:spLocks noGrp="1"/>
           </p:cNvSpPr>
@@ -2416,13 +4890,7 @@
       </p:sp>
       <p:sp>
         <p:nvSpPr>
-          <p:cNvPr id="7" name="Marcador de Posição do Número do Diapositivo 6">
-            <a:extLst>
-              <a:ext uri="{FF2B5EF4-FFF2-40B4-BE49-F238E27FC236}">
-                <a16:creationId xmlns:a16="http://schemas.microsoft.com/office/drawing/2014/main" id="{8C9CC926-D377-64DB-8737-DC9D66D069C4}"/>
-              </a:ext>
-            </a:extLst>
-          </p:cNvPr>
+          <p:cNvPr id="6" name="Slide Number Placeholder 6"/>
           <p:cNvSpPr>
             <a:spLocks noGrp="1"/>
           </p:cNvSpPr>
@@ -2446,7 +4914,7 @@
     </p:spTree>
     <p:extLst>
       <p:ext uri="{BB962C8B-B14F-4D97-AF65-F5344CB8AC3E}">
-        <p14:creationId xmlns:p14="http://schemas.microsoft.com/office/powerpoint/2010/main" val="292297928"/>
+        <p14:creationId xmlns:p14="http://schemas.microsoft.com/office/powerpoint/2010/main" val="3462301136"/>
       </p:ext>
     </p:extLst>
   </p:cSld>
@@ -2475,13 +4943,7 @@
       </p:grpSpPr>
       <p:sp>
         <p:nvSpPr>
-          <p:cNvPr id="2" name="Título 1">
-            <a:extLst>
-              <a:ext uri="{FF2B5EF4-FFF2-40B4-BE49-F238E27FC236}">
-                <a16:creationId xmlns:a16="http://schemas.microsoft.com/office/drawing/2014/main" id="{F815FE6A-6E56-643A-B679-6F14B513AA8B}"/>
-              </a:ext>
-            </a:extLst>
-          </p:cNvPr>
+          <p:cNvPr id="2" name="Title 1"/>
           <p:cNvSpPr>
             <a:spLocks noGrp="1"/>
           </p:cNvSpPr>
@@ -2491,15 +4953,17 @@
         </p:nvSpPr>
         <p:spPr>
           <a:xfrm>
-            <a:off x="839788" y="457200"/>
-            <a:ext cx="3932237" cy="1600200"/>
+            <a:off x="1153907" y="1854192"/>
+            <a:ext cx="5092906" cy="1574808"/>
           </a:xfrm>
         </p:spPr>
         <p:txBody>
-          <a:bodyPr anchor="b"/>
+          <a:bodyPr anchor="b">
+            <a:normAutofit/>
+          </a:bodyPr>
           <a:lstStyle>
-            <a:lvl1pPr>
-              <a:defRPr sz="3200"/>
+            <a:lvl1pPr algn="l">
+              <a:defRPr sz="3600" b="0"/>
             </a:lvl1pPr>
           </a:lstStyle>
           <a:p>
@@ -2507,20 +4971,15 @@
               <a:rPr lang="pt-PT"/>
               <a:t>Clique para editar o estilo de título do Modelo Global</a:t>
             </a:r>
-          </a:p>
-        </p:txBody>
-      </p:sp>
-      <p:sp>
-        <p:nvSpPr>
-          <p:cNvPr id="3" name="Marcador de Posição da Imagem 2">
-            <a:extLst>
-              <a:ext uri="{FF2B5EF4-FFF2-40B4-BE49-F238E27FC236}">
-                <a16:creationId xmlns:a16="http://schemas.microsoft.com/office/drawing/2014/main" id="{82D63E8A-23A1-7402-17FC-069668BB51E9}"/>
-              </a:ext>
-            </a:extLst>
-          </p:cNvPr>
-          <p:cNvSpPr>
-            <a:spLocks noGrp="1"/>
+            <a:endParaRPr lang="en-US" dirty="0"/>
+          </a:p>
+        </p:txBody>
+      </p:sp>
+      <p:sp>
+        <p:nvSpPr>
+          <p:cNvPr id="3" name="Picture Placeholder 2"/>
+          <p:cNvSpPr>
+            <a:spLocks noGrp="1" noChangeAspect="1"/>
           </p:cNvSpPr>
           <p:nvPr>
             <p:ph type="pic" idx="1"/>
@@ -2528,118 +4987,132 @@
         </p:nvSpPr>
         <p:spPr>
           <a:xfrm>
-            <a:off x="5183188" y="987425"/>
-            <a:ext cx="6172200" cy="4873625"/>
+            <a:off x="6949546" y="1143000"/>
+            <a:ext cx="3200400" cy="4572000"/>
           </a:xfrm>
+          <a:prstGeom prst="roundRect">
+            <a:avLst>
+              <a:gd name="adj" fmla="val 1858"/>
+            </a:avLst>
+          </a:prstGeom>
+          <a:effectLst>
+            <a:outerShdw blurRad="50800" dist="50800" dir="5400000" algn="tl" rotWithShape="0">
+              <a:srgbClr val="000000">
+                <a:alpha val="43000"/>
+              </a:srgbClr>
+            </a:outerShdw>
+          </a:effectLst>
         </p:spPr>
         <p:txBody>
-          <a:bodyPr/>
+          <a:bodyPr anchor="t">
+            <a:normAutofit/>
+          </a:bodyPr>
           <a:lstStyle>
-            <a:lvl1pPr marL="0" indent="0">
-              <a:buNone/>
-              <a:defRPr sz="3200"/>
-            </a:lvl1pPr>
-            <a:lvl2pPr marL="457200" indent="0">
-              <a:buNone/>
-              <a:defRPr sz="2800"/>
-            </a:lvl2pPr>
-            <a:lvl3pPr marL="914400" indent="0">
-              <a:buNone/>
-              <a:defRPr sz="2400"/>
-            </a:lvl3pPr>
-            <a:lvl4pPr marL="1371600" indent="0">
-              <a:buNone/>
-              <a:defRPr sz="2000"/>
-            </a:lvl4pPr>
-            <a:lvl5pPr marL="1828800" indent="0">
-              <a:buNone/>
-              <a:defRPr sz="2000"/>
-            </a:lvl5pPr>
-            <a:lvl6pPr marL="2286000" indent="0">
-              <a:buNone/>
-              <a:defRPr sz="2000"/>
-            </a:lvl6pPr>
-            <a:lvl7pPr marL="2743200" indent="0">
-              <a:buNone/>
-              <a:defRPr sz="2000"/>
-            </a:lvl7pPr>
-            <a:lvl8pPr marL="3200400" indent="0">
-              <a:buNone/>
-              <a:defRPr sz="2000"/>
-            </a:lvl8pPr>
-            <a:lvl9pPr marL="3657600" indent="0">
-              <a:buNone/>
-              <a:defRPr sz="2000"/>
-            </a:lvl9pPr>
-          </a:lstStyle>
-          <a:p>
-            <a:endParaRPr lang="pt-PT"/>
-          </a:p>
-        </p:txBody>
-      </p:sp>
-      <p:sp>
-        <p:nvSpPr>
-          <p:cNvPr id="4" name="Marcador de Posição do Texto 3">
-            <a:extLst>
-              <a:ext uri="{FF2B5EF4-FFF2-40B4-BE49-F238E27FC236}">
-                <a16:creationId xmlns:a16="http://schemas.microsoft.com/office/drawing/2014/main" id="{8BEF96E8-8516-6041-CD2E-12860053FD2A}"/>
-              </a:ext>
-            </a:extLst>
-          </p:cNvPr>
-          <p:cNvSpPr>
-            <a:spLocks noGrp="1"/>
-          </p:cNvSpPr>
-          <p:nvPr>
-            <p:ph type="body" sz="half" idx="2"/>
-          </p:nvPr>
-        </p:nvSpPr>
-        <p:spPr>
-          <a:xfrm>
-            <a:off x="839788" y="2057400"/>
-            <a:ext cx="3932237" cy="3811588"/>
-          </a:xfrm>
-        </p:spPr>
-        <p:txBody>
-          <a:bodyPr/>
-          <a:lstStyle>
-            <a:lvl1pPr marL="0" indent="0">
+            <a:lvl1pPr marL="0" indent="0" algn="ctr">
               <a:buNone/>
               <a:defRPr sz="1600"/>
             </a:lvl1pPr>
             <a:lvl2pPr marL="457200" indent="0">
               <a:buNone/>
-              <a:defRPr sz="1400"/>
+              <a:defRPr sz="1600"/>
             </a:lvl2pPr>
             <a:lvl3pPr marL="914400" indent="0">
               <a:buNone/>
-              <a:defRPr sz="1200"/>
+              <a:defRPr sz="1600"/>
             </a:lvl3pPr>
             <a:lvl4pPr marL="1371600" indent="0">
               <a:buNone/>
-              <a:defRPr sz="1000"/>
+              <a:defRPr sz="1600"/>
             </a:lvl4pPr>
             <a:lvl5pPr marL="1828800" indent="0">
               <a:buNone/>
-              <a:defRPr sz="1000"/>
+              <a:defRPr sz="1600"/>
             </a:lvl5pPr>
             <a:lvl6pPr marL="2286000" indent="0">
               <a:buNone/>
-              <a:defRPr sz="1000"/>
+              <a:defRPr sz="1600"/>
             </a:lvl6pPr>
             <a:lvl7pPr marL="2743200" indent="0">
               <a:buNone/>
-              <a:defRPr sz="1000"/>
+              <a:defRPr sz="1600"/>
             </a:lvl7pPr>
             <a:lvl8pPr marL="3200400" indent="0">
               <a:buNone/>
-              <a:defRPr sz="1000"/>
+              <a:defRPr sz="1600"/>
             </a:lvl8pPr>
             <a:lvl9pPr marL="3657600" indent="0">
               <a:buNone/>
-              <a:defRPr sz="1000"/>
+              <a:defRPr sz="1600"/>
             </a:lvl9pPr>
           </a:lstStyle>
           <a:p>
+            <a:r>
+              <a:rPr lang="pt-PT"/>
+              <a:t>Clique no ícone para adicionar uma imagem</a:t>
+            </a:r>
+            <a:endParaRPr lang="en-US" dirty="0"/>
+          </a:p>
+        </p:txBody>
+      </p:sp>
+      <p:sp>
+        <p:nvSpPr>
+          <p:cNvPr id="4" name="Text Placeholder 3"/>
+          <p:cNvSpPr>
+            <a:spLocks noGrp="1"/>
+          </p:cNvSpPr>
+          <p:nvPr>
+            <p:ph type="body" sz="half" idx="2"/>
+          </p:nvPr>
+        </p:nvSpPr>
+        <p:spPr>
+          <a:xfrm>
+            <a:off x="1154954" y="3657600"/>
+            <a:ext cx="5084979" cy="1371600"/>
+          </a:xfrm>
+        </p:spPr>
+        <p:txBody>
+          <a:bodyPr>
+            <a:normAutofit/>
+          </a:bodyPr>
+          <a:lstStyle>
+            <a:lvl1pPr marL="0" indent="0">
+              <a:buNone/>
+              <a:defRPr sz="1400"/>
+            </a:lvl1pPr>
+            <a:lvl2pPr marL="457200" indent="0">
+              <a:buNone/>
+              <a:defRPr sz="1200"/>
+            </a:lvl2pPr>
+            <a:lvl3pPr marL="914400" indent="0">
+              <a:buNone/>
+              <a:defRPr sz="1000"/>
+            </a:lvl3pPr>
+            <a:lvl4pPr marL="1371600" indent="0">
+              <a:buNone/>
+              <a:defRPr sz="900"/>
+            </a:lvl4pPr>
+            <a:lvl5pPr marL="1828800" indent="0">
+              <a:buNone/>
+              <a:defRPr sz="900"/>
+            </a:lvl5pPr>
+            <a:lvl6pPr marL="2286000" indent="0">
+              <a:buNone/>
+              <a:defRPr sz="900"/>
+            </a:lvl6pPr>
+            <a:lvl7pPr marL="2743200" indent="0">
+              <a:buNone/>
+              <a:defRPr sz="900"/>
+            </a:lvl7pPr>
+            <a:lvl8pPr marL="3200400" indent="0">
+              <a:buNone/>
+              <a:defRPr sz="900"/>
+            </a:lvl8pPr>
+            <a:lvl9pPr marL="3657600" indent="0">
+              <a:buNone/>
+              <a:defRPr sz="900"/>
+            </a:lvl9pPr>
+          </a:lstStyle>
+          <a:p>
             <a:pPr lvl="0"/>
             <a:r>
               <a:rPr lang="pt-PT"/>
@@ -2650,13 +5123,7 @@
       </p:sp>
       <p:sp>
         <p:nvSpPr>
-          <p:cNvPr id="5" name="Marcador de Posição da Data 4">
-            <a:extLst>
-              <a:ext uri="{FF2B5EF4-FFF2-40B4-BE49-F238E27FC236}">
-                <a16:creationId xmlns:a16="http://schemas.microsoft.com/office/drawing/2014/main" id="{F93FD8A4-AC30-F70B-2F52-E5F57E7E4617}"/>
-              </a:ext>
-            </a:extLst>
-          </p:cNvPr>
+          <p:cNvPr id="5" name="Date Placeholder 4"/>
           <p:cNvSpPr>
             <a:spLocks noGrp="1"/>
           </p:cNvSpPr>
@@ -2679,13 +5146,7 @@
       </p:sp>
       <p:sp>
         <p:nvSpPr>
-          <p:cNvPr id="6" name="Marcador de Posição do Rodapé 5">
-            <a:extLst>
-              <a:ext uri="{FF2B5EF4-FFF2-40B4-BE49-F238E27FC236}">
-                <a16:creationId xmlns:a16="http://schemas.microsoft.com/office/drawing/2014/main" id="{E7963DFC-2217-FF1E-31EE-344B24179179}"/>
-              </a:ext>
-            </a:extLst>
-          </p:cNvPr>
+          <p:cNvPr id="6" name="Footer Placeholder 5"/>
           <p:cNvSpPr>
             <a:spLocks noGrp="1"/>
           </p:cNvSpPr>
@@ -2704,13 +5165,7 @@
       </p:sp>
       <p:sp>
         <p:nvSpPr>
-          <p:cNvPr id="7" name="Marcador de Posição do Número do Diapositivo 6">
-            <a:extLst>
-              <a:ext uri="{FF2B5EF4-FFF2-40B4-BE49-F238E27FC236}">
-                <a16:creationId xmlns:a16="http://schemas.microsoft.com/office/drawing/2014/main" id="{64D08180-3A2D-F6E6-613A-7193B1095F23}"/>
-              </a:ext>
-            </a:extLst>
-          </p:cNvPr>
+          <p:cNvPr id="7" name="Slide Number Placeholder 6"/>
           <p:cNvSpPr>
             <a:spLocks noGrp="1"/>
           </p:cNvSpPr>
@@ -2734,7 +5189,7 @@
     </p:spTree>
     <p:extLst>
       <p:ext uri="{BB962C8B-B14F-4D97-AF65-F5344CB8AC3E}">
-        <p14:creationId xmlns:p14="http://schemas.microsoft.com/office/powerpoint/2010/main" val="781974038"/>
+        <p14:creationId xmlns:p14="http://schemas.microsoft.com/office/powerpoint/2010/main" val="2278814301"/>
       </p:ext>
     </p:extLst>
   </p:cSld>
@@ -2748,8 +5203,8 @@
 <p:sldMaster xmlns:a="http://schemas.openxmlformats.org/drawingml/2006/main" xmlns:r="http://schemas.openxmlformats.org/officeDocument/2006/relationships" xmlns:p="http://schemas.openxmlformats.org/presentationml/2006/main">
   <p:cSld>
     <p:bg>
-      <p:bgRef idx="1001">
-        <a:schemeClr val="bg1"/>
+      <p:bgRef idx="1003">
+        <a:schemeClr val="bg2"/>
       </p:bgRef>
     </p:bg>
     <p:spTree>
@@ -2766,141 +5221,420 @@
           <a:chExt cx="0" cy="0"/>
         </a:xfrm>
       </p:grpSpPr>
-      <p:sp>
-        <p:nvSpPr>
-          <p:cNvPr id="2" name="Marcador de Posição do Título 1">
+      <p:pic>
+        <p:nvPicPr>
+          <p:cNvPr id="8" name="Picture 7"/>
+          <p:cNvPicPr>
+            <a:picLocks noChangeAspect="1"/>
+          </p:cNvPicPr>
+          <p:nvPr/>
+        </p:nvPicPr>
+        <p:blipFill rotWithShape="1">
+          <a:blip r:embed="rId19">
             <a:extLst>
-              <a:ext uri="{FF2B5EF4-FFF2-40B4-BE49-F238E27FC236}">
-                <a16:creationId xmlns:a16="http://schemas.microsoft.com/office/drawing/2014/main" id="{7058C5BB-E69A-32F4-171E-703BCA992FB7}"/>
+              <a:ext uri="{28A0092B-C50C-407E-A947-70E740481C1C}">
+                <a14:useLocalDpi xmlns:a14="http://schemas.microsoft.com/office/drawing/2010/main" val="0"/>
               </a:ext>
             </a:extLst>
-          </p:cNvPr>
-          <p:cNvSpPr>
-            <a:spLocks noGrp="1"/>
-          </p:cNvSpPr>
-          <p:nvPr>
-            <p:ph type="title"/>
-          </p:nvPr>
-        </p:nvSpPr>
+          </a:blip>
+          <a:srcRect l="3613"/>
+          <a:stretch/>
+        </p:blipFill>
         <p:spPr>
           <a:xfrm>
-            <a:off x="838200" y="365125"/>
-            <a:ext cx="10515600" cy="1325563"/>
+            <a:off x="0" y="2669685"/>
+            <a:ext cx="4037012" cy="4188315"/>
           </a:xfrm>
           <a:prstGeom prst="rect">
             <a:avLst/>
           </a:prstGeom>
         </p:spPr>
-        <p:txBody>
-          <a:bodyPr vert="horz" lIns="91440" tIns="45720" rIns="91440" bIns="45720" rtlCol="0" anchor="ctr">
-            <a:normAutofit/>
-          </a:bodyPr>
-          <a:lstStyle/>
-          <a:p>
-            <a:r>
-              <a:rPr lang="pt-PT"/>
-              <a:t>Clique para editar o estilo de título do Modelo Global</a:t>
-            </a:r>
-          </a:p>
-        </p:txBody>
-      </p:sp>
-      <p:sp>
-        <p:nvSpPr>
-          <p:cNvPr id="3" name="Marcador de Posição do Texto 2">
+      </p:pic>
+      <p:pic>
+        <p:nvPicPr>
+          <p:cNvPr id="7" name="Picture 6"/>
+          <p:cNvPicPr>
+            <a:picLocks noChangeAspect="1"/>
+          </p:cNvPicPr>
+          <p:nvPr/>
+        </p:nvPicPr>
+        <p:blipFill rotWithShape="1">
+          <a:blip r:embed="rId20">
             <a:extLst>
-              <a:ext uri="{FF2B5EF4-FFF2-40B4-BE49-F238E27FC236}">
-                <a16:creationId xmlns:a16="http://schemas.microsoft.com/office/drawing/2014/main" id="{C2BE622C-9173-955C-A0CE-F2A709F91EA3}"/>
+              <a:ext uri="{28A0092B-C50C-407E-A947-70E740481C1C}">
+                <a14:useLocalDpi xmlns:a14="http://schemas.microsoft.com/office/drawing/2010/main" val="0"/>
               </a:ext>
             </a:extLst>
-          </p:cNvPr>
-          <p:cNvSpPr>
-            <a:spLocks noGrp="1"/>
-          </p:cNvSpPr>
-          <p:nvPr>
-            <p:ph type="body" idx="1"/>
-          </p:nvPr>
-        </p:nvSpPr>
+          </a:blip>
+          <a:srcRect l="35640"/>
+          <a:stretch/>
+        </p:blipFill>
         <p:spPr>
           <a:xfrm>
-            <a:off x="838200" y="1825625"/>
-            <a:ext cx="10515600" cy="4351338"/>
+            <a:off x="0" y="2892347"/>
+            <a:ext cx="1522412" cy="2365453"/>
           </a:xfrm>
           <a:prstGeom prst="rect">
             <a:avLst/>
           </a:prstGeom>
         </p:spPr>
-        <p:txBody>
-          <a:bodyPr vert="horz" lIns="91440" tIns="45720" rIns="91440" bIns="45720" rtlCol="0">
-            <a:normAutofit/>
-          </a:bodyPr>
-          <a:lstStyle/>
-          <a:p>
-            <a:pPr lvl="0"/>
-            <a:r>
-              <a:rPr lang="pt-PT"/>
-              <a:t>Clique para editar os estilos do texto de Modelo Global</a:t>
-            </a:r>
-          </a:p>
-          <a:p>
-            <a:pPr lvl="1"/>
-            <a:r>
-              <a:rPr lang="pt-PT"/>
-              <a:t>Segundo nível</a:t>
-            </a:r>
-          </a:p>
-          <a:p>
-            <a:pPr lvl="2"/>
-            <a:r>
-              <a:rPr lang="pt-PT"/>
-              <a:t>Terceiro nível</a:t>
-            </a:r>
-          </a:p>
-          <a:p>
-            <a:pPr lvl="3"/>
-            <a:r>
-              <a:rPr lang="pt-PT"/>
-              <a:t>Quarto nível</a:t>
-            </a:r>
-          </a:p>
-          <a:p>
-            <a:pPr lvl="4"/>
-            <a:r>
-              <a:rPr lang="pt-PT"/>
-              <a:t>Quinto nível</a:t>
-            </a:r>
-          </a:p>
-        </p:txBody>
-      </p:sp>
-      <p:sp>
-        <p:nvSpPr>
-          <p:cNvPr id="4" name="Marcador de Posição da Data 3">
+      </p:pic>
+      <p:sp>
+        <p:nvSpPr>
+          <p:cNvPr id="16" name="Oval 15"/>
+          <p:cNvSpPr/>
+          <p:nvPr/>
+        </p:nvSpPr>
+        <p:spPr>
+          <a:xfrm>
+            <a:off x="8609012" y="1676400"/>
+            <a:ext cx="2819400" cy="2819400"/>
+          </a:xfrm>
+          <a:prstGeom prst="ellipse">
+            <a:avLst/>
+          </a:prstGeom>
+          <a:gradFill flip="none" rotWithShape="1">
+            <a:gsLst>
+              <a:gs pos="0">
+                <a:schemeClr val="bg2">
+                  <a:lumMod val="60000"/>
+                  <a:lumOff val="40000"/>
+                  <a:alpha val="7000"/>
+                </a:schemeClr>
+              </a:gs>
+              <a:gs pos="69000">
+                <a:schemeClr val="bg2">
+                  <a:lumMod val="60000"/>
+                  <a:lumOff val="40000"/>
+                  <a:alpha val="0"/>
+                </a:schemeClr>
+              </a:gs>
+              <a:gs pos="36000">
+                <a:schemeClr val="bg2">
+                  <a:lumMod val="60000"/>
+                  <a:lumOff val="40000"/>
+                  <a:alpha val="6000"/>
+                </a:schemeClr>
+              </a:gs>
+            </a:gsLst>
+            <a:path path="circle">
+              <a:fillToRect l="50000" t="50000" r="50000" b="50000"/>
+            </a:path>
+            <a:tileRect/>
+          </a:gradFill>
+          <a:ln>
+            <a:noFill/>
+          </a:ln>
+          <a:effectLst/>
+        </p:spPr>
+        <p:style>
+          <a:lnRef idx="1">
+            <a:schemeClr val="accent1"/>
+          </a:lnRef>
+          <a:fillRef idx="3">
+            <a:schemeClr val="accent1"/>
+          </a:fillRef>
+          <a:effectRef idx="2">
+            <a:schemeClr val="accent1"/>
+          </a:effectRef>
+          <a:fontRef idx="minor">
+            <a:schemeClr val="lt1"/>
+          </a:fontRef>
+        </p:style>
+      </p:sp>
+      <p:pic>
+        <p:nvPicPr>
+          <p:cNvPr id="9" name="Picture 8"/>
+          <p:cNvPicPr>
+            <a:picLocks noChangeAspect="1"/>
+          </p:cNvPicPr>
+          <p:nvPr/>
+        </p:nvPicPr>
+        <p:blipFill rotWithShape="1">
+          <a:blip r:embed="rId21">
             <a:extLst>
-              <a:ext uri="{FF2B5EF4-FFF2-40B4-BE49-F238E27FC236}">
-                <a16:creationId xmlns:a16="http://schemas.microsoft.com/office/drawing/2014/main" id="{91E12D51-8BA8-CCF7-AB9D-3F39D730ADE4}"/>
+              <a:ext uri="{28A0092B-C50C-407E-A947-70E740481C1C}">
+                <a14:useLocalDpi xmlns:a14="http://schemas.microsoft.com/office/drawing/2010/main" val="0"/>
               </a:ext>
             </a:extLst>
-          </p:cNvPr>
-          <p:cNvSpPr>
-            <a:spLocks noGrp="1"/>
-          </p:cNvSpPr>
-          <p:nvPr>
-            <p:ph type="dt" sz="half" idx="2"/>
-          </p:nvPr>
-        </p:nvSpPr>
+          </a:blip>
+          <a:srcRect t="28813"/>
+          <a:stretch/>
+        </p:blipFill>
         <p:spPr>
           <a:xfrm>
-            <a:off x="838200" y="6356350"/>
-            <a:ext cx="2743200" cy="365125"/>
+            <a:off x="7999412" y="0"/>
+            <a:ext cx="1603387" cy="1141407"/>
           </a:xfrm>
           <a:prstGeom prst="rect">
             <a:avLst/>
           </a:prstGeom>
         </p:spPr>
-        <p:txBody>
-          <a:bodyPr vert="horz" lIns="91440" tIns="45720" rIns="91440" bIns="45720" rtlCol="0" anchor="ctr"/>
+      </p:pic>
+      <p:pic>
+        <p:nvPicPr>
+          <p:cNvPr id="10" name="Picture 9"/>
+          <p:cNvPicPr>
+            <a:picLocks noChangeAspect="1"/>
+          </p:cNvPicPr>
+          <p:nvPr/>
+        </p:nvPicPr>
+        <p:blipFill rotWithShape="1">
+          <a:blip r:embed="rId22">
+            <a:extLst>
+              <a:ext uri="{28A0092B-C50C-407E-A947-70E740481C1C}">
+                <a14:useLocalDpi xmlns:a14="http://schemas.microsoft.com/office/drawing/2010/main" val="0"/>
+              </a:ext>
+            </a:extLst>
+          </a:blip>
+          <a:srcRect b="23320"/>
+          <a:stretch/>
+        </p:blipFill>
+        <p:spPr>
+          <a:xfrm>
+            <a:off x="8605878" y="6096000"/>
+            <a:ext cx="993734" cy="762000"/>
+          </a:xfrm>
+          <a:prstGeom prst="rect">
+            <a:avLst/>
+          </a:prstGeom>
+        </p:spPr>
+      </p:pic>
+      <p:sp>
+        <p:nvSpPr>
+          <p:cNvPr id="14" name="Rectangle 13"/>
+          <p:cNvSpPr/>
+          <p:nvPr/>
+        </p:nvSpPr>
+        <p:spPr>
+          <a:xfrm>
+            <a:off x="10437812" y="0"/>
+            <a:ext cx="685800" cy="1143000"/>
+          </a:xfrm>
+          <a:prstGeom prst="rect">
+            <a:avLst/>
+          </a:prstGeom>
+          <a:solidFill>
+            <a:schemeClr val="accent1"/>
+          </a:solidFill>
+          <a:ln>
+            <a:noFill/>
+          </a:ln>
+        </p:spPr>
+        <p:style>
+          <a:lnRef idx="1">
+            <a:schemeClr val="accent1"/>
+          </a:lnRef>
+          <a:fillRef idx="3">
+            <a:schemeClr val="accent1"/>
+          </a:fillRef>
+          <a:effectRef idx="2">
+            <a:schemeClr val="accent1"/>
+          </a:effectRef>
+          <a:fontRef idx="minor">
+            <a:schemeClr val="lt1"/>
+          </a:fontRef>
+        </p:style>
+      </p:sp>
+      <p:sp>
+        <p:nvSpPr>
+          <p:cNvPr id="2" name="Title Placeholder 1"/>
+          <p:cNvSpPr>
+            <a:spLocks noGrp="1"/>
+          </p:cNvSpPr>
+          <p:nvPr>
+            <p:ph type="title"/>
+          </p:nvPr>
+        </p:nvSpPr>
+        <p:spPr>
+          <a:xfrm>
+            <a:off x="646111" y="452718"/>
+            <a:ext cx="9404723" cy="1400530"/>
+          </a:xfrm>
+          <a:prstGeom prst="rect">
+            <a:avLst/>
+          </a:prstGeom>
+        </p:spPr>
+        <p:txBody>
+          <a:bodyPr vert="horz" lIns="91440" tIns="45720" rIns="91440" bIns="45720" rtlCol="0" anchor="t">
+            <a:noAutofit/>
+          </a:bodyPr>
+          <a:lstStyle/>
+          <a:p>
+            <a:r>
+              <a:rPr lang="pt-PT"/>
+              <a:t>Clique para editar o estilo de título do Modelo Global</a:t>
+            </a:r>
+            <a:endParaRPr lang="en-US" dirty="0"/>
+          </a:p>
+        </p:txBody>
+      </p:sp>
+      <p:sp>
+        <p:nvSpPr>
+          <p:cNvPr id="3" name="Text Placeholder 2"/>
+          <p:cNvSpPr>
+            <a:spLocks noGrp="1"/>
+          </p:cNvSpPr>
+          <p:nvPr>
+            <p:ph type="body" idx="1"/>
+          </p:nvPr>
+        </p:nvSpPr>
+        <p:spPr>
+          <a:xfrm>
+            <a:off x="1103312" y="2052918"/>
+            <a:ext cx="8946541" cy="4195481"/>
+          </a:xfrm>
+          <a:prstGeom prst="rect">
+            <a:avLst/>
+          </a:prstGeom>
+        </p:spPr>
+        <p:txBody>
+          <a:bodyPr vert="horz" lIns="91440" tIns="45720" rIns="91440" bIns="45720" rtlCol="0">
+            <a:normAutofit/>
+          </a:bodyPr>
+          <a:lstStyle/>
+          <a:p>
+            <a:pPr lvl="0"/>
+            <a:r>
+              <a:rPr lang="pt-PT"/>
+              <a:t>Clique para editar os estilos do texto de Modelo Global</a:t>
+            </a:r>
+          </a:p>
+          <a:p>
+            <a:pPr lvl="1"/>
+            <a:r>
+              <a:rPr lang="pt-PT"/>
+              <a:t>Segundo nível</a:t>
+            </a:r>
+          </a:p>
+          <a:p>
+            <a:pPr lvl="2"/>
+            <a:r>
+              <a:rPr lang="pt-PT"/>
+              <a:t>Terceiro nível</a:t>
+            </a:r>
+          </a:p>
+          <a:p>
+            <a:pPr lvl="3"/>
+            <a:r>
+              <a:rPr lang="pt-PT"/>
+              <a:t>Quarto nível</a:t>
+            </a:r>
+          </a:p>
+          <a:p>
+            <a:pPr lvl="4"/>
+            <a:r>
+              <a:rPr lang="pt-PT"/>
+              <a:t>Quinto nível</a:t>
+            </a:r>
+            <a:endParaRPr lang="en-US" dirty="0"/>
+          </a:p>
+        </p:txBody>
+      </p:sp>
+      <p:sp>
+        <p:nvSpPr>
+          <p:cNvPr id="4" name="Date Placeholder 3"/>
+          <p:cNvSpPr>
+            <a:spLocks noGrp="1"/>
+          </p:cNvSpPr>
+          <p:nvPr>
+            <p:ph type="dt" sz="half" idx="2"/>
+          </p:nvPr>
+        </p:nvSpPr>
+        <p:spPr>
+          <a:xfrm rot="5400000">
+            <a:off x="10155639" y="1790701"/>
+            <a:ext cx="990599" cy="304799"/>
+          </a:xfrm>
+          <a:prstGeom prst="rect">
+            <a:avLst/>
+          </a:prstGeom>
+        </p:spPr>
+        <p:txBody>
+          <a:bodyPr vert="horz" lIns="91440" tIns="45720" rIns="91440" bIns="45720" rtlCol="0" anchor="t"/>
           <a:lstStyle>
             <a:lvl1pPr algn="l">
-              <a:defRPr sz="1200">
+              <a:defRPr sz="1100" b="0" i="0">
+                <a:solidFill>
+                  <a:schemeClr val="tx1">
+                    <a:tint val="75000"/>
+                    <a:alpha val="60000"/>
+                  </a:schemeClr>
+                </a:solidFill>
+              </a:defRPr>
+            </a:lvl1pPr>
+          </a:lstStyle>
+          <a:p>
+            <a:fld id="{D6867CA9-C437-43A2-A60D-CEBAF376670B}" type="datetimeFigureOut">
+              <a:rPr lang="pt-PT" smtClean="0"/>
+              <a:t>28/03/2024</a:t>
+            </a:fld>
+            <a:endParaRPr lang="pt-PT"/>
+          </a:p>
+        </p:txBody>
+      </p:sp>
+      <p:sp>
+        <p:nvSpPr>
+          <p:cNvPr id="5" name="Footer Placeholder 4"/>
+          <p:cNvSpPr>
+            <a:spLocks noGrp="1"/>
+          </p:cNvSpPr>
+          <p:nvPr>
+            <p:ph type="ftr" sz="quarter" idx="3"/>
+          </p:nvPr>
+        </p:nvSpPr>
+        <p:spPr>
+          <a:xfrm rot="5400000">
+            <a:off x="8951573" y="3225297"/>
+            <a:ext cx="3859795" cy="304801"/>
+          </a:xfrm>
+          <a:prstGeom prst="rect">
+            <a:avLst/>
+          </a:prstGeom>
+        </p:spPr>
+        <p:txBody>
+          <a:bodyPr vert="horz" lIns="91440" tIns="45720" rIns="91440" bIns="45720" rtlCol="0" anchor="b"/>
+          <a:lstStyle>
+            <a:lvl1pPr algn="l">
+              <a:defRPr sz="1100" b="0" i="0">
+                <a:solidFill>
+                  <a:schemeClr val="tx1">
+                    <a:tint val="75000"/>
+                    <a:alpha val="60000"/>
+                  </a:schemeClr>
+                </a:solidFill>
+              </a:defRPr>
+            </a:lvl1pPr>
+          </a:lstStyle>
+          <a:p>
+            <a:endParaRPr lang="pt-PT"/>
+          </a:p>
+        </p:txBody>
+      </p:sp>
+      <p:sp>
+        <p:nvSpPr>
+          <p:cNvPr id="6" name="Slide Number Placeholder 5"/>
+          <p:cNvSpPr>
+            <a:spLocks noGrp="1"/>
+          </p:cNvSpPr>
+          <p:nvPr>
+            <p:ph type="sldNum" sz="quarter" idx="4"/>
+          </p:nvPr>
+        </p:nvSpPr>
+        <p:spPr>
+          <a:xfrm>
+            <a:off x="10352540" y="295729"/>
+            <a:ext cx="838199" cy="767687"/>
+          </a:xfrm>
+          <a:prstGeom prst="rect">
+            <a:avLst/>
+          </a:prstGeom>
+        </p:spPr>
+        <p:txBody>
+          <a:bodyPr vert="horz" lIns="91440" tIns="45720" rIns="91440" bIns="45720" rtlCol="0" anchor="b"/>
+          <a:lstStyle>
+            <a:lvl1pPr algn="ctr">
+              <a:defRPr sz="2800" b="0" i="0">
                 <a:solidFill>
                   <a:schemeClr val="tx1">
                     <a:tint val="75000"/>
@@ -2910,96 +5644,6 @@
             </a:lvl1pPr>
           </a:lstStyle>
           <a:p>
-            <a:fld id="{D6867CA9-C437-43A2-A60D-CEBAF376670B}" type="datetimeFigureOut">
-              <a:rPr lang="pt-PT" smtClean="0"/>
-              <a:t>28/03/2024</a:t>
-            </a:fld>
-            <a:endParaRPr lang="pt-PT"/>
-          </a:p>
-        </p:txBody>
-      </p:sp>
-      <p:sp>
-        <p:nvSpPr>
-          <p:cNvPr id="5" name="Marcador de Posição do Rodapé 4">
-            <a:extLst>
-              <a:ext uri="{FF2B5EF4-FFF2-40B4-BE49-F238E27FC236}">
-                <a16:creationId xmlns:a16="http://schemas.microsoft.com/office/drawing/2014/main" id="{F2E799F1-3FD9-FDDB-2941-0027CC51CC4A}"/>
-              </a:ext>
-            </a:extLst>
-          </p:cNvPr>
-          <p:cNvSpPr>
-            <a:spLocks noGrp="1"/>
-          </p:cNvSpPr>
-          <p:nvPr>
-            <p:ph type="ftr" sz="quarter" idx="3"/>
-          </p:nvPr>
-        </p:nvSpPr>
-        <p:spPr>
-          <a:xfrm>
-            <a:off x="4038600" y="6356350"/>
-            <a:ext cx="4114800" cy="365125"/>
-          </a:xfrm>
-          <a:prstGeom prst="rect">
-            <a:avLst/>
-          </a:prstGeom>
-        </p:spPr>
-        <p:txBody>
-          <a:bodyPr vert="horz" lIns="91440" tIns="45720" rIns="91440" bIns="45720" rtlCol="0" anchor="ctr"/>
-          <a:lstStyle>
-            <a:lvl1pPr algn="ctr">
-              <a:defRPr sz="1200">
-                <a:solidFill>
-                  <a:schemeClr val="tx1">
-                    <a:tint val="75000"/>
-                  </a:schemeClr>
-                </a:solidFill>
-              </a:defRPr>
-            </a:lvl1pPr>
-          </a:lstStyle>
-          <a:p>
-            <a:endParaRPr lang="pt-PT"/>
-          </a:p>
-        </p:txBody>
-      </p:sp>
-      <p:sp>
-        <p:nvSpPr>
-          <p:cNvPr id="6" name="Marcador de Posição do Número do Diapositivo 5">
-            <a:extLst>
-              <a:ext uri="{FF2B5EF4-FFF2-40B4-BE49-F238E27FC236}">
-                <a16:creationId xmlns:a16="http://schemas.microsoft.com/office/drawing/2014/main" id="{DFF6C859-DE0C-A808-1709-727EEB5A5711}"/>
-              </a:ext>
-            </a:extLst>
-          </p:cNvPr>
-          <p:cNvSpPr>
-            <a:spLocks noGrp="1"/>
-          </p:cNvSpPr>
-          <p:nvPr>
-            <p:ph type="sldNum" sz="quarter" idx="4"/>
-          </p:nvPr>
-        </p:nvSpPr>
-        <p:spPr>
-          <a:xfrm>
-            <a:off x="8610600" y="6356350"/>
-            <a:ext cx="2743200" cy="365125"/>
-          </a:xfrm>
-          <a:prstGeom prst="rect">
-            <a:avLst/>
-          </a:prstGeom>
-        </p:spPr>
-        <p:txBody>
-          <a:bodyPr vert="horz" lIns="91440" tIns="45720" rIns="91440" bIns="45720" rtlCol="0" anchor="ctr"/>
-          <a:lstStyle>
-            <a:lvl1pPr algn="r">
-              <a:defRPr sz="1200">
-                <a:solidFill>
-                  <a:schemeClr val="tx1">
-                    <a:tint val="75000"/>
-                  </a:schemeClr>
-                </a:solidFill>
-              </a:defRPr>
-            </a:lvl1pPr>
-          </a:lstStyle>
-          <a:p>
             <a:fld id="{5508BAFF-B5A4-4E95-A4D4-9B9244247265}" type="slidenum">
               <a:rPr lang="pt-PT" smtClean="0"/>
               <a:t>‹nº›</a:t>
@@ -3011,35 +5655,121 @@
     </p:spTree>
     <p:extLst>
       <p:ext uri="{BB962C8B-B14F-4D97-AF65-F5344CB8AC3E}">
-        <p14:creationId xmlns:p14="http://schemas.microsoft.com/office/powerpoint/2010/main" val="2141552541"/>
+        <p14:creationId xmlns:p14="http://schemas.microsoft.com/office/powerpoint/2010/main" val="2490199517"/>
       </p:ext>
     </p:extLst>
   </p:cSld>
-  <p:clrMap bg1="lt1" tx1="dk1" bg2="lt2" tx2="dk2" accent1="accent1" accent2="accent2" accent3="accent3" accent4="accent4" accent5="accent5" accent6="accent6" hlink="hlink" folHlink="folHlink"/>
+  <p:clrMap bg1="dk1" tx1="lt1" bg2="dk2" tx2="lt2" accent1="accent1" accent2="accent2" accent3="accent3" accent4="accent4" accent5="accent5" accent6="accent6" hlink="hlink" folHlink="folHlink"/>
   <p:sldLayoutIdLst>
-    <p:sldLayoutId id="2147483649" r:id="rId1"/>
-    <p:sldLayoutId id="2147483650" r:id="rId2"/>
-    <p:sldLayoutId id="2147483651" r:id="rId3"/>
-    <p:sldLayoutId id="2147483652" r:id="rId4"/>
-    <p:sldLayoutId id="2147483653" r:id="rId5"/>
-    <p:sldLayoutId id="2147483654" r:id="rId6"/>
-    <p:sldLayoutId id="2147483655" r:id="rId7"/>
-    <p:sldLayoutId id="2147483656" r:id="rId8"/>
-    <p:sldLayoutId id="2147483657" r:id="rId9"/>
-    <p:sldLayoutId id="2147483658" r:id="rId10"/>
-    <p:sldLayoutId id="2147483659" r:id="rId11"/>
+    <p:sldLayoutId id="2147483661" r:id="rId1"/>
+    <p:sldLayoutId id="2147483662" r:id="rId2"/>
+    <p:sldLayoutId id="2147483663" r:id="rId3"/>
+    <p:sldLayoutId id="2147483664" r:id="rId4"/>
+    <p:sldLayoutId id="2147483665" r:id="rId5"/>
+    <p:sldLayoutId id="2147483666" r:id="rId6"/>
+    <p:sldLayoutId id="2147483667" r:id="rId7"/>
+    <p:sldLayoutId id="2147483668" r:id="rId8"/>
+    <p:sldLayoutId id="2147483669" r:id="rId9"/>
+    <p:sldLayoutId id="2147483670" r:id="rId10"/>
+    <p:sldLayoutId id="2147483671" r:id="rId11"/>
+    <p:sldLayoutId id="2147483672" r:id="rId12"/>
+    <p:sldLayoutId id="2147483673" r:id="rId13"/>
+    <p:sldLayoutId id="2147483674" r:id="rId14"/>
+    <p:sldLayoutId id="2147483675" r:id="rId15"/>
+    <p:sldLayoutId id="2147483676" r:id="rId16"/>
+    <p:sldLayoutId id="2147483677" r:id="rId17"/>
   </p:sldLayoutIdLst>
   <p:txStyles>
     <p:titleStyle>
-      <a:lvl1pPr algn="l" defTabSz="914400" rtl="0" eaLnBrk="1" latinLnBrk="0" hangingPunct="1">
-        <a:lnSpc>
-          <a:spcPct val="90000"/>
-        </a:lnSpc>
+      <a:lvl1pPr algn="l" defTabSz="457200" rtl="0" eaLnBrk="1" latinLnBrk="0" hangingPunct="1">
         <a:spcBef>
           <a:spcPct val="0"/>
         </a:spcBef>
         <a:buNone/>
-        <a:defRPr sz="4400" kern="1200">
+        <a:defRPr sz="4200" b="0" i="0" kern="1200">
+          <a:solidFill>
+            <a:schemeClr val="tx2"/>
+          </a:solidFill>
+          <a:latin typeface="+mj-lt"/>
+          <a:ea typeface="+mj-ea"/>
+          <a:cs typeface="+mj-cs"/>
+        </a:defRPr>
+      </a:lvl1pPr>
+      <a:lvl2pPr eaLnBrk="1" hangingPunct="1">
+        <a:defRPr>
+          <a:solidFill>
+            <a:schemeClr val="tx2"/>
+          </a:solidFill>
+        </a:defRPr>
+      </a:lvl2pPr>
+      <a:lvl3pPr eaLnBrk="1" hangingPunct="1">
+        <a:defRPr>
+          <a:solidFill>
+            <a:schemeClr val="tx2"/>
+          </a:solidFill>
+        </a:defRPr>
+      </a:lvl3pPr>
+      <a:lvl4pPr eaLnBrk="1" hangingPunct="1">
+        <a:defRPr>
+          <a:solidFill>
+            <a:schemeClr val="tx2"/>
+          </a:solidFill>
+        </a:defRPr>
+      </a:lvl4pPr>
+      <a:lvl5pPr eaLnBrk="1" hangingPunct="1">
+        <a:defRPr>
+          <a:solidFill>
+            <a:schemeClr val="tx2"/>
+          </a:solidFill>
+        </a:defRPr>
+      </a:lvl5pPr>
+      <a:lvl6pPr eaLnBrk="1" hangingPunct="1">
+        <a:defRPr>
+          <a:solidFill>
+            <a:schemeClr val="tx2"/>
+          </a:solidFill>
+        </a:defRPr>
+      </a:lvl6pPr>
+      <a:lvl7pPr eaLnBrk="1" hangingPunct="1">
+        <a:defRPr>
+          <a:solidFill>
+            <a:schemeClr val="tx2"/>
+          </a:solidFill>
+        </a:defRPr>
+      </a:lvl7pPr>
+      <a:lvl8pPr eaLnBrk="1" hangingPunct="1">
+        <a:defRPr>
+          <a:solidFill>
+            <a:schemeClr val="tx2"/>
+          </a:solidFill>
+        </a:defRPr>
+      </a:lvl8pPr>
+      <a:lvl9pPr eaLnBrk="1" hangingPunct="1">
+        <a:defRPr>
+          <a:solidFill>
+            <a:schemeClr val="tx2"/>
+          </a:solidFill>
+        </a:defRPr>
+      </a:lvl9pPr>
+    </p:titleStyle>
+    <p:bodyStyle>
+      <a:lvl1pPr marL="342900" indent="-342900" algn="l" defTabSz="457200" rtl="0" eaLnBrk="1" latinLnBrk="0" hangingPunct="1">
+        <a:spcBef>
+          <a:spcPts val="1000"/>
+        </a:spcBef>
+        <a:spcAft>
+          <a:spcPts val="0"/>
+        </a:spcAft>
+        <a:buClr>
+          <a:schemeClr val="bg2">
+            <a:lumMod val="40000"/>
+            <a:lumOff val="60000"/>
+          </a:schemeClr>
+        </a:buClr>
+        <a:buSzPct val="80000"/>
+        <a:buFont typeface="Wingdings 3" charset="2"/>
+        <a:buChar char=""/>
+        <a:defRPr sz="2000" b="0" i="0" kern="1200">
           <a:solidFill>
             <a:schemeClr val="tx1"/>
           </a:solidFill>
@@ -3048,18 +5778,213 @@
           <a:cs typeface="+mj-cs"/>
         </a:defRPr>
       </a:lvl1pPr>
-    </p:titleStyle>
-    <p:bodyStyle>
-      <a:lvl1pPr marL="228600" indent="-228600" algn="l" defTabSz="914400" rtl="0" eaLnBrk="1" latinLnBrk="0" hangingPunct="1">
-        <a:lnSpc>
-          <a:spcPct val="90000"/>
-        </a:lnSpc>
+      <a:lvl2pPr marL="742950" indent="-285750" algn="l" defTabSz="457200" rtl="0" eaLnBrk="1" latinLnBrk="0" hangingPunct="1">
         <a:spcBef>
           <a:spcPts val="1000"/>
         </a:spcBef>
-        <a:buFont typeface="Arial" panose="020B0604020202020204" pitchFamily="34" charset="0"/>
-        <a:buChar char="•"/>
-        <a:defRPr sz="2800" kern="1200">
+        <a:spcAft>
+          <a:spcPts val="0"/>
+        </a:spcAft>
+        <a:buClr>
+          <a:schemeClr val="bg2">
+            <a:lumMod val="40000"/>
+            <a:lumOff val="60000"/>
+          </a:schemeClr>
+        </a:buClr>
+        <a:buSzPct val="80000"/>
+        <a:buFont typeface="Wingdings 3" charset="2"/>
+        <a:buChar char=""/>
+        <a:defRPr sz="1800" b="0" i="0" kern="1200">
+          <a:solidFill>
+            <a:schemeClr val="tx1"/>
+          </a:solidFill>
+          <a:latin typeface="+mj-lt"/>
+          <a:ea typeface="+mj-ea"/>
+          <a:cs typeface="+mj-cs"/>
+        </a:defRPr>
+      </a:lvl2pPr>
+      <a:lvl3pPr marL="1143000" indent="-228600" algn="l" defTabSz="457200" rtl="0" eaLnBrk="1" latinLnBrk="0" hangingPunct="1">
+        <a:spcBef>
+          <a:spcPts val="1000"/>
+        </a:spcBef>
+        <a:spcAft>
+          <a:spcPts val="0"/>
+        </a:spcAft>
+        <a:buClr>
+          <a:schemeClr val="bg2">
+            <a:lumMod val="40000"/>
+            <a:lumOff val="60000"/>
+          </a:schemeClr>
+        </a:buClr>
+        <a:buSzPct val="80000"/>
+        <a:buFont typeface="Wingdings 3" charset="2"/>
+        <a:buChar char=""/>
+        <a:defRPr sz="1600" b="0" i="0" kern="1200">
+          <a:solidFill>
+            <a:schemeClr val="tx1"/>
+          </a:solidFill>
+          <a:latin typeface="+mj-lt"/>
+          <a:ea typeface="+mj-ea"/>
+          <a:cs typeface="+mj-cs"/>
+        </a:defRPr>
+      </a:lvl3pPr>
+      <a:lvl4pPr marL="1600200" indent="-228600" algn="l" defTabSz="457200" rtl="0" eaLnBrk="1" latinLnBrk="0" hangingPunct="1">
+        <a:spcBef>
+          <a:spcPts val="1000"/>
+        </a:spcBef>
+        <a:spcAft>
+          <a:spcPts val="0"/>
+        </a:spcAft>
+        <a:buClr>
+          <a:schemeClr val="bg2">
+            <a:lumMod val="40000"/>
+            <a:lumOff val="60000"/>
+          </a:schemeClr>
+        </a:buClr>
+        <a:buSzPct val="80000"/>
+        <a:buFont typeface="Wingdings 3" charset="2"/>
+        <a:buChar char=""/>
+        <a:defRPr sz="1400" b="0" i="0" kern="1200">
+          <a:solidFill>
+            <a:schemeClr val="tx1"/>
+          </a:solidFill>
+          <a:latin typeface="+mj-lt"/>
+          <a:ea typeface="+mj-ea"/>
+          <a:cs typeface="+mj-cs"/>
+        </a:defRPr>
+      </a:lvl4pPr>
+      <a:lvl5pPr marL="2057400" indent="-228600" algn="l" defTabSz="457200" rtl="0" eaLnBrk="1" latinLnBrk="0" hangingPunct="1">
+        <a:spcBef>
+          <a:spcPts val="1000"/>
+        </a:spcBef>
+        <a:spcAft>
+          <a:spcPts val="0"/>
+        </a:spcAft>
+        <a:buClr>
+          <a:schemeClr val="bg2">
+            <a:lumMod val="40000"/>
+            <a:lumOff val="60000"/>
+          </a:schemeClr>
+        </a:buClr>
+        <a:buSzPct val="80000"/>
+        <a:buFont typeface="Wingdings 3" charset="2"/>
+        <a:buChar char=""/>
+        <a:defRPr sz="1400" b="0" i="0" kern="1200">
+          <a:solidFill>
+            <a:schemeClr val="tx1"/>
+          </a:solidFill>
+          <a:latin typeface="+mj-lt"/>
+          <a:ea typeface="+mj-ea"/>
+          <a:cs typeface="+mj-cs"/>
+        </a:defRPr>
+      </a:lvl5pPr>
+      <a:lvl6pPr marL="2506000" indent="-228600" algn="l" defTabSz="457200" rtl="0" eaLnBrk="1" latinLnBrk="0" hangingPunct="1">
+        <a:spcBef>
+          <a:spcPts val="1000"/>
+        </a:spcBef>
+        <a:spcAft>
+          <a:spcPts val="0"/>
+        </a:spcAft>
+        <a:buClr>
+          <a:schemeClr val="bg2">
+            <a:lumMod val="40000"/>
+            <a:lumOff val="60000"/>
+          </a:schemeClr>
+        </a:buClr>
+        <a:buSzPct val="80000"/>
+        <a:buFont typeface="Wingdings 3" charset="2"/>
+        <a:buChar char=""/>
+        <a:defRPr sz="1400" b="0" i="0" kern="1200">
+          <a:solidFill>
+            <a:schemeClr val="tx1"/>
+          </a:solidFill>
+          <a:latin typeface="+mj-lt"/>
+          <a:ea typeface="+mj-ea"/>
+          <a:cs typeface="+mj-cs"/>
+        </a:defRPr>
+      </a:lvl6pPr>
+      <a:lvl7pPr marL="2971800" indent="-228600" algn="l" defTabSz="457200" rtl="0" eaLnBrk="1" latinLnBrk="0" hangingPunct="1">
+        <a:spcBef>
+          <a:spcPts val="1000"/>
+        </a:spcBef>
+        <a:spcAft>
+          <a:spcPts val="0"/>
+        </a:spcAft>
+        <a:buClr>
+          <a:schemeClr val="bg2">
+            <a:lumMod val="40000"/>
+            <a:lumOff val="60000"/>
+          </a:schemeClr>
+        </a:buClr>
+        <a:buSzPct val="80000"/>
+        <a:buFont typeface="Wingdings 3" charset="2"/>
+        <a:buChar char=""/>
+        <a:defRPr sz="1400" b="0" i="0" kern="1200">
+          <a:solidFill>
+            <a:schemeClr val="tx1"/>
+          </a:solidFill>
+          <a:latin typeface="+mj-lt"/>
+          <a:ea typeface="+mj-ea"/>
+          <a:cs typeface="+mj-cs"/>
+        </a:defRPr>
+      </a:lvl7pPr>
+      <a:lvl8pPr marL="3429000" indent="-228600" algn="l" defTabSz="457200" rtl="0" eaLnBrk="1" latinLnBrk="0" hangingPunct="1">
+        <a:spcBef>
+          <a:spcPts val="1000"/>
+        </a:spcBef>
+        <a:spcAft>
+          <a:spcPts val="0"/>
+        </a:spcAft>
+        <a:buClr>
+          <a:schemeClr val="bg2">
+            <a:lumMod val="40000"/>
+            <a:lumOff val="60000"/>
+          </a:schemeClr>
+        </a:buClr>
+        <a:buSzPct val="80000"/>
+        <a:buFont typeface="Wingdings 3" charset="2"/>
+        <a:buChar char=""/>
+        <a:defRPr sz="1400" b="0" i="0" kern="1200">
+          <a:solidFill>
+            <a:schemeClr val="tx1"/>
+          </a:solidFill>
+          <a:latin typeface="+mj-lt"/>
+          <a:ea typeface="+mj-ea"/>
+          <a:cs typeface="+mj-cs"/>
+        </a:defRPr>
+      </a:lvl8pPr>
+      <a:lvl9pPr marL="3886200" indent="-228600" algn="l" defTabSz="457200" rtl="0" eaLnBrk="1" latinLnBrk="0" hangingPunct="1">
+        <a:spcBef>
+          <a:spcPts val="1000"/>
+        </a:spcBef>
+        <a:spcAft>
+          <a:spcPts val="0"/>
+        </a:spcAft>
+        <a:buClr>
+          <a:schemeClr val="bg2">
+            <a:lumMod val="40000"/>
+            <a:lumOff val="60000"/>
+          </a:schemeClr>
+        </a:buClr>
+        <a:buSzPct val="80000"/>
+        <a:buFont typeface="Wingdings 3" charset="2"/>
+        <a:buChar char=""/>
+        <a:defRPr sz="1400" b="0" i="0" kern="1200">
+          <a:solidFill>
+            <a:schemeClr val="tx1"/>
+          </a:solidFill>
+          <a:latin typeface="+mj-lt"/>
+          <a:ea typeface="+mj-ea"/>
+          <a:cs typeface="+mj-cs"/>
+        </a:defRPr>
+      </a:lvl9pPr>
+    </p:bodyStyle>
+    <p:otherStyle>
+      <a:defPPr>
+        <a:defRPr lang="en-US"/>
+      </a:defPPr>
+      <a:lvl1pPr marL="0" algn="l" defTabSz="457200" rtl="0" eaLnBrk="1" latinLnBrk="0" hangingPunct="1">
+        <a:defRPr sz="1800" kern="1200">
           <a:solidFill>
             <a:schemeClr val="tx1"/>
           </a:solidFill>
@@ -3068,16 +5993,8 @@
           <a:cs typeface="+mn-cs"/>
         </a:defRPr>
       </a:lvl1pPr>
-      <a:lvl2pPr marL="685800" indent="-228600" algn="l" defTabSz="914400" rtl="0" eaLnBrk="1" latinLnBrk="0" hangingPunct="1">
-        <a:lnSpc>
-          <a:spcPct val="90000"/>
-        </a:lnSpc>
-        <a:spcBef>
-          <a:spcPts val="500"/>
-        </a:spcBef>
-        <a:buFont typeface="Arial" panose="020B0604020202020204" pitchFamily="34" charset="0"/>
-        <a:buChar char="•"/>
-        <a:defRPr sz="2400" kern="1200">
+      <a:lvl2pPr marL="457200" algn="l" defTabSz="457200" rtl="0" eaLnBrk="1" latinLnBrk="0" hangingPunct="1">
+        <a:defRPr sz="1800" kern="1200">
           <a:solidFill>
             <a:schemeClr val="tx1"/>
           </a:solidFill>
@@ -3086,16 +6003,8 @@
           <a:cs typeface="+mn-cs"/>
         </a:defRPr>
       </a:lvl2pPr>
-      <a:lvl3pPr marL="1143000" indent="-228600" algn="l" defTabSz="914400" rtl="0" eaLnBrk="1" latinLnBrk="0" hangingPunct="1">
-        <a:lnSpc>
-          <a:spcPct val="90000"/>
-        </a:lnSpc>
-        <a:spcBef>
-          <a:spcPts val="500"/>
-        </a:spcBef>
-        <a:buFont typeface="Arial" panose="020B0604020202020204" pitchFamily="34" charset="0"/>
-        <a:buChar char="•"/>
-        <a:defRPr sz="2000" kern="1200">
+      <a:lvl3pPr marL="914400" algn="l" defTabSz="457200" rtl="0" eaLnBrk="1" latinLnBrk="0" hangingPunct="1">
+        <a:defRPr sz="1800" kern="1200">
           <a:solidFill>
             <a:schemeClr val="tx1"/>
           </a:solidFill>
@@ -3104,15 +6013,7 @@
           <a:cs typeface="+mn-cs"/>
         </a:defRPr>
       </a:lvl3pPr>
-      <a:lvl4pPr marL="1600200" indent="-228600" algn="l" defTabSz="914400" rtl="0" eaLnBrk="1" latinLnBrk="0" hangingPunct="1">
-        <a:lnSpc>
-          <a:spcPct val="90000"/>
-        </a:lnSpc>
-        <a:spcBef>
-          <a:spcPts val="500"/>
-        </a:spcBef>
-        <a:buFont typeface="Arial" panose="020B0604020202020204" pitchFamily="34" charset="0"/>
-        <a:buChar char="•"/>
+      <a:lvl4pPr marL="1371600" algn="l" defTabSz="457200" rtl="0" eaLnBrk="1" latinLnBrk="0" hangingPunct="1">
         <a:defRPr sz="1800" kern="1200">
           <a:solidFill>
             <a:schemeClr val="tx1"/>
@@ -3122,15 +6023,7 @@
           <a:cs typeface="+mn-cs"/>
         </a:defRPr>
       </a:lvl4pPr>
-      <a:lvl5pPr marL="2057400" indent="-228600" algn="l" defTabSz="914400" rtl="0" eaLnBrk="1" latinLnBrk="0" hangingPunct="1">
-        <a:lnSpc>
-          <a:spcPct val="90000"/>
-        </a:lnSpc>
-        <a:spcBef>
-          <a:spcPts val="500"/>
-        </a:spcBef>
-        <a:buFont typeface="Arial" panose="020B0604020202020204" pitchFamily="34" charset="0"/>
-        <a:buChar char="•"/>
+      <a:lvl5pPr marL="1828800" algn="l" defTabSz="457200" rtl="0" eaLnBrk="1" latinLnBrk="0" hangingPunct="1">
         <a:defRPr sz="1800" kern="1200">
           <a:solidFill>
             <a:schemeClr val="tx1"/>
@@ -3140,15 +6033,7 @@
           <a:cs typeface="+mn-cs"/>
         </a:defRPr>
       </a:lvl5pPr>
-      <a:lvl6pPr marL="2514600" indent="-228600" algn="l" defTabSz="914400" rtl="0" eaLnBrk="1" latinLnBrk="0" hangingPunct="1">
-        <a:lnSpc>
-          <a:spcPct val="90000"/>
-        </a:lnSpc>
-        <a:spcBef>
-          <a:spcPts val="500"/>
-        </a:spcBef>
-        <a:buFont typeface="Arial" panose="020B0604020202020204" pitchFamily="34" charset="0"/>
-        <a:buChar char="•"/>
+      <a:lvl6pPr marL="2286000" algn="l" defTabSz="457200" rtl="0" eaLnBrk="1" latinLnBrk="0" hangingPunct="1">
         <a:defRPr sz="1800" kern="1200">
           <a:solidFill>
             <a:schemeClr val="tx1"/>
@@ -3158,15 +6043,7 @@
           <a:cs typeface="+mn-cs"/>
         </a:defRPr>
       </a:lvl6pPr>
-      <a:lvl7pPr marL="2971800" indent="-228600" algn="l" defTabSz="914400" rtl="0" eaLnBrk="1" latinLnBrk="0" hangingPunct="1">
-        <a:lnSpc>
-          <a:spcPct val="90000"/>
-        </a:lnSpc>
-        <a:spcBef>
-          <a:spcPts val="500"/>
-        </a:spcBef>
-        <a:buFont typeface="Arial" panose="020B0604020202020204" pitchFamily="34" charset="0"/>
-        <a:buChar char="•"/>
+      <a:lvl7pPr marL="2743200" algn="l" defTabSz="457200" rtl="0" eaLnBrk="1" latinLnBrk="0" hangingPunct="1">
         <a:defRPr sz="1800" kern="1200">
           <a:solidFill>
             <a:schemeClr val="tx1"/>
@@ -3176,15 +6053,7 @@
           <a:cs typeface="+mn-cs"/>
         </a:defRPr>
       </a:lvl7pPr>
-      <a:lvl8pPr marL="3429000" indent="-228600" algn="l" defTabSz="914400" rtl="0" eaLnBrk="1" latinLnBrk="0" hangingPunct="1">
-        <a:lnSpc>
-          <a:spcPct val="90000"/>
-        </a:lnSpc>
-        <a:spcBef>
-          <a:spcPts val="500"/>
-        </a:spcBef>
-        <a:buFont typeface="Arial" panose="020B0604020202020204" pitchFamily="34" charset="0"/>
-        <a:buChar char="•"/>
+      <a:lvl8pPr marL="3200400" algn="l" defTabSz="457200" rtl="0" eaLnBrk="1" latinLnBrk="0" hangingPunct="1">
         <a:defRPr sz="1800" kern="1200">
           <a:solidFill>
             <a:schemeClr val="tx1"/>
@@ -3194,110 +6063,7 @@
           <a:cs typeface="+mn-cs"/>
         </a:defRPr>
       </a:lvl8pPr>
-      <a:lvl9pPr marL="3886200" indent="-228600" algn="l" defTabSz="914400" rtl="0" eaLnBrk="1" latinLnBrk="0" hangingPunct="1">
-        <a:lnSpc>
-          <a:spcPct val="90000"/>
-        </a:lnSpc>
-        <a:spcBef>
-          <a:spcPts val="500"/>
-        </a:spcBef>
-        <a:buFont typeface="Arial" panose="020B0604020202020204" pitchFamily="34" charset="0"/>
-        <a:buChar char="•"/>
-        <a:defRPr sz="1800" kern="1200">
-          <a:solidFill>
-            <a:schemeClr val="tx1"/>
-          </a:solidFill>
-          <a:latin typeface="+mn-lt"/>
-          <a:ea typeface="+mn-ea"/>
-          <a:cs typeface="+mn-cs"/>
-        </a:defRPr>
-      </a:lvl9pPr>
-    </p:bodyStyle>
-    <p:otherStyle>
-      <a:defPPr>
-        <a:defRPr lang="pt-PT"/>
-      </a:defPPr>
-      <a:lvl1pPr marL="0" algn="l" defTabSz="914400" rtl="0" eaLnBrk="1" latinLnBrk="0" hangingPunct="1">
-        <a:defRPr sz="1800" kern="1200">
-          <a:solidFill>
-            <a:schemeClr val="tx1"/>
-          </a:solidFill>
-          <a:latin typeface="+mn-lt"/>
-          <a:ea typeface="+mn-ea"/>
-          <a:cs typeface="+mn-cs"/>
-        </a:defRPr>
-      </a:lvl1pPr>
-      <a:lvl2pPr marL="457200" algn="l" defTabSz="914400" rtl="0" eaLnBrk="1" latinLnBrk="0" hangingPunct="1">
-        <a:defRPr sz="1800" kern="1200">
-          <a:solidFill>
-            <a:schemeClr val="tx1"/>
-          </a:solidFill>
-          <a:latin typeface="+mn-lt"/>
-          <a:ea typeface="+mn-ea"/>
-          <a:cs typeface="+mn-cs"/>
-        </a:defRPr>
-      </a:lvl2pPr>
-      <a:lvl3pPr marL="914400" algn="l" defTabSz="914400" rtl="0" eaLnBrk="1" latinLnBrk="0" hangingPunct="1">
-        <a:defRPr sz="1800" kern="1200">
-          <a:solidFill>
-            <a:schemeClr val="tx1"/>
-          </a:solidFill>
-          <a:latin typeface="+mn-lt"/>
-          <a:ea typeface="+mn-ea"/>
-          <a:cs typeface="+mn-cs"/>
-        </a:defRPr>
-      </a:lvl3pPr>
-      <a:lvl4pPr marL="1371600" algn="l" defTabSz="914400" rtl="0" eaLnBrk="1" latinLnBrk="0" hangingPunct="1">
-        <a:defRPr sz="1800" kern="1200">
-          <a:solidFill>
-            <a:schemeClr val="tx1"/>
-          </a:solidFill>
-          <a:latin typeface="+mn-lt"/>
-          <a:ea typeface="+mn-ea"/>
-          <a:cs typeface="+mn-cs"/>
-        </a:defRPr>
-      </a:lvl4pPr>
-      <a:lvl5pPr marL="1828800" algn="l" defTabSz="914400" rtl="0" eaLnBrk="1" latinLnBrk="0" hangingPunct="1">
-        <a:defRPr sz="1800" kern="1200">
-          <a:solidFill>
-            <a:schemeClr val="tx1"/>
-          </a:solidFill>
-          <a:latin typeface="+mn-lt"/>
-          <a:ea typeface="+mn-ea"/>
-          <a:cs typeface="+mn-cs"/>
-        </a:defRPr>
-      </a:lvl5pPr>
-      <a:lvl6pPr marL="2286000" algn="l" defTabSz="914400" rtl="0" eaLnBrk="1" latinLnBrk="0" hangingPunct="1">
-        <a:defRPr sz="1800" kern="1200">
-          <a:solidFill>
-            <a:schemeClr val="tx1"/>
-          </a:solidFill>
-          <a:latin typeface="+mn-lt"/>
-          <a:ea typeface="+mn-ea"/>
-          <a:cs typeface="+mn-cs"/>
-        </a:defRPr>
-      </a:lvl6pPr>
-      <a:lvl7pPr marL="2743200" algn="l" defTabSz="914400" rtl="0" eaLnBrk="1" latinLnBrk="0" hangingPunct="1">
-        <a:defRPr sz="1800" kern="1200">
-          <a:solidFill>
-            <a:schemeClr val="tx1"/>
-          </a:solidFill>
-          <a:latin typeface="+mn-lt"/>
-          <a:ea typeface="+mn-ea"/>
-          <a:cs typeface="+mn-cs"/>
-        </a:defRPr>
-      </a:lvl7pPr>
-      <a:lvl8pPr marL="3200400" algn="l" defTabSz="914400" rtl="0" eaLnBrk="1" latinLnBrk="0" hangingPunct="1">
-        <a:defRPr sz="1800" kern="1200">
-          <a:solidFill>
-            <a:schemeClr val="tx1"/>
-          </a:solidFill>
-          <a:latin typeface="+mn-lt"/>
-          <a:ea typeface="+mn-ea"/>
-          <a:cs typeface="+mn-cs"/>
-        </a:defRPr>
-      </a:lvl8pPr>
-      <a:lvl9pPr marL="3657600" algn="l" defTabSz="914400" rtl="0" eaLnBrk="1" latinLnBrk="0" hangingPunct="1">
+      <a:lvl9pPr marL="3657600" algn="l" defTabSz="457200" rtl="0" eaLnBrk="1" latinLnBrk="0" hangingPunct="1">
         <a:defRPr sz="1800" kern="1200">
           <a:solidFill>
             <a:schemeClr val="tx1"/>
@@ -3345,11 +6111,17 @@
             <p:ph type="ctrTitle"/>
           </p:nvPr>
         </p:nvSpPr>
-        <p:spPr/>
+        <p:spPr>
+          <a:xfrm>
+            <a:off x="1223781" y="1103671"/>
+            <a:ext cx="8825658" cy="3329581"/>
+          </a:xfrm>
+        </p:spPr>
         <p:txBody>
           <a:bodyPr/>
           <a:lstStyle/>
           <a:p>
+            <a:pPr algn="ctr"/>
             <a:r>
               <a:rPr lang="pt-PT" dirty="0"/>
               <a:t>Ludo</a:t>
@@ -3373,14 +6145,43 @@
             <p:ph type="subTitle" idx="1"/>
           </p:nvPr>
         </p:nvSpPr>
-        <p:spPr/>
-        <p:txBody>
-          <a:bodyPr/>
+        <p:spPr>
+          <a:xfrm>
+            <a:off x="1154955" y="4777379"/>
+            <a:ext cx="8825658" cy="1387447"/>
+          </a:xfrm>
+        </p:spPr>
+        <p:txBody>
+          <a:bodyPr>
+            <a:normAutofit fontScale="85000" lnSpcReduction="20000"/>
+          </a:bodyPr>
           <a:lstStyle/>
           <a:p>
+            <a:pPr algn="ctr"/>
             <a:r>
               <a:rPr lang="pt-PT" dirty="0"/>
               <a:t>Realizado por:</a:t>
+            </a:r>
+          </a:p>
+          <a:p>
+            <a:pPr algn="ctr"/>
+            <a:r>
+              <a:rPr lang="pt-PT" dirty="0"/>
+              <a:t>Nome , nº</a:t>
+            </a:r>
+          </a:p>
+          <a:p>
+            <a:pPr algn="ctr"/>
+            <a:r>
+              <a:rPr lang="pt-PT" dirty="0"/>
+              <a:t>Nome, nº</a:t>
+            </a:r>
+          </a:p>
+          <a:p>
+            <a:pPr algn="ctr"/>
+            <a:r>
+              <a:rPr lang="pt-PT" dirty="0"/>
+              <a:t>Nome, nº</a:t>
             </a:r>
           </a:p>
         </p:txBody>
@@ -3443,7 +6244,7 @@
           <a:p>
             <a:pPr algn="ctr"/>
             <a:r>
-              <a:rPr lang="pt-PT" dirty="0"/>
+              <a:rPr lang="pt-PT" sz="6000" dirty="0"/>
               <a:t>Introdução</a:t>
             </a:r>
           </a:p>
@@ -3472,12 +6273,14 @@
           </a:xfrm>
         </p:spPr>
         <p:txBody>
-          <a:bodyPr/>
+          <a:bodyPr>
+            <a:normAutofit/>
+          </a:bodyPr>
           <a:lstStyle/>
           <a:p>
             <a:pPr algn="ctr"/>
             <a:r>
-              <a:rPr lang="pt-PT" dirty="0"/>
+              <a:rPr lang="pt-PT" sz="2000" dirty="0"/>
               <a:t>Contextualização do trabalho realizado</a:t>
             </a:r>
           </a:p>
@@ -3536,12 +6339,14 @@
           </a:xfrm>
         </p:spPr>
         <p:txBody>
-          <a:bodyPr/>
+          <a:bodyPr>
+            <a:normAutofit/>
+          </a:bodyPr>
           <a:lstStyle/>
           <a:p>
             <a:pPr algn="ctr"/>
             <a:r>
-              <a:rPr lang="pt-PT" dirty="0"/>
+              <a:rPr lang="pt-PT" sz="6000" dirty="0"/>
               <a:t>O que é o Ludo?</a:t>
             </a:r>
           </a:p>
@@ -3570,12 +6375,14 @@
           </a:xfrm>
         </p:spPr>
         <p:txBody>
-          <a:bodyPr/>
+          <a:bodyPr>
+            <a:normAutofit/>
+          </a:bodyPr>
           <a:lstStyle/>
           <a:p>
             <a:pPr algn="ctr"/>
             <a:r>
-              <a:rPr lang="pt-PT" dirty="0"/>
+              <a:rPr lang="pt-PT" sz="2000" dirty="0"/>
               <a:t>Breve apresentação</a:t>
             </a:r>
           </a:p>
@@ -3634,12 +6441,14 @@
           </a:xfrm>
         </p:spPr>
         <p:txBody>
-          <a:bodyPr/>
+          <a:bodyPr>
+            <a:normAutofit/>
+          </a:bodyPr>
           <a:lstStyle/>
           <a:p>
             <a:pPr algn="ctr"/>
             <a:r>
-              <a:rPr lang="pt-PT" dirty="0"/>
+              <a:rPr lang="pt-PT" sz="6600" dirty="0"/>
               <a:t>Elementos do Jogo</a:t>
             </a:r>
           </a:p>
@@ -3668,7 +6477,9 @@
           </a:xfrm>
         </p:spPr>
         <p:txBody>
-          <a:bodyPr/>
+          <a:bodyPr>
+            <a:normAutofit/>
+          </a:bodyPr>
           <a:lstStyle/>
           <a:p>
             <a:pPr marL="285750" indent="-285750" algn="ctr">
@@ -3676,7 +6487,7 @@
               <a:buChar char="•"/>
             </a:pPr>
             <a:r>
-              <a:rPr lang="pt-PT" dirty="0"/>
+              <a:rPr lang="pt-PT" sz="2000" dirty="0"/>
               <a:t>Dado</a:t>
             </a:r>
           </a:p>
@@ -3686,7 +6497,7 @@
               <a:buChar char="•"/>
             </a:pPr>
             <a:r>
-              <a:rPr lang="pt-PT" dirty="0"/>
+              <a:rPr lang="pt-PT" sz="2000" dirty="0"/>
               <a:t>Casas</a:t>
             </a:r>
           </a:p>
@@ -3696,7 +6507,7 @@
               <a:buChar char="•"/>
             </a:pPr>
             <a:r>
-              <a:rPr lang="pt-PT" dirty="0"/>
+              <a:rPr lang="pt-PT" sz="2000" dirty="0"/>
               <a:t>Caminho</a:t>
             </a:r>
           </a:p>
@@ -3706,7 +6517,7 @@
               <a:buChar char="•"/>
             </a:pPr>
             <a:r>
-              <a:rPr lang="pt-PT" dirty="0"/>
+              <a:rPr lang="pt-PT" sz="2000" dirty="0"/>
               <a:t>Peças</a:t>
             </a:r>
           </a:p>
@@ -3716,7 +6527,7 @@
               <a:buChar char="•"/>
             </a:pPr>
             <a:r>
-              <a:rPr lang="pt-PT" dirty="0"/>
+              <a:rPr lang="pt-PT" sz="2000" dirty="0"/>
               <a:t>Área Inicial</a:t>
             </a:r>
           </a:p>
@@ -3726,7 +6537,7 @@
               <a:buChar char="•"/>
             </a:pPr>
             <a:r>
-              <a:rPr lang="pt-PT" dirty="0"/>
+              <a:rPr lang="pt-PT" sz="2000" dirty="0"/>
               <a:t>Área Final</a:t>
             </a:r>
           </a:p>
@@ -3736,7 +6547,7 @@
               <a:buChar char="•"/>
             </a:pPr>
             <a:r>
-              <a:rPr lang="pt-PT" dirty="0"/>
+              <a:rPr lang="pt-PT" sz="2000" dirty="0"/>
               <a:t>Casa Final</a:t>
             </a:r>
           </a:p>
@@ -3746,7 +6557,7 @@
               <a:buChar char="•"/>
             </a:pPr>
             <a:r>
-              <a:rPr lang="pt-PT" dirty="0"/>
+              <a:rPr lang="pt-PT" sz="2000" dirty="0"/>
               <a:t>Tabuleiro</a:t>
             </a:r>
           </a:p>
@@ -3765,10 +6576,74 @@
 </p:sld>
 </file>
 
+<file path=ppt/slides/slide5.xml><?xml version="1.0" encoding="utf-8"?>
+<p:sld xmlns:a="http://schemas.openxmlformats.org/drawingml/2006/main" xmlns:r="http://schemas.openxmlformats.org/officeDocument/2006/relationships" xmlns:p="http://schemas.openxmlformats.org/presentationml/2006/main">
+  <p:cSld>
+    <p:spTree>
+      <p:nvGrpSpPr>
+        <p:cNvPr id="1" name=""/>
+        <p:cNvGrpSpPr/>
+        <p:nvPr/>
+      </p:nvGrpSpPr>
+      <p:grpSpPr>
+        <a:xfrm>
+          <a:off x="0" y="0"/>
+          <a:ext cx="0" cy="0"/>
+          <a:chOff x="0" y="0"/>
+          <a:chExt cx="0" cy="0"/>
+        </a:xfrm>
+      </p:grpSpPr>
+      <p:sp>
+        <p:nvSpPr>
+          <p:cNvPr id="2" name="Título 1">
+            <a:extLst>
+              <a:ext uri="{FF2B5EF4-FFF2-40B4-BE49-F238E27FC236}">
+                <a16:creationId xmlns:a16="http://schemas.microsoft.com/office/drawing/2014/main" id="{0E024D18-7538-91C0-B221-7948174E33DA}"/>
+              </a:ext>
+            </a:extLst>
+          </p:cNvPr>
+          <p:cNvSpPr>
+            <a:spLocks noGrp="1"/>
+          </p:cNvSpPr>
+          <p:nvPr>
+            <p:ph type="title"/>
+          </p:nvPr>
+        </p:nvSpPr>
+        <p:spPr>
+          <a:xfrm>
+            <a:off x="946355" y="2223422"/>
+            <a:ext cx="10515600" cy="1325563"/>
+          </a:xfrm>
+        </p:spPr>
+        <p:txBody>
+          <a:bodyPr/>
+          <a:lstStyle/>
+          <a:p>
+            <a:pPr algn="ctr"/>
+            <a:r>
+              <a:rPr lang="pt-PT" sz="6000" dirty="0"/>
+              <a:t>Obrigado pela Atenção !!!</a:t>
+            </a:r>
+          </a:p>
+        </p:txBody>
+      </p:sp>
+    </p:spTree>
+    <p:extLst>
+      <p:ext uri="{BB962C8B-B14F-4D97-AF65-F5344CB8AC3E}">
+        <p14:creationId xmlns:p14="http://schemas.microsoft.com/office/powerpoint/2010/main" val="1251026967"/>
+      </p:ext>
+    </p:extLst>
+  </p:cSld>
+  <p:clrMapOvr>
+    <a:masterClrMapping/>
+  </p:clrMapOvr>
+</p:sld>
+</file>
+
 <file path=ppt/theme/theme1.xml><?xml version="1.0" encoding="utf-8"?>
-<a:theme xmlns:a="http://schemas.openxmlformats.org/drawingml/2006/main" name="Tema do Office">
+<a:theme xmlns:a="http://schemas.openxmlformats.org/drawingml/2006/main" name="Ião">
   <a:themeElements>
-    <a:clrScheme name="Office">
+    <a:clrScheme name="Ião">
       <a:dk1>
         <a:sysClr val="windowText" lastClr="000000"/>
       </a:dk1>
@@ -3776,44 +6651,44 @@
         <a:sysClr val="window" lastClr="FFFFFF"/>
       </a:lt1>
       <a:dk2>
-        <a:srgbClr val="44546A"/>
+        <a:srgbClr val="1E5155"/>
       </a:dk2>
       <a:lt2>
-        <a:srgbClr val="E7E6E6"/>
+        <a:srgbClr val="EBEBEB"/>
       </a:lt2>
       <a:accent1>
-        <a:srgbClr val="4472C4"/>
+        <a:srgbClr val="B01513"/>
       </a:accent1>
       <a:accent2>
-        <a:srgbClr val="ED7D31"/>
+        <a:srgbClr val="EA6312"/>
       </a:accent2>
       <a:accent3>
-        <a:srgbClr val="A5A5A5"/>
+        <a:srgbClr val="E6B729"/>
       </a:accent3>
       <a:accent4>
-        <a:srgbClr val="FFC000"/>
+        <a:srgbClr val="6AAC90"/>
       </a:accent4>
       <a:accent5>
-        <a:srgbClr val="5B9BD5"/>
+        <a:srgbClr val="54849A"/>
       </a:accent5>
       <a:accent6>
-        <a:srgbClr val="70AD47"/>
+        <a:srgbClr val="9E5E9B"/>
       </a:accent6>
       <a:hlink>
-        <a:srgbClr val="0563C1"/>
+        <a:srgbClr val="58C1BA"/>
       </a:hlink>
       <a:folHlink>
-        <a:srgbClr val="954F72"/>
+        <a:srgbClr val="9DFFCB"/>
       </a:folHlink>
     </a:clrScheme>
-    <a:fontScheme name="Office">
+    <a:fontScheme name="Ião">
       <a:majorFont>
-        <a:latin typeface="Calibri Light" panose="020F0302020204030204"/>
+        <a:latin typeface="Century Gothic" panose="020B0502020202020204"/>
         <a:ea typeface=""/>
         <a:cs typeface=""/>
-        <a:font script="Jpan" typeface="游ゴシック Light"/>
+        <a:font script="Jpan" typeface="メイリオ"/>
         <a:font script="Hang" typeface="맑은 고딕"/>
-        <a:font script="Hans" typeface="等线 Light"/>
+        <a:font script="Hans" typeface="宋体"/>
         <a:font script="Hant" typeface="新細明體"/>
         <a:font script="Arab" typeface="Times New Roman"/>
         <a:font script="Hebr" typeface="Times New Roman"/>
@@ -3841,31 +6716,14 @@
         <a:font script="Viet" typeface="Times New Roman"/>
         <a:font script="Uigh" typeface="Microsoft Uighur"/>
         <a:font script="Geor" typeface="Sylfaen"/>
-        <a:font script="Armn" typeface="Arial"/>
-        <a:font script="Bugi" typeface="Leelawadee UI"/>
-        <a:font script="Bopo" typeface="Microsoft JhengHei"/>
-        <a:font script="Java" typeface="Javanese Text"/>
-        <a:font script="Lisu" typeface="Segoe UI"/>
-        <a:font script="Mymr" typeface="Myanmar Text"/>
-        <a:font script="Nkoo" typeface="Ebrima"/>
-        <a:font script="Olck" typeface="Nirmala UI"/>
-        <a:font script="Osma" typeface="Ebrima"/>
-        <a:font script="Phag" typeface="Phagspa"/>
-        <a:font script="Syrn" typeface="Estrangelo Edessa"/>
-        <a:font script="Syrj" typeface="Estrangelo Edessa"/>
-        <a:font script="Syre" typeface="Estrangelo Edessa"/>
-        <a:font script="Sora" typeface="Nirmala UI"/>
-        <a:font script="Tale" typeface="Microsoft Tai Le"/>
-        <a:font script="Talu" typeface="Microsoft New Tai Lue"/>
-        <a:font script="Tfng" typeface="Ebrima"/>
       </a:majorFont>
       <a:minorFont>
-        <a:latin typeface="Calibri" panose="020F0502020204030204"/>
+        <a:latin typeface="Century Gothic" panose="020B0502020202020204"/>
         <a:ea typeface=""/>
         <a:cs typeface=""/>
-        <a:font script="Jpan" typeface="游ゴシック"/>
+        <a:font script="Jpan" typeface="メイリオ"/>
         <a:font script="Hang" typeface="맑은 고딕"/>
-        <a:font script="Hans" typeface="等线"/>
+        <a:font script="Hans" typeface="宋体"/>
         <a:font script="Hant" typeface="新細明體"/>
         <a:font script="Arab" typeface="Arial"/>
         <a:font script="Hebr" typeface="Arial"/>
@@ -3893,26 +6751,9 @@
         <a:font script="Viet" typeface="Arial"/>
         <a:font script="Uigh" typeface="Microsoft Uighur"/>
         <a:font script="Geor" typeface="Sylfaen"/>
-        <a:font script="Armn" typeface="Arial"/>
-        <a:font script="Bugi" typeface="Leelawadee UI"/>
-        <a:font script="Bopo" typeface="Microsoft JhengHei"/>
-        <a:font script="Java" typeface="Javanese Text"/>
-        <a:font script="Lisu" typeface="Segoe UI"/>
-        <a:font script="Mymr" typeface="Myanmar Text"/>
-        <a:font script="Nkoo" typeface="Ebrima"/>
-        <a:font script="Olck" typeface="Nirmala UI"/>
-        <a:font script="Osma" typeface="Ebrima"/>
-        <a:font script="Phag" typeface="Phagspa"/>
-        <a:font script="Syrn" typeface="Estrangelo Edessa"/>
-        <a:font script="Syrj" typeface="Estrangelo Edessa"/>
-        <a:font script="Syre" typeface="Estrangelo Edessa"/>
-        <a:font script="Sora" typeface="Nirmala UI"/>
-        <a:font script="Tale" typeface="Microsoft Tai Le"/>
-        <a:font script="Talu" typeface="Microsoft New Tai Lue"/>
-        <a:font script="Tfng" typeface="Ebrima"/>
       </a:minorFont>
     </a:fontScheme>
-    <a:fmtScheme name="Office">
+    <a:fmtScheme name="Ião">
       <a:fillStyleLst>
         <a:solidFill>
           <a:schemeClr val="phClr"/>
@@ -3921,23 +6762,15 @@
           <a:gsLst>
             <a:gs pos="0">
               <a:schemeClr val="phClr">
-                <a:lumMod val="110000"/>
-                <a:satMod val="105000"/>
-                <a:tint val="67000"/>
-              </a:schemeClr>
-            </a:gs>
-            <a:gs pos="50000">
-              <a:schemeClr val="phClr">
-                <a:lumMod val="105000"/>
-                <a:satMod val="103000"/>
-                <a:tint val="73000"/>
+                <a:tint val="64000"/>
+                <a:lumMod val="118000"/>
               </a:schemeClr>
             </a:gs>
             <a:gs pos="100000">
               <a:schemeClr val="phClr">
-                <a:lumMod val="105000"/>
-                <a:satMod val="109000"/>
-                <a:tint val="81000"/>
+                <a:tint val="92000"/>
+                <a:alpha val="100000"/>
+                <a:lumMod val="110000"/>
               </a:schemeClr>
             </a:gs>
           </a:gsLst>
@@ -3947,23 +6780,14 @@
           <a:gsLst>
             <a:gs pos="0">
               <a:schemeClr val="phClr">
-                <a:satMod val="103000"/>
-                <a:lumMod val="102000"/>
-                <a:tint val="94000"/>
-              </a:schemeClr>
-            </a:gs>
-            <a:gs pos="50000">
-              <a:schemeClr val="phClr">
-                <a:satMod val="110000"/>
-                <a:lumMod val="100000"/>
-                <a:shade val="100000"/>
+                <a:tint val="98000"/>
+                <a:lumMod val="114000"/>
               </a:schemeClr>
             </a:gs>
             <a:gs pos="100000">
               <a:schemeClr val="phClr">
-                <a:lumMod val="99000"/>
-                <a:satMod val="120000"/>
-                <a:shade val="78000"/>
+                <a:shade val="90000"/>
+                <a:lumMod val="84000"/>
               </a:schemeClr>
             </a:gs>
           </a:gsLst>
@@ -3971,26 +6795,23 @@
         </a:gradFill>
       </a:fillStyleLst>
       <a:lnStyleLst>
-        <a:ln w="6350" cap="flat" cmpd="sng" algn="ctr">
+        <a:ln w="9525" cap="rnd" cmpd="sng" algn="ctr">
           <a:solidFill>
             <a:schemeClr val="phClr"/>
           </a:solidFill>
           <a:prstDash val="solid"/>
-          <a:miter lim="800000"/>
         </a:ln>
-        <a:ln w="12700" cap="flat" cmpd="sng" algn="ctr">
+        <a:ln w="19050" cap="rnd" cmpd="sng" algn="ctr">
           <a:solidFill>
             <a:schemeClr val="phClr"/>
           </a:solidFill>
           <a:prstDash val="solid"/>
-          <a:miter lim="800000"/>
         </a:ln>
-        <a:ln w="19050" cap="flat" cmpd="sng" algn="ctr">
+        <a:ln w="28575" cap="rnd" cmpd="sng" algn="ctr">
           <a:solidFill>
             <a:schemeClr val="phClr"/>
           </a:solidFill>
           <a:prstDash val="solid"/>
-          <a:miter lim="800000"/>
         </a:ln>
       </a:lnStyleLst>
       <a:effectStyleLst>
@@ -3998,55 +6819,80 @@
           <a:effectLst/>
         </a:effectStyle>
         <a:effectStyle>
-          <a:effectLst/>
+          <a:effectLst>
+            <a:outerShdw blurRad="38100" dist="25400" dir="5400000" rotWithShape="0">
+              <a:srgbClr val="000000">
+                <a:alpha val="45000"/>
+              </a:srgbClr>
+            </a:outerShdw>
+          </a:effectLst>
         </a:effectStyle>
         <a:effectStyle>
           <a:effectLst>
-            <a:outerShdw blurRad="57150" dist="19050" dir="5400000" algn="ctr" rotWithShape="0">
+            <a:outerShdw blurRad="63500" dist="38100" dir="5400000" rotWithShape="0">
               <a:srgbClr val="000000">
-                <a:alpha val="63000"/>
+                <a:alpha val="60000"/>
               </a:srgbClr>
             </a:outerShdw>
           </a:effectLst>
+          <a:scene3d>
+            <a:camera prst="orthographicFront">
+              <a:rot lat="0" lon="0" rev="0"/>
+            </a:camera>
+            <a:lightRig rig="threePt" dir="tl"/>
+          </a:scene3d>
+          <a:sp3d prstMaterial="plastic">
+            <a:bevelT w="0" h="0"/>
+          </a:sp3d>
         </a:effectStyle>
       </a:effectStyleLst>
       <a:bgFillStyleLst>
         <a:solidFill>
           <a:schemeClr val="phClr"/>
         </a:solidFill>
-        <a:solidFill>
-          <a:schemeClr val="phClr">
-            <a:tint val="95000"/>
-            <a:satMod val="170000"/>
-          </a:schemeClr>
-        </a:solidFill>
         <a:gradFill rotWithShape="1">
           <a:gsLst>
             <a:gs pos="0">
               <a:schemeClr val="phClr">
-                <a:tint val="93000"/>
-                <a:satMod val="150000"/>
-                <a:shade val="98000"/>
-                <a:lumMod val="102000"/>
-              </a:schemeClr>
-            </a:gs>
-            <a:gs pos="50000">
-              <a:schemeClr val="phClr">
-                <a:tint val="98000"/>
+                <a:tint val="97000"/>
+                <a:hueMod val="88000"/>
                 <a:satMod val="130000"/>
-                <a:shade val="90000"/>
-                <a:lumMod val="103000"/>
+                <a:lumMod val="124000"/>
               </a:schemeClr>
             </a:gs>
             <a:gs pos="100000">
               <a:schemeClr val="phClr">
-                <a:shade val="63000"/>
-                <a:satMod val="120000"/>
+                <a:tint val="96000"/>
+                <a:shade val="88000"/>
+                <a:hueMod val="108000"/>
+                <a:satMod val="164000"/>
+                <a:lumMod val="76000"/>
               </a:schemeClr>
             </a:gs>
           </a:gsLst>
-          <a:lin ang="5400000" scaled="0"/>
+          <a:path path="circle">
+            <a:fillToRect l="45000" t="65000" r="125000" b="100000"/>
+          </a:path>
         </a:gradFill>
+        <a:blipFill rotWithShape="1">
+          <a:blip xmlns:r="http://schemas.openxmlformats.org/officeDocument/2006/relationships" r:embed="rId1">
+            <a:duotone>
+              <a:schemeClr val="phClr">
+                <a:shade val="69000"/>
+                <a:hueMod val="108000"/>
+                <a:satMod val="164000"/>
+                <a:lumMod val="74000"/>
+              </a:schemeClr>
+              <a:schemeClr val="phClr">
+                <a:tint val="96000"/>
+                <a:hueMod val="88000"/>
+                <a:satMod val="140000"/>
+                <a:lumMod val="132000"/>
+              </a:schemeClr>
+            </a:duotone>
+          </a:blip>
+          <a:stretch/>
+        </a:blipFill>
       </a:bgFillStyleLst>
     </a:fmtScheme>
   </a:themeElements>
@@ -4054,7 +6900,7 @@
   <a:extraClrSchemeLst/>
   <a:extLst>
     <a:ext uri="{05A4C25C-085E-4340-85A3-A5531E510DB2}">
-      <thm15:themeFamily xmlns:thm15="http://schemas.microsoft.com/office/thememl/2012/main" name="Office Theme" id="{62F939B6-93AF-4DB8-9C6B-D6C7DFDC589F}" vid="{4A3C46E8-61CC-4603-A589-7422A47A8E4A}"/>
+      <thm15:themeFamily xmlns:thm15="http://schemas.microsoft.com/office/thememl/2012/main" name="Ion" id="{B8441ADB-2E43-4AF7-B97A-BD870242C6A8}" vid="{292E63A9-BB86-4E3D-B92A-7223C6510D2E}"/>
     </a:ext>
   </a:extLst>
 </a:theme>
